--- a/Slides/Module 4 - Testing and Deploying Projects.pptx
+++ b/Slides/Module 4 - Testing and Deploying Projects.pptx
@@ -3099,39 +3099,39 @@
     </dgm:pt>
   </dgm:ptLst>
   <dgm:cxnLst>
-    <dgm:cxn modelId="{EF7530DE-F01C-4A94-9278-2798D1CD602B}" srcId="{266D7ADC-C6B9-4F7D-A0E8-E402B1FA3962}" destId="{806F5A1A-B9EE-4176-9A9B-E11EA8F6AAF5}" srcOrd="0" destOrd="0" parTransId="{4FC237E4-9697-4708-B222-DD925623C292}" sibTransId="{EECB68E6-A823-4F9D-B5B9-39DD64AFDA85}"/>
+    <dgm:cxn modelId="{DE4B7613-D93E-426B-9F40-B3DB226A8715}" srcId="{CC50D243-2C53-433D-83B5-11E46DF35305}" destId="{9276FFF9-D79C-40AF-8922-4549E158446F}" srcOrd="3" destOrd="0" parTransId="{DD012C86-1E50-468B-9C59-345B52212D7B}" sibTransId="{A4852E42-E2A8-47A5-8214-FF6A5F6842E4}"/>
+    <dgm:cxn modelId="{1D80FF97-089B-4307-BF66-4AB687CE5231}" srcId="{CC50D243-2C53-433D-83B5-11E46DF35305}" destId="{E7F73476-85DD-4098-BAD4-49014E0FB9B4}" srcOrd="5" destOrd="0" parTransId="{37B7FC70-5909-4922-857F-AB312C3C3F18}" sibTransId="{A207DDED-1076-4D5E-8B73-454965FF8036}"/>
+    <dgm:cxn modelId="{CBF0D1F2-8301-468E-89B7-07624FA6186C}" srcId="{99E8B152-4D2D-45F2-ACA2-E9B1C2BD6DE8}" destId="{0027CDFD-0B4E-4C78-B7AD-36EE1167E62D}" srcOrd="0" destOrd="0" parTransId="{02194185-D9B8-4580-BEFE-221A71EF25BE}" sibTransId="{BEFD9A57-C3CB-49F5-B1F6-180C5E85B7A6}"/>
     <dgm:cxn modelId="{83DCBB00-7B27-4582-95DA-E0493F4EA896}" srcId="{543C4D73-2BD9-4FD3-B225-BA927636A30E}" destId="{918E5147-95D9-4A10-A481-3DD7B72ACD27}" srcOrd="0" destOrd="0" parTransId="{0FADB9FF-E2C5-4236-8645-1FC0C8202671}" sibTransId="{10E0F58B-C1E3-4F9D-9352-03EE3526194B}"/>
-    <dgm:cxn modelId="{4F745B43-7357-4769-B38E-D1A5714AA2D5}" srcId="{CC50D243-2C53-433D-83B5-11E46DF35305}" destId="{543C4D73-2BD9-4FD3-B225-BA927636A30E}" srcOrd="2" destOrd="0" parTransId="{E47569A2-16AA-4A1C-9D7E-B3E3CF00892E}" sibTransId="{5A7BC45B-A5C9-443C-B2F8-8D3AD5A77B12}"/>
-    <dgm:cxn modelId="{DE4B7613-D93E-426B-9F40-B3DB226A8715}" srcId="{CC50D243-2C53-433D-83B5-11E46DF35305}" destId="{9276FFF9-D79C-40AF-8922-4549E158446F}" srcOrd="3" destOrd="0" parTransId="{DD012C86-1E50-468B-9C59-345B52212D7B}" sibTransId="{A4852E42-E2A8-47A5-8214-FF6A5F6842E4}"/>
-    <dgm:cxn modelId="{70BD78EE-D468-4104-AA84-B32E53E94726}" type="presOf" srcId="{5D54E867-2EE5-4E6E-ADF3-70FD46C29A9E}" destId="{97A5505E-23ED-47A6-8FD4-A49DECDD05D3}" srcOrd="0" destOrd="0" presId="urn:microsoft.com/office/officeart/2005/8/layout/vList5"/>
-    <dgm:cxn modelId="{B4E76810-2EB8-4E9A-8A47-537A80113DD9}" type="presOf" srcId="{9276FFF9-D79C-40AF-8922-4549E158446F}" destId="{5EB87B31-1029-4A1F-9C0A-AFFB28CA0F5E}" srcOrd="0" destOrd="0" presId="urn:microsoft.com/office/officeart/2005/8/layout/vList5"/>
-    <dgm:cxn modelId="{5BEB166A-9021-4D37-BAC4-DE238FE58F3F}" srcId="{9276FFF9-D79C-40AF-8922-4549E158446F}" destId="{90922D1B-DBD8-4D9E-B67E-B598830D5F47}" srcOrd="0" destOrd="0" parTransId="{343B2824-7FE3-4635-8B66-BAEEF26802E9}" sibTransId="{F37E840D-9ECE-47E0-ADDD-D3DB4CC158ED}"/>
+    <dgm:cxn modelId="{2A370BD4-4C56-4548-BBC3-93DF3C9C6FB1}" type="presOf" srcId="{28F8D379-8B78-4F75-9B33-605DB1D0BA3E}" destId="{11908AA2-17DB-48BB-B152-062C361AC5C4}" srcOrd="0" destOrd="0" presId="urn:microsoft.com/office/officeart/2005/8/layout/vList5"/>
     <dgm:cxn modelId="{1EA2DA44-E392-49C6-9A56-2AD6888DA2D0}" srcId="{CC50D243-2C53-433D-83B5-11E46DF35305}" destId="{266D7ADC-C6B9-4F7D-A0E8-E402B1FA3962}" srcOrd="7" destOrd="0" parTransId="{86F86CFE-A982-41FE-AB6B-5B453AA32A9B}" sibTransId="{4D332AB7-8AA5-44A4-9F05-14EC2963D307}"/>
-    <dgm:cxn modelId="{2A370BD4-4C56-4548-BBC3-93DF3C9C6FB1}" type="presOf" srcId="{28F8D379-8B78-4F75-9B33-605DB1D0BA3E}" destId="{11908AA2-17DB-48BB-B152-062C361AC5C4}" srcOrd="0" destOrd="0" presId="urn:microsoft.com/office/officeart/2005/8/layout/vList5"/>
+    <dgm:cxn modelId="{4753D5B9-39F6-441D-84AF-B5EE76FD1A6E}" srcId="{28F8D379-8B78-4F75-9B33-605DB1D0BA3E}" destId="{5D54E867-2EE5-4E6E-ADF3-70FD46C29A9E}" srcOrd="0" destOrd="0" parTransId="{434BEC62-34DF-436A-A268-E80CDC1A6181}" sibTransId="{F7350657-FB02-42D2-BC7F-7337ACD37322}"/>
+    <dgm:cxn modelId="{C1FE3F84-A593-475C-B3B3-3420E3E4D60A}" type="presOf" srcId="{48D294A6-4B7E-4C0F-98AE-E649F44D7A31}" destId="{B2E8BDA2-7497-48D7-82A9-BA15BF6459D6}" srcOrd="0" destOrd="0" presId="urn:microsoft.com/office/officeart/2005/8/layout/vList5"/>
     <dgm:cxn modelId="{97223D53-642B-4DCB-B21C-435149453827}" type="presOf" srcId="{90922D1B-DBD8-4D9E-B67E-B598830D5F47}" destId="{6B068343-8AEE-4D1A-BB98-49539ECB81C6}" srcOrd="0" destOrd="0" presId="urn:microsoft.com/office/officeart/2005/8/layout/vList5"/>
-    <dgm:cxn modelId="{666C3790-A048-49F6-B1C3-ED40DDCB1D88}" srcId="{48D294A6-4B7E-4C0F-98AE-E649F44D7A31}" destId="{91C62179-2964-4056-BEC8-6F947A0A7F38}" srcOrd="0" destOrd="0" parTransId="{E98A37BF-268E-4B86-906A-EBFFBB7F84CB}" sibTransId="{E400CB7B-D2AA-4F1B-A73A-C77EF5640614}"/>
-    <dgm:cxn modelId="{FD190946-89C7-440C-A1B5-FF80E7A5A4A9}" type="presOf" srcId="{E7F73476-85DD-4098-BAD4-49014E0FB9B4}" destId="{688FC025-4783-434D-B4E6-5A40B7D6C3BF}" srcOrd="0" destOrd="0" presId="urn:microsoft.com/office/officeart/2005/8/layout/vList5"/>
-    <dgm:cxn modelId="{2DDE3C9D-E3F6-4647-8CFC-02FD3B51EFDF}" type="presOf" srcId="{806F5A1A-B9EE-4176-9A9B-E11EA8F6AAF5}" destId="{4BFFC55C-F992-42B5-ACBA-927650359393}" srcOrd="0" destOrd="0" presId="urn:microsoft.com/office/officeart/2005/8/layout/vList5"/>
-    <dgm:cxn modelId="{CBF0D1F2-8301-468E-89B7-07624FA6186C}" srcId="{99E8B152-4D2D-45F2-ACA2-E9B1C2BD6DE8}" destId="{0027CDFD-0B4E-4C78-B7AD-36EE1167E62D}" srcOrd="0" destOrd="0" parTransId="{02194185-D9B8-4580-BEFE-221A71EF25BE}" sibTransId="{BEFD9A57-C3CB-49F5-B1F6-180C5E85B7A6}"/>
-    <dgm:cxn modelId="{54875562-F0FB-4426-9020-0AD530F24A85}" type="presOf" srcId="{99E8B152-4D2D-45F2-ACA2-E9B1C2BD6DE8}" destId="{BFF26DF4-65D1-4C6C-83E7-E02E476876AC}" srcOrd="0" destOrd="0" presId="urn:microsoft.com/office/officeart/2005/8/layout/vList5"/>
-    <dgm:cxn modelId="{191A25D5-0D16-4EF2-85C7-3ACDBFE2D48B}" srcId="{CC50D243-2C53-433D-83B5-11E46DF35305}" destId="{48D294A6-4B7E-4C0F-98AE-E649F44D7A31}" srcOrd="1" destOrd="0" parTransId="{74C74D6C-619B-489D-9C64-CF9B02E11778}" sibTransId="{94E2B152-3463-4111-8929-7D5836B03086}"/>
-    <dgm:cxn modelId="{DAFAF940-02E6-4904-9FD1-FF714FD37792}" type="presOf" srcId="{0027CDFD-0B4E-4C78-B7AD-36EE1167E62D}" destId="{FFE84D8B-EAEB-4671-98B1-5017065D43FE}" srcOrd="0" destOrd="0" presId="urn:microsoft.com/office/officeart/2005/8/layout/vList5"/>
-    <dgm:cxn modelId="{7049AEB2-4A19-448F-A9DA-37F99BD37EC9}" type="presOf" srcId="{543C4D73-2BD9-4FD3-B225-BA927636A30E}" destId="{839A0C55-6F4F-487B-ABCB-7E5C2EC4A22A}" srcOrd="0" destOrd="0" presId="urn:microsoft.com/office/officeart/2005/8/layout/vList5"/>
-    <dgm:cxn modelId="{5A5FA901-A0FB-4960-AFF9-DD677C9DCAD8}" srcId="{CC50D243-2C53-433D-83B5-11E46DF35305}" destId="{719C47DE-F31E-40B8-8C39-F5934A15DDBC}" srcOrd="6" destOrd="0" parTransId="{21763861-BDA6-4B07-B951-34DAD8AE812B}" sibTransId="{36A14769-82A7-424F-B1B1-0E0A45F8EF4A}"/>
-    <dgm:cxn modelId="{6500C54C-8950-49C8-8D30-0089C76D6047}" srcId="{719C47DE-F31E-40B8-8C39-F5934A15DDBC}" destId="{B248103A-E7D3-490A-88F9-91A15A944083}" srcOrd="0" destOrd="0" parTransId="{16134BBE-B555-46F3-9332-8608118C61E0}" sibTransId="{D80705FF-F174-4038-9F65-600114DB5DC3}"/>
-    <dgm:cxn modelId="{3776C0F5-F70D-4811-A935-E84F5A50CAB4}" type="presOf" srcId="{918E5147-95D9-4A10-A481-3DD7B72ACD27}" destId="{5D864B8D-FACF-48E7-8326-E483DE976D5A}" srcOrd="0" destOrd="0" presId="urn:microsoft.com/office/officeart/2005/8/layout/vList5"/>
-    <dgm:cxn modelId="{CFEF53BF-ABAA-49DC-8CFD-90763E14B18F}" srcId="{CC50D243-2C53-433D-83B5-11E46DF35305}" destId="{28F8D379-8B78-4F75-9B33-605DB1D0BA3E}" srcOrd="0" destOrd="0" parTransId="{0AE93605-1E15-4195-B27A-345D384EB455}" sibTransId="{35CB1AC4-DF49-4279-9C96-729819D1C9C3}"/>
-    <dgm:cxn modelId="{1D80FF97-089B-4307-BF66-4AB687CE5231}" srcId="{CC50D243-2C53-433D-83B5-11E46DF35305}" destId="{E7F73476-85DD-4098-BAD4-49014E0FB9B4}" srcOrd="5" destOrd="0" parTransId="{37B7FC70-5909-4922-857F-AB312C3C3F18}" sibTransId="{A207DDED-1076-4D5E-8B73-454965FF8036}"/>
-    <dgm:cxn modelId="{6E732E31-99C6-4BC0-98D7-AED8E9547676}" srcId="{E7F73476-85DD-4098-BAD4-49014E0FB9B4}" destId="{C048FFD4-4AF4-4C98-96DD-1DE3B9155507}" srcOrd="0" destOrd="0" parTransId="{39655BFD-0ECE-452E-A0CD-E4AB0354B80D}" sibTransId="{CED5ADC1-E1AC-44B6-A8C4-1E32480B29D1}"/>
     <dgm:cxn modelId="{455F5B2C-F5CD-4A4D-AE6B-D49DD412D05D}" type="presOf" srcId="{C048FFD4-4AF4-4C98-96DD-1DE3B9155507}" destId="{2245F942-C6A0-41D1-8C34-B2DEF62AC9A1}" srcOrd="0" destOrd="0" presId="urn:microsoft.com/office/officeart/2005/8/layout/vList5"/>
     <dgm:cxn modelId="{86C8AAB4-EFBA-420B-8664-3B16B8F906C5}" type="presOf" srcId="{266D7ADC-C6B9-4F7D-A0E8-E402B1FA3962}" destId="{CE1A8DFA-4C55-43D3-B9A5-71BB5512FB90}" srcOrd="0" destOrd="0" presId="urn:microsoft.com/office/officeart/2005/8/layout/vList5"/>
-    <dgm:cxn modelId="{C1FE3F84-A593-475C-B3B3-3420E3E4D60A}" type="presOf" srcId="{48D294A6-4B7E-4C0F-98AE-E649F44D7A31}" destId="{B2E8BDA2-7497-48D7-82A9-BA15BF6459D6}" srcOrd="0" destOrd="0" presId="urn:microsoft.com/office/officeart/2005/8/layout/vList5"/>
+    <dgm:cxn modelId="{5BEB166A-9021-4D37-BAC4-DE238FE58F3F}" srcId="{9276FFF9-D79C-40AF-8922-4549E158446F}" destId="{90922D1B-DBD8-4D9E-B67E-B598830D5F47}" srcOrd="0" destOrd="0" parTransId="{343B2824-7FE3-4635-8B66-BAEEF26802E9}" sibTransId="{F37E840D-9ECE-47E0-ADDD-D3DB4CC158ED}"/>
+    <dgm:cxn modelId="{6500C54C-8950-49C8-8D30-0089C76D6047}" srcId="{719C47DE-F31E-40B8-8C39-F5934A15DDBC}" destId="{B248103A-E7D3-490A-88F9-91A15A944083}" srcOrd="0" destOrd="0" parTransId="{16134BBE-B555-46F3-9332-8608118C61E0}" sibTransId="{D80705FF-F174-4038-9F65-600114DB5DC3}"/>
+    <dgm:cxn modelId="{FD190946-89C7-440C-A1B5-FF80E7A5A4A9}" type="presOf" srcId="{E7F73476-85DD-4098-BAD4-49014E0FB9B4}" destId="{688FC025-4783-434D-B4E6-5A40B7D6C3BF}" srcOrd="0" destOrd="0" presId="urn:microsoft.com/office/officeart/2005/8/layout/vList5"/>
+    <dgm:cxn modelId="{DAFAF940-02E6-4904-9FD1-FF714FD37792}" type="presOf" srcId="{0027CDFD-0B4E-4C78-B7AD-36EE1167E62D}" destId="{FFE84D8B-EAEB-4671-98B1-5017065D43FE}" srcOrd="0" destOrd="0" presId="urn:microsoft.com/office/officeart/2005/8/layout/vList5"/>
+    <dgm:cxn modelId="{666C3790-A048-49F6-B1C3-ED40DDCB1D88}" srcId="{48D294A6-4B7E-4C0F-98AE-E649F44D7A31}" destId="{91C62179-2964-4056-BEC8-6F947A0A7F38}" srcOrd="0" destOrd="0" parTransId="{E98A37BF-268E-4B86-906A-EBFFBB7F84CB}" sibTransId="{E400CB7B-D2AA-4F1B-A73A-C77EF5640614}"/>
+    <dgm:cxn modelId="{770F79EE-F59A-4543-B643-494703D57AD8}" type="presOf" srcId="{719C47DE-F31E-40B8-8C39-F5934A15DDBC}" destId="{79E605A5-0600-430C-9EB9-81D753D41573}" srcOrd="0" destOrd="0" presId="urn:microsoft.com/office/officeart/2005/8/layout/vList5"/>
+    <dgm:cxn modelId="{EF7530DE-F01C-4A94-9278-2798D1CD602B}" srcId="{266D7ADC-C6B9-4F7D-A0E8-E402B1FA3962}" destId="{806F5A1A-B9EE-4176-9A9B-E11EA8F6AAF5}" srcOrd="0" destOrd="0" parTransId="{4FC237E4-9697-4708-B222-DD925623C292}" sibTransId="{EECB68E6-A823-4F9D-B5B9-39DD64AFDA85}"/>
+    <dgm:cxn modelId="{70BD78EE-D468-4104-AA84-B32E53E94726}" type="presOf" srcId="{5D54E867-2EE5-4E6E-ADF3-70FD46C29A9E}" destId="{97A5505E-23ED-47A6-8FD4-A49DECDD05D3}" srcOrd="0" destOrd="0" presId="urn:microsoft.com/office/officeart/2005/8/layout/vList5"/>
+    <dgm:cxn modelId="{54875562-F0FB-4426-9020-0AD530F24A85}" type="presOf" srcId="{99E8B152-4D2D-45F2-ACA2-E9B1C2BD6DE8}" destId="{BFF26DF4-65D1-4C6C-83E7-E02E476876AC}" srcOrd="0" destOrd="0" presId="urn:microsoft.com/office/officeart/2005/8/layout/vList5"/>
+    <dgm:cxn modelId="{6E732E31-99C6-4BC0-98D7-AED8E9547676}" srcId="{E7F73476-85DD-4098-BAD4-49014E0FB9B4}" destId="{C048FFD4-4AF4-4C98-96DD-1DE3B9155507}" srcOrd="0" destOrd="0" parTransId="{39655BFD-0ECE-452E-A0CD-E4AB0354B80D}" sibTransId="{CED5ADC1-E1AC-44B6-A8C4-1E32480B29D1}"/>
+    <dgm:cxn modelId="{4513DFC4-F222-4542-A750-2EA7C8861530}" type="presOf" srcId="{CC50D243-2C53-433D-83B5-11E46DF35305}" destId="{008FD7B1-49B2-4BA3-B80E-C5B2EAD406EA}" srcOrd="0" destOrd="0" presId="urn:microsoft.com/office/officeart/2005/8/layout/vList5"/>
+    <dgm:cxn modelId="{3776C0F5-F70D-4811-A935-E84F5A50CAB4}" type="presOf" srcId="{918E5147-95D9-4A10-A481-3DD7B72ACD27}" destId="{5D864B8D-FACF-48E7-8326-E483DE976D5A}" srcOrd="0" destOrd="0" presId="urn:microsoft.com/office/officeart/2005/8/layout/vList5"/>
     <dgm:cxn modelId="{D544F27D-EA9D-4A14-94C9-27BE411A00F3}" srcId="{CC50D243-2C53-433D-83B5-11E46DF35305}" destId="{99E8B152-4D2D-45F2-ACA2-E9B1C2BD6DE8}" srcOrd="4" destOrd="0" parTransId="{F28AFD1F-305C-4FB2-96C5-339B8E121015}" sibTransId="{EAF88F85-3D8F-4F9F-BBF4-C425D834D4C4}"/>
-    <dgm:cxn modelId="{4753D5B9-39F6-441D-84AF-B5EE76FD1A6E}" srcId="{28F8D379-8B78-4F75-9B33-605DB1D0BA3E}" destId="{5D54E867-2EE5-4E6E-ADF3-70FD46C29A9E}" srcOrd="0" destOrd="0" parTransId="{434BEC62-34DF-436A-A268-E80CDC1A6181}" sibTransId="{F7350657-FB02-42D2-BC7F-7337ACD37322}"/>
+    <dgm:cxn modelId="{4F745B43-7357-4769-B38E-D1A5714AA2D5}" srcId="{CC50D243-2C53-433D-83B5-11E46DF35305}" destId="{543C4D73-2BD9-4FD3-B225-BA927636A30E}" srcOrd="2" destOrd="0" parTransId="{E47569A2-16AA-4A1C-9D7E-B3E3CF00892E}" sibTransId="{5A7BC45B-A5C9-443C-B2F8-8D3AD5A77B12}"/>
+    <dgm:cxn modelId="{5A5FA901-A0FB-4960-AFF9-DD677C9DCAD8}" srcId="{CC50D243-2C53-433D-83B5-11E46DF35305}" destId="{719C47DE-F31E-40B8-8C39-F5934A15DDBC}" srcOrd="6" destOrd="0" parTransId="{21763861-BDA6-4B07-B951-34DAD8AE812B}" sibTransId="{36A14769-82A7-424F-B1B1-0E0A45F8EF4A}"/>
+    <dgm:cxn modelId="{CFEF53BF-ABAA-49DC-8CFD-90763E14B18F}" srcId="{CC50D243-2C53-433D-83B5-11E46DF35305}" destId="{28F8D379-8B78-4F75-9B33-605DB1D0BA3E}" srcOrd="0" destOrd="0" parTransId="{0AE93605-1E15-4195-B27A-345D384EB455}" sibTransId="{35CB1AC4-DF49-4279-9C96-729819D1C9C3}"/>
+    <dgm:cxn modelId="{7049AEB2-4A19-448F-A9DA-37F99BD37EC9}" type="presOf" srcId="{543C4D73-2BD9-4FD3-B225-BA927636A30E}" destId="{839A0C55-6F4F-487B-ABCB-7E5C2EC4A22A}" srcOrd="0" destOrd="0" presId="urn:microsoft.com/office/officeart/2005/8/layout/vList5"/>
+    <dgm:cxn modelId="{FC31A40F-E593-4542-BFA9-0B67B46EEC2F}" type="presOf" srcId="{B248103A-E7D3-490A-88F9-91A15A944083}" destId="{29811E64-59C0-473E-A935-A00FE01DF74E}" srcOrd="0" destOrd="0" presId="urn:microsoft.com/office/officeart/2005/8/layout/vList5"/>
+    <dgm:cxn modelId="{2DDE3C9D-E3F6-4647-8CFC-02FD3B51EFDF}" type="presOf" srcId="{806F5A1A-B9EE-4176-9A9B-E11EA8F6AAF5}" destId="{4BFFC55C-F992-42B5-ACBA-927650359393}" srcOrd="0" destOrd="0" presId="urn:microsoft.com/office/officeart/2005/8/layout/vList5"/>
+    <dgm:cxn modelId="{B4E76810-2EB8-4E9A-8A47-537A80113DD9}" type="presOf" srcId="{9276FFF9-D79C-40AF-8922-4549E158446F}" destId="{5EB87B31-1029-4A1F-9C0A-AFFB28CA0F5E}" srcOrd="0" destOrd="0" presId="urn:microsoft.com/office/officeart/2005/8/layout/vList5"/>
     <dgm:cxn modelId="{842D5D19-9A32-423A-87CD-8B9A0D34A00C}" type="presOf" srcId="{91C62179-2964-4056-BEC8-6F947A0A7F38}" destId="{CC005D75-9949-46F5-816A-84FDF35D1A84}" srcOrd="0" destOrd="0" presId="urn:microsoft.com/office/officeart/2005/8/layout/vList5"/>
-    <dgm:cxn modelId="{770F79EE-F59A-4543-B643-494703D57AD8}" type="presOf" srcId="{719C47DE-F31E-40B8-8C39-F5934A15DDBC}" destId="{79E605A5-0600-430C-9EB9-81D753D41573}" srcOrd="0" destOrd="0" presId="urn:microsoft.com/office/officeart/2005/8/layout/vList5"/>
-    <dgm:cxn modelId="{FC31A40F-E593-4542-BFA9-0B67B46EEC2F}" type="presOf" srcId="{B248103A-E7D3-490A-88F9-91A15A944083}" destId="{29811E64-59C0-473E-A935-A00FE01DF74E}" srcOrd="0" destOrd="0" presId="urn:microsoft.com/office/officeart/2005/8/layout/vList5"/>
-    <dgm:cxn modelId="{4513DFC4-F222-4542-A750-2EA7C8861530}" type="presOf" srcId="{CC50D243-2C53-433D-83B5-11E46DF35305}" destId="{008FD7B1-49B2-4BA3-B80E-C5B2EAD406EA}" srcOrd="0" destOrd="0" presId="urn:microsoft.com/office/officeart/2005/8/layout/vList5"/>
+    <dgm:cxn modelId="{191A25D5-0D16-4EF2-85C7-3ACDBFE2D48B}" srcId="{CC50D243-2C53-433D-83B5-11E46DF35305}" destId="{48D294A6-4B7E-4C0F-98AE-E649F44D7A31}" srcOrd="1" destOrd="0" parTransId="{74C74D6C-619B-489D-9C64-CF9B02E11778}" sibTransId="{94E2B152-3463-4111-8929-7D5836B03086}"/>
     <dgm:cxn modelId="{69175A9E-F226-40C4-A3C3-0B44DC7ED7F3}" type="presParOf" srcId="{008FD7B1-49B2-4BA3-B80E-C5B2EAD406EA}" destId="{3F7F0EEE-74DE-4FFF-ADD7-A426C33A7C48}" srcOrd="0" destOrd="0" presId="urn:microsoft.com/office/officeart/2005/8/layout/vList5"/>
     <dgm:cxn modelId="{0348A6A6-41C0-4CD1-9F1D-D44F0D2B06CA}" type="presParOf" srcId="{3F7F0EEE-74DE-4FFF-ADD7-A426C33A7C48}" destId="{11908AA2-17DB-48BB-B152-062C361AC5C4}" srcOrd="0" destOrd="0" presId="urn:microsoft.com/office/officeart/2005/8/layout/vList5"/>
     <dgm:cxn modelId="{AA4DA0D9-91E2-4C38-8C88-359D60EC44A0}" type="presParOf" srcId="{3F7F0EEE-74DE-4FFF-ADD7-A426C33A7C48}" destId="{97A5505E-23ED-47A6-8FD4-A49DECDD05D3}" srcOrd="1" destOrd="0" presId="urn:microsoft.com/office/officeart/2005/8/layout/vList5"/>
@@ -3841,27 +3841,27 @@
     </dgm:pt>
   </dgm:ptLst>
   <dgm:cxnLst>
+    <dgm:cxn modelId="{DE4B7613-D93E-426B-9F40-B3DB226A8715}" srcId="{CC50D243-2C53-433D-83B5-11E46DF35305}" destId="{9276FFF9-D79C-40AF-8922-4549E158446F}" srcOrd="3" destOrd="0" parTransId="{DD012C86-1E50-468B-9C59-345B52212D7B}" sibTransId="{A4852E42-E2A8-47A5-8214-FF6A5F6842E4}"/>
+    <dgm:cxn modelId="{83DCBB00-7B27-4582-95DA-E0493F4EA896}" srcId="{543C4D73-2BD9-4FD3-B225-BA927636A30E}" destId="{918E5147-95D9-4A10-A481-3DD7B72ACD27}" srcOrd="0" destOrd="0" parTransId="{0FADB9FF-E2C5-4236-8645-1FC0C8202671}" sibTransId="{10E0F58B-C1E3-4F9D-9352-03EE3526194B}"/>
+    <dgm:cxn modelId="{28175BAE-2D62-4E37-8D04-BB212BDCB108}" type="presOf" srcId="{99E8B152-4D2D-45F2-ACA2-E9B1C2BD6DE8}" destId="{BFF26DF4-65D1-4C6C-83E7-E02E476876AC}" srcOrd="0" destOrd="0" presId="urn:microsoft.com/office/officeart/2005/8/layout/vList5"/>
+    <dgm:cxn modelId="{828065E9-7DB3-4179-8D9A-7723CA09E65C}" type="presOf" srcId="{9276FFF9-D79C-40AF-8922-4549E158446F}" destId="{5EB87B31-1029-4A1F-9C0A-AFFB28CA0F5E}" srcOrd="0" destOrd="0" presId="urn:microsoft.com/office/officeart/2005/8/layout/vList5"/>
+    <dgm:cxn modelId="{CB534479-8F56-4557-923D-DFFC680542ED}" type="presOf" srcId="{543C4D73-2BD9-4FD3-B225-BA927636A30E}" destId="{839A0C55-6F4F-487B-ABCB-7E5C2EC4A22A}" srcOrd="0" destOrd="0" presId="urn:microsoft.com/office/officeart/2005/8/layout/vList5"/>
+    <dgm:cxn modelId="{72DA63C1-EC66-410B-931B-457F92423750}" type="presOf" srcId="{90922D1B-DBD8-4D9E-B67E-B598830D5F47}" destId="{6B068343-8AEE-4D1A-BB98-49539ECB81C6}" srcOrd="0" destOrd="0" presId="urn:microsoft.com/office/officeart/2005/8/layout/vList5"/>
+    <dgm:cxn modelId="{4753D5B9-39F6-441D-84AF-B5EE76FD1A6E}" srcId="{28F8D379-8B78-4F75-9B33-605DB1D0BA3E}" destId="{5D54E867-2EE5-4E6E-ADF3-70FD46C29A9E}" srcOrd="0" destOrd="0" parTransId="{434BEC62-34DF-436A-A268-E80CDC1A6181}" sibTransId="{F7350657-FB02-42D2-BC7F-7337ACD37322}"/>
+    <dgm:cxn modelId="{F5EF1E1F-E9F8-40C0-BC3D-06DA627D93B1}" type="presOf" srcId="{91C62179-2964-4056-BEC8-6F947A0A7F38}" destId="{CC005D75-9949-46F5-816A-84FDF35D1A84}" srcOrd="0" destOrd="0" presId="urn:microsoft.com/office/officeart/2005/8/layout/vList5"/>
+    <dgm:cxn modelId="{B8D404FF-751A-4EEC-9810-8B7BA12C6617}" type="presOf" srcId="{28F8D379-8B78-4F75-9B33-605DB1D0BA3E}" destId="{11908AA2-17DB-48BB-B152-062C361AC5C4}" srcOrd="0" destOrd="0" presId="urn:microsoft.com/office/officeart/2005/8/layout/vList5"/>
+    <dgm:cxn modelId="{5BEB166A-9021-4D37-BAC4-DE238FE58F3F}" srcId="{9276FFF9-D79C-40AF-8922-4549E158446F}" destId="{90922D1B-DBD8-4D9E-B67E-B598830D5F47}" srcOrd="0" destOrd="0" parTransId="{343B2824-7FE3-4635-8B66-BAEEF26802E9}" sibTransId="{F37E840D-9ECE-47E0-ADDD-D3DB4CC158ED}"/>
+    <dgm:cxn modelId="{B6773EE8-5A55-45F2-9393-11AE376F6863}" srcId="{99E8B152-4D2D-45F2-ACA2-E9B1C2BD6DE8}" destId="{1D3542A6-B046-460E-8B83-6FC830A366E8}" srcOrd="0" destOrd="0" parTransId="{0DF00535-0779-474A-B7FC-19552060F222}" sibTransId="{FEFA6B22-E062-46C9-8BD7-448544C19961}"/>
+    <dgm:cxn modelId="{80B8A57C-4AF8-478C-BB71-ABC681370B9B}" type="presOf" srcId="{48D294A6-4B7E-4C0F-98AE-E649F44D7A31}" destId="{B2E8BDA2-7497-48D7-82A9-BA15BF6459D6}" srcOrd="0" destOrd="0" presId="urn:microsoft.com/office/officeart/2005/8/layout/vList5"/>
+    <dgm:cxn modelId="{666C3790-A048-49F6-B1C3-ED40DDCB1D88}" srcId="{48D294A6-4B7E-4C0F-98AE-E649F44D7A31}" destId="{91C62179-2964-4056-BEC8-6F947A0A7F38}" srcOrd="0" destOrd="0" parTransId="{E98A37BF-268E-4B86-906A-EBFFBB7F84CB}" sibTransId="{E400CB7B-D2AA-4F1B-A73A-C77EF5640614}"/>
+    <dgm:cxn modelId="{D4743394-2965-4CD1-9840-783CEDBEE746}" type="presOf" srcId="{CC50D243-2C53-433D-83B5-11E46DF35305}" destId="{008FD7B1-49B2-4BA3-B80E-C5B2EAD406EA}" srcOrd="0" destOrd="0" presId="urn:microsoft.com/office/officeart/2005/8/layout/vList5"/>
+    <dgm:cxn modelId="{D544F27D-EA9D-4A14-94C9-27BE411A00F3}" srcId="{CC50D243-2C53-433D-83B5-11E46DF35305}" destId="{99E8B152-4D2D-45F2-ACA2-E9B1C2BD6DE8}" srcOrd="4" destOrd="0" parTransId="{F28AFD1F-305C-4FB2-96C5-339B8E121015}" sibTransId="{EAF88F85-3D8F-4F9F-BBF4-C425D834D4C4}"/>
+    <dgm:cxn modelId="{200B291C-7EE2-420E-80E4-AFBD7D99C928}" type="presOf" srcId="{918E5147-95D9-4A10-A481-3DD7B72ACD27}" destId="{5D864B8D-FACF-48E7-8326-E483DE976D5A}" srcOrd="0" destOrd="0" presId="urn:microsoft.com/office/officeart/2005/8/layout/vList5"/>
+    <dgm:cxn modelId="{4F745B43-7357-4769-B38E-D1A5714AA2D5}" srcId="{CC50D243-2C53-433D-83B5-11E46DF35305}" destId="{543C4D73-2BD9-4FD3-B225-BA927636A30E}" srcOrd="2" destOrd="0" parTransId="{E47569A2-16AA-4A1C-9D7E-B3E3CF00892E}" sibTransId="{5A7BC45B-A5C9-443C-B2F8-8D3AD5A77B12}"/>
+    <dgm:cxn modelId="{CFEF53BF-ABAA-49DC-8CFD-90763E14B18F}" srcId="{CC50D243-2C53-433D-83B5-11E46DF35305}" destId="{28F8D379-8B78-4F75-9B33-605DB1D0BA3E}" srcOrd="0" destOrd="0" parTransId="{0AE93605-1E15-4195-B27A-345D384EB455}" sibTransId="{35CB1AC4-DF49-4279-9C96-729819D1C9C3}"/>
+    <dgm:cxn modelId="{D6C98D72-777A-4E18-85CE-F48F30F195D3}" type="presOf" srcId="{5D54E867-2EE5-4E6E-ADF3-70FD46C29A9E}" destId="{97A5505E-23ED-47A6-8FD4-A49DECDD05D3}" srcOrd="0" destOrd="0" presId="urn:microsoft.com/office/officeart/2005/8/layout/vList5"/>
+    <dgm:cxn modelId="{92910DA8-8B5D-46B8-B420-B72F9E9184F3}" type="presOf" srcId="{1D3542A6-B046-460E-8B83-6FC830A366E8}" destId="{FFE84D8B-EAEB-4671-98B1-5017065D43FE}" srcOrd="0" destOrd="0" presId="urn:microsoft.com/office/officeart/2005/8/layout/vList5"/>
     <dgm:cxn modelId="{191A25D5-0D16-4EF2-85C7-3ACDBFE2D48B}" srcId="{CC50D243-2C53-433D-83B5-11E46DF35305}" destId="{48D294A6-4B7E-4C0F-98AE-E649F44D7A31}" srcOrd="1" destOrd="0" parTransId="{74C74D6C-619B-489D-9C64-CF9B02E11778}" sibTransId="{94E2B152-3463-4111-8929-7D5836B03086}"/>
-    <dgm:cxn modelId="{B8D404FF-751A-4EEC-9810-8B7BA12C6617}" type="presOf" srcId="{28F8D379-8B78-4F75-9B33-605DB1D0BA3E}" destId="{11908AA2-17DB-48BB-B152-062C361AC5C4}" srcOrd="0" destOrd="0" presId="urn:microsoft.com/office/officeart/2005/8/layout/vList5"/>
-    <dgm:cxn modelId="{CFEF53BF-ABAA-49DC-8CFD-90763E14B18F}" srcId="{CC50D243-2C53-433D-83B5-11E46DF35305}" destId="{28F8D379-8B78-4F75-9B33-605DB1D0BA3E}" srcOrd="0" destOrd="0" parTransId="{0AE93605-1E15-4195-B27A-345D384EB455}" sibTransId="{35CB1AC4-DF49-4279-9C96-729819D1C9C3}"/>
-    <dgm:cxn modelId="{D544F27D-EA9D-4A14-94C9-27BE411A00F3}" srcId="{CC50D243-2C53-433D-83B5-11E46DF35305}" destId="{99E8B152-4D2D-45F2-ACA2-E9B1C2BD6DE8}" srcOrd="4" destOrd="0" parTransId="{F28AFD1F-305C-4FB2-96C5-339B8E121015}" sibTransId="{EAF88F85-3D8F-4F9F-BBF4-C425D834D4C4}"/>
-    <dgm:cxn modelId="{5BEB166A-9021-4D37-BAC4-DE238FE58F3F}" srcId="{9276FFF9-D79C-40AF-8922-4549E158446F}" destId="{90922D1B-DBD8-4D9E-B67E-B598830D5F47}" srcOrd="0" destOrd="0" parTransId="{343B2824-7FE3-4635-8B66-BAEEF26802E9}" sibTransId="{F37E840D-9ECE-47E0-ADDD-D3DB4CC158ED}"/>
-    <dgm:cxn modelId="{83DCBB00-7B27-4582-95DA-E0493F4EA896}" srcId="{543C4D73-2BD9-4FD3-B225-BA927636A30E}" destId="{918E5147-95D9-4A10-A481-3DD7B72ACD27}" srcOrd="0" destOrd="0" parTransId="{0FADB9FF-E2C5-4236-8645-1FC0C8202671}" sibTransId="{10E0F58B-C1E3-4F9D-9352-03EE3526194B}"/>
-    <dgm:cxn modelId="{4F745B43-7357-4769-B38E-D1A5714AA2D5}" srcId="{CC50D243-2C53-433D-83B5-11E46DF35305}" destId="{543C4D73-2BD9-4FD3-B225-BA927636A30E}" srcOrd="2" destOrd="0" parTransId="{E47569A2-16AA-4A1C-9D7E-B3E3CF00892E}" sibTransId="{5A7BC45B-A5C9-443C-B2F8-8D3AD5A77B12}"/>
-    <dgm:cxn modelId="{D4743394-2965-4CD1-9840-783CEDBEE746}" type="presOf" srcId="{CC50D243-2C53-433D-83B5-11E46DF35305}" destId="{008FD7B1-49B2-4BA3-B80E-C5B2EAD406EA}" srcOrd="0" destOrd="0" presId="urn:microsoft.com/office/officeart/2005/8/layout/vList5"/>
-    <dgm:cxn modelId="{828065E9-7DB3-4179-8D9A-7723CA09E65C}" type="presOf" srcId="{9276FFF9-D79C-40AF-8922-4549E158446F}" destId="{5EB87B31-1029-4A1F-9C0A-AFFB28CA0F5E}" srcOrd="0" destOrd="0" presId="urn:microsoft.com/office/officeart/2005/8/layout/vList5"/>
-    <dgm:cxn modelId="{28175BAE-2D62-4E37-8D04-BB212BDCB108}" type="presOf" srcId="{99E8B152-4D2D-45F2-ACA2-E9B1C2BD6DE8}" destId="{BFF26DF4-65D1-4C6C-83E7-E02E476876AC}" srcOrd="0" destOrd="0" presId="urn:microsoft.com/office/officeart/2005/8/layout/vList5"/>
-    <dgm:cxn modelId="{80B8A57C-4AF8-478C-BB71-ABC681370B9B}" type="presOf" srcId="{48D294A6-4B7E-4C0F-98AE-E649F44D7A31}" destId="{B2E8BDA2-7497-48D7-82A9-BA15BF6459D6}" srcOrd="0" destOrd="0" presId="urn:microsoft.com/office/officeart/2005/8/layout/vList5"/>
-    <dgm:cxn modelId="{CB534479-8F56-4557-923D-DFFC680542ED}" type="presOf" srcId="{543C4D73-2BD9-4FD3-B225-BA927636A30E}" destId="{839A0C55-6F4F-487B-ABCB-7E5C2EC4A22A}" srcOrd="0" destOrd="0" presId="urn:microsoft.com/office/officeart/2005/8/layout/vList5"/>
-    <dgm:cxn modelId="{DE4B7613-D93E-426B-9F40-B3DB226A8715}" srcId="{CC50D243-2C53-433D-83B5-11E46DF35305}" destId="{9276FFF9-D79C-40AF-8922-4549E158446F}" srcOrd="3" destOrd="0" parTransId="{DD012C86-1E50-468B-9C59-345B52212D7B}" sibTransId="{A4852E42-E2A8-47A5-8214-FF6A5F6842E4}"/>
-    <dgm:cxn modelId="{92910DA8-8B5D-46B8-B420-B72F9E9184F3}" type="presOf" srcId="{1D3542A6-B046-460E-8B83-6FC830A366E8}" destId="{FFE84D8B-EAEB-4671-98B1-5017065D43FE}" srcOrd="0" destOrd="0" presId="urn:microsoft.com/office/officeart/2005/8/layout/vList5"/>
-    <dgm:cxn modelId="{B6773EE8-5A55-45F2-9393-11AE376F6863}" srcId="{99E8B152-4D2D-45F2-ACA2-E9B1C2BD6DE8}" destId="{1D3542A6-B046-460E-8B83-6FC830A366E8}" srcOrd="0" destOrd="0" parTransId="{0DF00535-0779-474A-B7FC-19552060F222}" sibTransId="{FEFA6B22-E062-46C9-8BD7-448544C19961}"/>
-    <dgm:cxn modelId="{200B291C-7EE2-420E-80E4-AFBD7D99C928}" type="presOf" srcId="{918E5147-95D9-4A10-A481-3DD7B72ACD27}" destId="{5D864B8D-FACF-48E7-8326-E483DE976D5A}" srcOrd="0" destOrd="0" presId="urn:microsoft.com/office/officeart/2005/8/layout/vList5"/>
-    <dgm:cxn modelId="{666C3790-A048-49F6-B1C3-ED40DDCB1D88}" srcId="{48D294A6-4B7E-4C0F-98AE-E649F44D7A31}" destId="{91C62179-2964-4056-BEC8-6F947A0A7F38}" srcOrd="0" destOrd="0" parTransId="{E98A37BF-268E-4B86-906A-EBFFBB7F84CB}" sibTransId="{E400CB7B-D2AA-4F1B-A73A-C77EF5640614}"/>
-    <dgm:cxn modelId="{4753D5B9-39F6-441D-84AF-B5EE76FD1A6E}" srcId="{28F8D379-8B78-4F75-9B33-605DB1D0BA3E}" destId="{5D54E867-2EE5-4E6E-ADF3-70FD46C29A9E}" srcOrd="0" destOrd="0" parTransId="{434BEC62-34DF-436A-A268-E80CDC1A6181}" sibTransId="{F7350657-FB02-42D2-BC7F-7337ACD37322}"/>
-    <dgm:cxn modelId="{72DA63C1-EC66-410B-931B-457F92423750}" type="presOf" srcId="{90922D1B-DBD8-4D9E-B67E-B598830D5F47}" destId="{6B068343-8AEE-4D1A-BB98-49539ECB81C6}" srcOrd="0" destOrd="0" presId="urn:microsoft.com/office/officeart/2005/8/layout/vList5"/>
-    <dgm:cxn modelId="{F5EF1E1F-E9F8-40C0-BC3D-06DA627D93B1}" type="presOf" srcId="{91C62179-2964-4056-BEC8-6F947A0A7F38}" destId="{CC005D75-9949-46F5-816A-84FDF35D1A84}" srcOrd="0" destOrd="0" presId="urn:microsoft.com/office/officeart/2005/8/layout/vList5"/>
-    <dgm:cxn modelId="{D6C98D72-777A-4E18-85CE-F48F30F195D3}" type="presOf" srcId="{5D54E867-2EE5-4E6E-ADF3-70FD46C29A9E}" destId="{97A5505E-23ED-47A6-8FD4-A49DECDD05D3}" srcOrd="0" destOrd="0" presId="urn:microsoft.com/office/officeart/2005/8/layout/vList5"/>
     <dgm:cxn modelId="{23A03DD2-4A78-4C62-B565-81824F1E5071}" type="presParOf" srcId="{008FD7B1-49B2-4BA3-B80E-C5B2EAD406EA}" destId="{3F7F0EEE-74DE-4FFF-ADD7-A426C33A7C48}" srcOrd="0" destOrd="0" presId="urn:microsoft.com/office/officeart/2005/8/layout/vList5"/>
     <dgm:cxn modelId="{299BEC7D-D404-4B0A-AC99-987513F8F261}" type="presParOf" srcId="{3F7F0EEE-74DE-4FFF-ADD7-A426C33A7C48}" destId="{11908AA2-17DB-48BB-B152-062C361AC5C4}" srcOrd="0" destOrd="0" presId="urn:microsoft.com/office/officeart/2005/8/layout/vList5"/>
     <dgm:cxn modelId="{8FE9635B-A90A-4A9A-A663-34A0F52F2245}" type="presParOf" srcId="{3F7F0EEE-74DE-4FFF-ADD7-A426C33A7C48}" destId="{97A5505E-23ED-47A6-8FD4-A49DECDD05D3}" srcOrd="1" destOrd="0" presId="urn:microsoft.com/office/officeart/2005/8/layout/vList5"/>
@@ -4047,7 +4047,6 @@
           <a:camera prst="orthographicFront"/>
           <a:lightRig rig="flat" dir="t"/>
         </a:scene3d>
-        <a:sp3d/>
       </dsp:spPr>
       <dsp:style>
         <a:lnRef idx="1">
@@ -4239,7 +4238,6 @@
           <a:camera prst="orthographicFront"/>
           <a:lightRig rig="flat" dir="t"/>
         </a:scene3d>
-        <a:sp3d/>
       </dsp:spPr>
       <dsp:style>
         <a:lnRef idx="1">
@@ -4431,7 +4429,6 @@
           <a:camera prst="orthographicFront"/>
           <a:lightRig rig="flat" dir="t"/>
         </a:scene3d>
-        <a:sp3d/>
       </dsp:spPr>
       <dsp:style>
         <a:lnRef idx="1">
@@ -4628,7 +4625,6 @@
           <a:camera prst="orthographicFront"/>
           <a:lightRig rig="flat" dir="t"/>
         </a:scene3d>
-        <a:sp3d/>
       </dsp:spPr>
       <dsp:style>
         <a:lnRef idx="1">
@@ -4825,7 +4821,6 @@
           <a:camera prst="orthographicFront"/>
           <a:lightRig rig="flat" dir="t"/>
         </a:scene3d>
-        <a:sp3d/>
       </dsp:spPr>
       <dsp:style>
         <a:lnRef idx="1">
@@ -5017,7 +5012,6 @@
           <a:camera prst="orthographicFront"/>
           <a:lightRig rig="flat" dir="t"/>
         </a:scene3d>
-        <a:sp3d/>
       </dsp:spPr>
       <dsp:style>
         <a:lnRef idx="1">
@@ -5209,7 +5203,6 @@
           <a:camera prst="orthographicFront"/>
           <a:lightRig rig="flat" dir="t"/>
         </a:scene3d>
-        <a:sp3d/>
       </dsp:spPr>
       <dsp:style>
         <a:lnRef idx="1">
@@ -5401,7 +5394,6 @@
           <a:camera prst="orthographicFront"/>
           <a:lightRig rig="flat" dir="t"/>
         </a:scene3d>
-        <a:sp3d/>
       </dsp:spPr>
       <dsp:style>
         <a:lnRef idx="1">
@@ -5606,7 +5598,6 @@
           <a:camera prst="orthographicFront"/>
           <a:lightRig rig="flat" dir="t"/>
         </a:scene3d>
-        <a:sp3d/>
       </dsp:spPr>
       <dsp:style>
         <a:lnRef idx="1">
@@ -5798,7 +5789,6 @@
           <a:camera prst="orthographicFront"/>
           <a:lightRig rig="flat" dir="t"/>
         </a:scene3d>
-        <a:sp3d/>
       </dsp:spPr>
       <dsp:style>
         <a:lnRef idx="1">
@@ -5990,7 +5980,6 @@
           <a:camera prst="orthographicFront"/>
           <a:lightRig rig="flat" dir="t"/>
         </a:scene3d>
-        <a:sp3d/>
       </dsp:spPr>
       <dsp:style>
         <a:lnRef idx="1">
@@ -6182,7 +6171,6 @@
           <a:camera prst="orthographicFront"/>
           <a:lightRig rig="flat" dir="t"/>
         </a:scene3d>
-        <a:sp3d/>
       </dsp:spPr>
       <dsp:style>
         <a:lnRef idx="1">
@@ -6374,7 +6362,6 @@
           <a:camera prst="orthographicFront"/>
           <a:lightRig rig="flat" dir="t"/>
         </a:scene3d>
-        <a:sp3d/>
       </dsp:spPr>
       <dsp:style>
         <a:lnRef idx="1">
@@ -9249,7 +9236,7 @@
               <a:pPr>
                 <a:defRPr/>
               </a:pPr>
-              <a:t>09 December 2016</a:t>
+              <a:t>13 December 2016</a:t>
             </a:fld>
             <a:endParaRPr lang="de-DE"/>
           </a:p>
@@ -9561,7 +9548,7 @@
               <a:pPr>
                 <a:defRPr/>
               </a:pPr>
-              <a:t>9. Dezember 2016</a:t>
+              <a:t>13. Dezember 2016</a:t>
             </a:fld>
             <a:r>
               <a:rPr lang="de-DE"/>
@@ -9879,7 +9866,7 @@
               <a:pPr>
                 <a:defRPr/>
               </a:pPr>
-              <a:t>9. Dezember 2016</a:t>
+              <a:t>13. Dezember 2016</a:t>
             </a:fld>
             <a:r>
               <a:rPr lang="de-DE"/>
@@ -10187,7 +10174,7 @@
               <a:pPr>
                 <a:defRPr/>
               </a:pPr>
-              <a:t>9. Dezember 2016</a:t>
+              <a:t>13. Dezember 2016</a:t>
             </a:fld>
             <a:r>
               <a:rPr lang="de-DE"/>
@@ -10373,7 +10360,7 @@
               <a:pPr>
                 <a:defRPr/>
               </a:pPr>
-              <a:t>9. Dezember 2016</a:t>
+              <a:t>13. Dezember 2016</a:t>
             </a:fld>
             <a:r>
               <a:rPr lang="de-DE"/>
@@ -10575,7 +10562,7 @@
               <a:pPr>
                 <a:defRPr/>
               </a:pPr>
-              <a:t>9. Dezember 2016</a:t>
+              <a:t>13. Dezember 2016</a:t>
             </a:fld>
             <a:r>
               <a:rPr lang="de-DE"/>
@@ -10777,7 +10764,7 @@
               <a:pPr>
                 <a:defRPr/>
               </a:pPr>
-              <a:t>9. Dezember 2016</a:t>
+              <a:t>13. Dezember 2016</a:t>
             </a:fld>
             <a:r>
               <a:rPr lang="de-DE"/>
@@ -10899,7 +10886,7 @@
               <a:pPr>
                 <a:defRPr/>
               </a:pPr>
-              <a:t>9. Dezember 2016</a:t>
+              <a:t>13. Dezember 2016</a:t>
             </a:fld>
             <a:r>
               <a:rPr lang="de-DE"/>
@@ -11097,7 +11084,7 @@
               <a:pPr>
                 <a:defRPr/>
               </a:pPr>
-              <a:t>9. Dezember 2016</a:t>
+              <a:t>13. Dezember 2016</a:t>
             </a:fld>
             <a:r>
               <a:rPr lang="de-DE"/>
@@ -11297,7 +11284,7 @@
               <a:pPr>
                 <a:defRPr/>
               </a:pPr>
-              <a:t>9. Dezember 2016</a:t>
+              <a:t>13. Dezember 2016</a:t>
             </a:fld>
             <a:r>
               <a:rPr lang="de-DE"/>
@@ -11421,7 +11408,7 @@
               <a:pPr>
                 <a:defRPr/>
               </a:pPr>
-              <a:t>9. Dezember 2016</a:t>
+              <a:t>13. Dezember 2016</a:t>
             </a:fld>
             <a:r>
               <a:rPr lang="de-DE"/>
@@ -11601,7 +11588,7 @@
           <a:p>
             <a:fld id="{FB5BBD6E-ABA3-4DD9-ABCF-19D1AD89DF88}" type="datetimeFigureOut">
               <a:rPr lang="en-US" smtClean="0"/>
-              <a:t>12/9/2016</a:t>
+              <a:t>12/13/2016</a:t>
             </a:fld>
             <a:endParaRPr lang="en-US"/>
           </a:p>
@@ -11769,7 +11756,7 @@
           <a:p>
             <a:fld id="{FB5BBD6E-ABA3-4DD9-ABCF-19D1AD89DF88}" type="datetimeFigureOut">
               <a:rPr lang="en-US" smtClean="0"/>
-              <a:t>12/9/2016</a:t>
+              <a:t>12/13/2016</a:t>
             </a:fld>
             <a:endParaRPr lang="en-US"/>
           </a:p>
@@ -11947,7 +11934,7 @@
           <a:p>
             <a:fld id="{FB5BBD6E-ABA3-4DD9-ABCF-19D1AD89DF88}" type="datetimeFigureOut">
               <a:rPr lang="en-US" smtClean="0"/>
-              <a:t>12/9/2016</a:t>
+              <a:t>12/13/2016</a:t>
             </a:fld>
             <a:endParaRPr lang="en-US"/>
           </a:p>
@@ -12115,7 +12102,7 @@
           <a:p>
             <a:fld id="{FB5BBD6E-ABA3-4DD9-ABCF-19D1AD89DF88}" type="datetimeFigureOut">
               <a:rPr lang="en-US" smtClean="0"/>
-              <a:t>12/9/2016</a:t>
+              <a:t>12/13/2016</a:t>
             </a:fld>
             <a:endParaRPr lang="en-US"/>
           </a:p>
@@ -12360,7 +12347,7 @@
           <a:p>
             <a:fld id="{FB5BBD6E-ABA3-4DD9-ABCF-19D1AD89DF88}" type="datetimeFigureOut">
               <a:rPr lang="en-US" smtClean="0"/>
-              <a:t>12/9/2016</a:t>
+              <a:t>12/13/2016</a:t>
             </a:fld>
             <a:endParaRPr lang="en-US"/>
           </a:p>
@@ -12589,7 +12576,7 @@
           <a:p>
             <a:fld id="{FB5BBD6E-ABA3-4DD9-ABCF-19D1AD89DF88}" type="datetimeFigureOut">
               <a:rPr lang="en-US" smtClean="0"/>
-              <a:t>12/9/2016</a:t>
+              <a:t>12/13/2016</a:t>
             </a:fld>
             <a:endParaRPr lang="en-US"/>
           </a:p>
@@ -12953,7 +12940,7 @@
           <a:p>
             <a:fld id="{FB5BBD6E-ABA3-4DD9-ABCF-19D1AD89DF88}" type="datetimeFigureOut">
               <a:rPr lang="en-US" smtClean="0"/>
-              <a:t>12/9/2016</a:t>
+              <a:t>12/13/2016</a:t>
             </a:fld>
             <a:endParaRPr lang="en-US"/>
           </a:p>
@@ -13070,7 +13057,7 @@
           <a:p>
             <a:fld id="{FB5BBD6E-ABA3-4DD9-ABCF-19D1AD89DF88}" type="datetimeFigureOut">
               <a:rPr lang="en-US" smtClean="0"/>
-              <a:t>12/9/2016</a:t>
+              <a:t>12/13/2016</a:t>
             </a:fld>
             <a:endParaRPr lang="en-US"/>
           </a:p>
@@ -13165,7 +13152,7 @@
           <a:p>
             <a:fld id="{FB5BBD6E-ABA3-4DD9-ABCF-19D1AD89DF88}" type="datetimeFigureOut">
               <a:rPr lang="en-US" smtClean="0"/>
-              <a:t>12/9/2016</a:t>
+              <a:t>12/13/2016</a:t>
             </a:fld>
             <a:endParaRPr lang="en-US"/>
           </a:p>
@@ -13440,7 +13427,7 @@
           <a:p>
             <a:fld id="{FB5BBD6E-ABA3-4DD9-ABCF-19D1AD89DF88}" type="datetimeFigureOut">
               <a:rPr lang="en-US" smtClean="0"/>
-              <a:t>12/9/2016</a:t>
+              <a:t>12/13/2016</a:t>
             </a:fld>
             <a:endParaRPr lang="en-US"/>
           </a:p>
@@ -13692,7 +13679,7 @@
           <a:p>
             <a:fld id="{FB5BBD6E-ABA3-4DD9-ABCF-19D1AD89DF88}" type="datetimeFigureOut">
               <a:rPr lang="en-US" smtClean="0"/>
-              <a:t>12/9/2016</a:t>
+              <a:t>12/13/2016</a:t>
             </a:fld>
             <a:endParaRPr lang="en-US"/>
           </a:p>
@@ -13903,7 +13890,7 @@
           <a:p>
             <a:fld id="{FB5BBD6E-ABA3-4DD9-ABCF-19D1AD89DF88}" type="datetimeFigureOut">
               <a:rPr lang="en-US" smtClean="0"/>
-              <a:t>12/9/2016</a:t>
+              <a:t>12/13/2016</a:t>
             </a:fld>
             <a:endParaRPr lang="en-US"/>
           </a:p>
@@ -14348,13 +14335,8 @@
           <a:p>
             <a:r>
               <a:rPr lang="en-GB" dirty="0"/>
-              <a:t>Testing and </a:t>
-            </a:r>
-            <a:r>
-              <a:rPr lang="en-GB"/>
-              <a:t>Deploying Projects</a:t>
-            </a:r>
-            <a:endParaRPr lang="en-GB" dirty="0"/>
+              <a:t>Testing and Deploying Projects </a:t>
+            </a:r>
           </a:p>
         </p:txBody>
       </p:sp>
@@ -16994,11 +16976,6 @@
               </a:rPr>
               <a:t>Reuse, or not reuse. That is the question…</a:t>
             </a:r>
-            <a:endParaRPr lang="en-US" sz="3200" dirty="0">
-              <a:solidFill>
-                <a:schemeClr val="bg1"/>
-              </a:solidFill>
-            </a:endParaRPr>
           </a:p>
         </p:txBody>
       </p:sp>
@@ -20639,11 +20616,7 @@
             </a:r>
             <a:r>
               <a:rPr lang="sv-SE" sz="1200" dirty="0"/>
-              <a:t> </a:t>
-            </a:r>
-            <a:r>
-              <a:rPr lang="sv-SE" sz="1200" dirty="0"/>
-              <a:t>Order1_to_Order2 </a:t>
+              <a:t> Order1_to_Order2 </a:t>
             </a:r>
             <a:r>
               <a:rPr lang="sv-SE" sz="1200" dirty="0" err="1"/>
@@ -20968,11 +20941,7 @@
             </a:r>
             <a:r>
               <a:rPr lang="sv-SE" sz="1200" dirty="0"/>
-              <a:t> </a:t>
-            </a:r>
-            <a:r>
-              <a:rPr lang="sv-SE" sz="1200" dirty="0"/>
-              <a:t>Order1_to_Order3 </a:t>
+              <a:t> Order1_to_Order3 </a:t>
             </a:r>
             <a:r>
               <a:rPr lang="sv-SE" sz="1200" dirty="0" err="1"/>
@@ -21988,11 +21957,7 @@
             </a:r>
             <a:r>
               <a:rPr lang="sv-SE" sz="1200" dirty="0"/>
-              <a:t> </a:t>
-            </a:r>
-            <a:r>
-              <a:rPr lang="sv-SE" sz="1200" dirty="0"/>
-              <a:t>Order1_to_Order2 </a:t>
+              <a:t> Order1_to_Order2 </a:t>
             </a:r>
             <a:r>
               <a:rPr lang="sv-SE" sz="1200" dirty="0" err="1"/>
@@ -22313,11 +22278,7 @@
             </a:r>
             <a:r>
               <a:rPr lang="sv-SE" sz="1200" dirty="0"/>
-              <a:t> </a:t>
-            </a:r>
-            <a:r>
-              <a:rPr lang="sv-SE" sz="1200" dirty="0"/>
-              <a:t>Order1_to_Order3 </a:t>
+              <a:t> Order1_to_Order3 </a:t>
             </a:r>
             <a:r>
               <a:rPr lang="sv-SE" sz="1200" dirty="0" err="1"/>

--- a/Slides/Module 4 - Testing and Deploying Projects.pptx
+++ b/Slides/Module 4 - Testing and Deploying Projects.pptx
@@ -3,49 +3,50 @@
 <p:presentation xmlns:a="http://schemas.openxmlformats.org/drawingml/2006/main" xmlns:r="http://schemas.openxmlformats.org/officeDocument/2006/relationships" xmlns:p="http://schemas.openxmlformats.org/presentationml/2006/main" saveSubsetFonts="1">
   <p:sldMasterIdLst>
     <p:sldMasterId id="2147483974" r:id="rId2"/>
+    <p:sldMasterId id="2147483986" r:id="rId3"/>
   </p:sldMasterIdLst>
   <p:notesMasterIdLst>
-    <p:notesMasterId r:id="rId38"/>
+    <p:notesMasterId r:id="rId39"/>
   </p:notesMasterIdLst>
   <p:handoutMasterIdLst>
-    <p:handoutMasterId r:id="rId39"/>
+    <p:handoutMasterId r:id="rId40"/>
   </p:handoutMasterIdLst>
   <p:sldIdLst>
-    <p:sldId id="309" r:id="rId3"/>
-    <p:sldId id="310" r:id="rId4"/>
-    <p:sldId id="279" r:id="rId5"/>
-    <p:sldId id="337" r:id="rId6"/>
-    <p:sldId id="338" r:id="rId7"/>
-    <p:sldId id="328" r:id="rId8"/>
-    <p:sldId id="329" r:id="rId9"/>
-    <p:sldId id="340" r:id="rId10"/>
-    <p:sldId id="333" r:id="rId11"/>
-    <p:sldId id="339" r:id="rId12"/>
-    <p:sldId id="327" r:id="rId13"/>
-    <p:sldId id="322" r:id="rId14"/>
-    <p:sldId id="321" r:id="rId15"/>
-    <p:sldId id="316" r:id="rId16"/>
-    <p:sldId id="315" r:id="rId17"/>
-    <p:sldId id="342" r:id="rId18"/>
-    <p:sldId id="317" r:id="rId19"/>
-    <p:sldId id="345" r:id="rId20"/>
-    <p:sldId id="346" r:id="rId21"/>
-    <p:sldId id="347" r:id="rId22"/>
-    <p:sldId id="348" r:id="rId23"/>
-    <p:sldId id="349" r:id="rId24"/>
-    <p:sldId id="350" r:id="rId25"/>
-    <p:sldId id="351" r:id="rId26"/>
-    <p:sldId id="335" r:id="rId27"/>
-    <p:sldId id="326" r:id="rId28"/>
-    <p:sldId id="343" r:id="rId29"/>
-    <p:sldId id="344" r:id="rId30"/>
-    <p:sldId id="323" r:id="rId31"/>
-    <p:sldId id="325" r:id="rId32"/>
-    <p:sldId id="324" r:id="rId33"/>
-    <p:sldId id="311" r:id="rId34"/>
-    <p:sldId id="312" r:id="rId35"/>
-    <p:sldId id="331" r:id="rId36"/>
-    <p:sldId id="332" r:id="rId37"/>
+    <p:sldId id="309" r:id="rId4"/>
+    <p:sldId id="310" r:id="rId5"/>
+    <p:sldId id="279" r:id="rId6"/>
+    <p:sldId id="337" r:id="rId7"/>
+    <p:sldId id="338" r:id="rId8"/>
+    <p:sldId id="328" r:id="rId9"/>
+    <p:sldId id="329" r:id="rId10"/>
+    <p:sldId id="340" r:id="rId11"/>
+    <p:sldId id="333" r:id="rId12"/>
+    <p:sldId id="339" r:id="rId13"/>
+    <p:sldId id="327" r:id="rId14"/>
+    <p:sldId id="322" r:id="rId15"/>
+    <p:sldId id="321" r:id="rId16"/>
+    <p:sldId id="316" r:id="rId17"/>
+    <p:sldId id="315" r:id="rId18"/>
+    <p:sldId id="342" r:id="rId19"/>
+    <p:sldId id="317" r:id="rId20"/>
+    <p:sldId id="345" r:id="rId21"/>
+    <p:sldId id="346" r:id="rId22"/>
+    <p:sldId id="347" r:id="rId23"/>
+    <p:sldId id="348" r:id="rId24"/>
+    <p:sldId id="349" r:id="rId25"/>
+    <p:sldId id="350" r:id="rId26"/>
+    <p:sldId id="351" r:id="rId27"/>
+    <p:sldId id="335" r:id="rId28"/>
+    <p:sldId id="326" r:id="rId29"/>
+    <p:sldId id="343" r:id="rId30"/>
+    <p:sldId id="344" r:id="rId31"/>
+    <p:sldId id="323" r:id="rId32"/>
+    <p:sldId id="325" r:id="rId33"/>
+    <p:sldId id="324" r:id="rId34"/>
+    <p:sldId id="311" r:id="rId35"/>
+    <p:sldId id="312" r:id="rId36"/>
+    <p:sldId id="331" r:id="rId37"/>
+    <p:sldId id="332" r:id="rId38"/>
   </p:sldIdLst>
   <p:sldSz cx="9144000" cy="6858000" type="screen4x3"/>
   <p:notesSz cx="6858000" cy="9144000"/>
@@ -3099,39 +3100,39 @@
     </dgm:pt>
   </dgm:ptLst>
   <dgm:cxnLst>
+    <dgm:cxn modelId="{EF7530DE-F01C-4A94-9278-2798D1CD602B}" srcId="{266D7ADC-C6B9-4F7D-A0E8-E402B1FA3962}" destId="{806F5A1A-B9EE-4176-9A9B-E11EA8F6AAF5}" srcOrd="0" destOrd="0" parTransId="{4FC237E4-9697-4708-B222-DD925623C292}" sibTransId="{EECB68E6-A823-4F9D-B5B9-39DD64AFDA85}"/>
+    <dgm:cxn modelId="{83DCBB00-7B27-4582-95DA-E0493F4EA896}" srcId="{543C4D73-2BD9-4FD3-B225-BA927636A30E}" destId="{918E5147-95D9-4A10-A481-3DD7B72ACD27}" srcOrd="0" destOrd="0" parTransId="{0FADB9FF-E2C5-4236-8645-1FC0C8202671}" sibTransId="{10E0F58B-C1E3-4F9D-9352-03EE3526194B}"/>
+    <dgm:cxn modelId="{4F745B43-7357-4769-B38E-D1A5714AA2D5}" srcId="{CC50D243-2C53-433D-83B5-11E46DF35305}" destId="{543C4D73-2BD9-4FD3-B225-BA927636A30E}" srcOrd="2" destOrd="0" parTransId="{E47569A2-16AA-4A1C-9D7E-B3E3CF00892E}" sibTransId="{5A7BC45B-A5C9-443C-B2F8-8D3AD5A77B12}"/>
     <dgm:cxn modelId="{DE4B7613-D93E-426B-9F40-B3DB226A8715}" srcId="{CC50D243-2C53-433D-83B5-11E46DF35305}" destId="{9276FFF9-D79C-40AF-8922-4549E158446F}" srcOrd="3" destOrd="0" parTransId="{DD012C86-1E50-468B-9C59-345B52212D7B}" sibTransId="{A4852E42-E2A8-47A5-8214-FF6A5F6842E4}"/>
+    <dgm:cxn modelId="{70BD78EE-D468-4104-AA84-B32E53E94726}" type="presOf" srcId="{5D54E867-2EE5-4E6E-ADF3-70FD46C29A9E}" destId="{97A5505E-23ED-47A6-8FD4-A49DECDD05D3}" srcOrd="0" destOrd="0" presId="urn:microsoft.com/office/officeart/2005/8/layout/vList5"/>
+    <dgm:cxn modelId="{B4E76810-2EB8-4E9A-8A47-537A80113DD9}" type="presOf" srcId="{9276FFF9-D79C-40AF-8922-4549E158446F}" destId="{5EB87B31-1029-4A1F-9C0A-AFFB28CA0F5E}" srcOrd="0" destOrd="0" presId="urn:microsoft.com/office/officeart/2005/8/layout/vList5"/>
+    <dgm:cxn modelId="{5BEB166A-9021-4D37-BAC4-DE238FE58F3F}" srcId="{9276FFF9-D79C-40AF-8922-4549E158446F}" destId="{90922D1B-DBD8-4D9E-B67E-B598830D5F47}" srcOrd="0" destOrd="0" parTransId="{343B2824-7FE3-4635-8B66-BAEEF26802E9}" sibTransId="{F37E840D-9ECE-47E0-ADDD-D3DB4CC158ED}"/>
+    <dgm:cxn modelId="{1EA2DA44-E392-49C6-9A56-2AD6888DA2D0}" srcId="{CC50D243-2C53-433D-83B5-11E46DF35305}" destId="{266D7ADC-C6B9-4F7D-A0E8-E402B1FA3962}" srcOrd="7" destOrd="0" parTransId="{86F86CFE-A982-41FE-AB6B-5B453AA32A9B}" sibTransId="{4D332AB7-8AA5-44A4-9F05-14EC2963D307}"/>
+    <dgm:cxn modelId="{2A370BD4-4C56-4548-BBC3-93DF3C9C6FB1}" type="presOf" srcId="{28F8D379-8B78-4F75-9B33-605DB1D0BA3E}" destId="{11908AA2-17DB-48BB-B152-062C361AC5C4}" srcOrd="0" destOrd="0" presId="urn:microsoft.com/office/officeart/2005/8/layout/vList5"/>
+    <dgm:cxn modelId="{97223D53-642B-4DCB-B21C-435149453827}" type="presOf" srcId="{90922D1B-DBD8-4D9E-B67E-B598830D5F47}" destId="{6B068343-8AEE-4D1A-BB98-49539ECB81C6}" srcOrd="0" destOrd="0" presId="urn:microsoft.com/office/officeart/2005/8/layout/vList5"/>
+    <dgm:cxn modelId="{666C3790-A048-49F6-B1C3-ED40DDCB1D88}" srcId="{48D294A6-4B7E-4C0F-98AE-E649F44D7A31}" destId="{91C62179-2964-4056-BEC8-6F947A0A7F38}" srcOrd="0" destOrd="0" parTransId="{E98A37BF-268E-4B86-906A-EBFFBB7F84CB}" sibTransId="{E400CB7B-D2AA-4F1B-A73A-C77EF5640614}"/>
+    <dgm:cxn modelId="{FD190946-89C7-440C-A1B5-FF80E7A5A4A9}" type="presOf" srcId="{E7F73476-85DD-4098-BAD4-49014E0FB9B4}" destId="{688FC025-4783-434D-B4E6-5A40B7D6C3BF}" srcOrd="0" destOrd="0" presId="urn:microsoft.com/office/officeart/2005/8/layout/vList5"/>
+    <dgm:cxn modelId="{2DDE3C9D-E3F6-4647-8CFC-02FD3B51EFDF}" type="presOf" srcId="{806F5A1A-B9EE-4176-9A9B-E11EA8F6AAF5}" destId="{4BFFC55C-F992-42B5-ACBA-927650359393}" srcOrd="0" destOrd="0" presId="urn:microsoft.com/office/officeart/2005/8/layout/vList5"/>
+    <dgm:cxn modelId="{CBF0D1F2-8301-468E-89B7-07624FA6186C}" srcId="{99E8B152-4D2D-45F2-ACA2-E9B1C2BD6DE8}" destId="{0027CDFD-0B4E-4C78-B7AD-36EE1167E62D}" srcOrd="0" destOrd="0" parTransId="{02194185-D9B8-4580-BEFE-221A71EF25BE}" sibTransId="{BEFD9A57-C3CB-49F5-B1F6-180C5E85B7A6}"/>
+    <dgm:cxn modelId="{54875562-F0FB-4426-9020-0AD530F24A85}" type="presOf" srcId="{99E8B152-4D2D-45F2-ACA2-E9B1C2BD6DE8}" destId="{BFF26DF4-65D1-4C6C-83E7-E02E476876AC}" srcOrd="0" destOrd="0" presId="urn:microsoft.com/office/officeart/2005/8/layout/vList5"/>
+    <dgm:cxn modelId="{191A25D5-0D16-4EF2-85C7-3ACDBFE2D48B}" srcId="{CC50D243-2C53-433D-83B5-11E46DF35305}" destId="{48D294A6-4B7E-4C0F-98AE-E649F44D7A31}" srcOrd="1" destOrd="0" parTransId="{74C74D6C-619B-489D-9C64-CF9B02E11778}" sibTransId="{94E2B152-3463-4111-8929-7D5836B03086}"/>
+    <dgm:cxn modelId="{DAFAF940-02E6-4904-9FD1-FF714FD37792}" type="presOf" srcId="{0027CDFD-0B4E-4C78-B7AD-36EE1167E62D}" destId="{FFE84D8B-EAEB-4671-98B1-5017065D43FE}" srcOrd="0" destOrd="0" presId="urn:microsoft.com/office/officeart/2005/8/layout/vList5"/>
+    <dgm:cxn modelId="{7049AEB2-4A19-448F-A9DA-37F99BD37EC9}" type="presOf" srcId="{543C4D73-2BD9-4FD3-B225-BA927636A30E}" destId="{839A0C55-6F4F-487B-ABCB-7E5C2EC4A22A}" srcOrd="0" destOrd="0" presId="urn:microsoft.com/office/officeart/2005/8/layout/vList5"/>
+    <dgm:cxn modelId="{5A5FA901-A0FB-4960-AFF9-DD677C9DCAD8}" srcId="{CC50D243-2C53-433D-83B5-11E46DF35305}" destId="{719C47DE-F31E-40B8-8C39-F5934A15DDBC}" srcOrd="6" destOrd="0" parTransId="{21763861-BDA6-4B07-B951-34DAD8AE812B}" sibTransId="{36A14769-82A7-424F-B1B1-0E0A45F8EF4A}"/>
+    <dgm:cxn modelId="{6500C54C-8950-49C8-8D30-0089C76D6047}" srcId="{719C47DE-F31E-40B8-8C39-F5934A15DDBC}" destId="{B248103A-E7D3-490A-88F9-91A15A944083}" srcOrd="0" destOrd="0" parTransId="{16134BBE-B555-46F3-9332-8608118C61E0}" sibTransId="{D80705FF-F174-4038-9F65-600114DB5DC3}"/>
+    <dgm:cxn modelId="{3776C0F5-F70D-4811-A935-E84F5A50CAB4}" type="presOf" srcId="{918E5147-95D9-4A10-A481-3DD7B72ACD27}" destId="{5D864B8D-FACF-48E7-8326-E483DE976D5A}" srcOrd="0" destOrd="0" presId="urn:microsoft.com/office/officeart/2005/8/layout/vList5"/>
+    <dgm:cxn modelId="{CFEF53BF-ABAA-49DC-8CFD-90763E14B18F}" srcId="{CC50D243-2C53-433D-83B5-11E46DF35305}" destId="{28F8D379-8B78-4F75-9B33-605DB1D0BA3E}" srcOrd="0" destOrd="0" parTransId="{0AE93605-1E15-4195-B27A-345D384EB455}" sibTransId="{35CB1AC4-DF49-4279-9C96-729819D1C9C3}"/>
     <dgm:cxn modelId="{1D80FF97-089B-4307-BF66-4AB687CE5231}" srcId="{CC50D243-2C53-433D-83B5-11E46DF35305}" destId="{E7F73476-85DD-4098-BAD4-49014E0FB9B4}" srcOrd="5" destOrd="0" parTransId="{37B7FC70-5909-4922-857F-AB312C3C3F18}" sibTransId="{A207DDED-1076-4D5E-8B73-454965FF8036}"/>
-    <dgm:cxn modelId="{CBF0D1F2-8301-468E-89B7-07624FA6186C}" srcId="{99E8B152-4D2D-45F2-ACA2-E9B1C2BD6DE8}" destId="{0027CDFD-0B4E-4C78-B7AD-36EE1167E62D}" srcOrd="0" destOrd="0" parTransId="{02194185-D9B8-4580-BEFE-221A71EF25BE}" sibTransId="{BEFD9A57-C3CB-49F5-B1F6-180C5E85B7A6}"/>
-    <dgm:cxn modelId="{83DCBB00-7B27-4582-95DA-E0493F4EA896}" srcId="{543C4D73-2BD9-4FD3-B225-BA927636A30E}" destId="{918E5147-95D9-4A10-A481-3DD7B72ACD27}" srcOrd="0" destOrd="0" parTransId="{0FADB9FF-E2C5-4236-8645-1FC0C8202671}" sibTransId="{10E0F58B-C1E3-4F9D-9352-03EE3526194B}"/>
-    <dgm:cxn modelId="{2A370BD4-4C56-4548-BBC3-93DF3C9C6FB1}" type="presOf" srcId="{28F8D379-8B78-4F75-9B33-605DB1D0BA3E}" destId="{11908AA2-17DB-48BB-B152-062C361AC5C4}" srcOrd="0" destOrd="0" presId="urn:microsoft.com/office/officeart/2005/8/layout/vList5"/>
-    <dgm:cxn modelId="{1EA2DA44-E392-49C6-9A56-2AD6888DA2D0}" srcId="{CC50D243-2C53-433D-83B5-11E46DF35305}" destId="{266D7ADC-C6B9-4F7D-A0E8-E402B1FA3962}" srcOrd="7" destOrd="0" parTransId="{86F86CFE-A982-41FE-AB6B-5B453AA32A9B}" sibTransId="{4D332AB7-8AA5-44A4-9F05-14EC2963D307}"/>
-    <dgm:cxn modelId="{4753D5B9-39F6-441D-84AF-B5EE76FD1A6E}" srcId="{28F8D379-8B78-4F75-9B33-605DB1D0BA3E}" destId="{5D54E867-2EE5-4E6E-ADF3-70FD46C29A9E}" srcOrd="0" destOrd="0" parTransId="{434BEC62-34DF-436A-A268-E80CDC1A6181}" sibTransId="{F7350657-FB02-42D2-BC7F-7337ACD37322}"/>
-    <dgm:cxn modelId="{C1FE3F84-A593-475C-B3B3-3420E3E4D60A}" type="presOf" srcId="{48D294A6-4B7E-4C0F-98AE-E649F44D7A31}" destId="{B2E8BDA2-7497-48D7-82A9-BA15BF6459D6}" srcOrd="0" destOrd="0" presId="urn:microsoft.com/office/officeart/2005/8/layout/vList5"/>
-    <dgm:cxn modelId="{97223D53-642B-4DCB-B21C-435149453827}" type="presOf" srcId="{90922D1B-DBD8-4D9E-B67E-B598830D5F47}" destId="{6B068343-8AEE-4D1A-BB98-49539ECB81C6}" srcOrd="0" destOrd="0" presId="urn:microsoft.com/office/officeart/2005/8/layout/vList5"/>
+    <dgm:cxn modelId="{6E732E31-99C6-4BC0-98D7-AED8E9547676}" srcId="{E7F73476-85DD-4098-BAD4-49014E0FB9B4}" destId="{C048FFD4-4AF4-4C98-96DD-1DE3B9155507}" srcOrd="0" destOrd="0" parTransId="{39655BFD-0ECE-452E-A0CD-E4AB0354B80D}" sibTransId="{CED5ADC1-E1AC-44B6-A8C4-1E32480B29D1}"/>
     <dgm:cxn modelId="{455F5B2C-F5CD-4A4D-AE6B-D49DD412D05D}" type="presOf" srcId="{C048FFD4-4AF4-4C98-96DD-1DE3B9155507}" destId="{2245F942-C6A0-41D1-8C34-B2DEF62AC9A1}" srcOrd="0" destOrd="0" presId="urn:microsoft.com/office/officeart/2005/8/layout/vList5"/>
     <dgm:cxn modelId="{86C8AAB4-EFBA-420B-8664-3B16B8F906C5}" type="presOf" srcId="{266D7ADC-C6B9-4F7D-A0E8-E402B1FA3962}" destId="{CE1A8DFA-4C55-43D3-B9A5-71BB5512FB90}" srcOrd="0" destOrd="0" presId="urn:microsoft.com/office/officeart/2005/8/layout/vList5"/>
-    <dgm:cxn modelId="{5BEB166A-9021-4D37-BAC4-DE238FE58F3F}" srcId="{9276FFF9-D79C-40AF-8922-4549E158446F}" destId="{90922D1B-DBD8-4D9E-B67E-B598830D5F47}" srcOrd="0" destOrd="0" parTransId="{343B2824-7FE3-4635-8B66-BAEEF26802E9}" sibTransId="{F37E840D-9ECE-47E0-ADDD-D3DB4CC158ED}"/>
-    <dgm:cxn modelId="{6500C54C-8950-49C8-8D30-0089C76D6047}" srcId="{719C47DE-F31E-40B8-8C39-F5934A15DDBC}" destId="{B248103A-E7D3-490A-88F9-91A15A944083}" srcOrd="0" destOrd="0" parTransId="{16134BBE-B555-46F3-9332-8608118C61E0}" sibTransId="{D80705FF-F174-4038-9F65-600114DB5DC3}"/>
-    <dgm:cxn modelId="{FD190946-89C7-440C-A1B5-FF80E7A5A4A9}" type="presOf" srcId="{E7F73476-85DD-4098-BAD4-49014E0FB9B4}" destId="{688FC025-4783-434D-B4E6-5A40B7D6C3BF}" srcOrd="0" destOrd="0" presId="urn:microsoft.com/office/officeart/2005/8/layout/vList5"/>
-    <dgm:cxn modelId="{DAFAF940-02E6-4904-9FD1-FF714FD37792}" type="presOf" srcId="{0027CDFD-0B4E-4C78-B7AD-36EE1167E62D}" destId="{FFE84D8B-EAEB-4671-98B1-5017065D43FE}" srcOrd="0" destOrd="0" presId="urn:microsoft.com/office/officeart/2005/8/layout/vList5"/>
-    <dgm:cxn modelId="{666C3790-A048-49F6-B1C3-ED40DDCB1D88}" srcId="{48D294A6-4B7E-4C0F-98AE-E649F44D7A31}" destId="{91C62179-2964-4056-BEC8-6F947A0A7F38}" srcOrd="0" destOrd="0" parTransId="{E98A37BF-268E-4B86-906A-EBFFBB7F84CB}" sibTransId="{E400CB7B-D2AA-4F1B-A73A-C77EF5640614}"/>
+    <dgm:cxn modelId="{C1FE3F84-A593-475C-B3B3-3420E3E4D60A}" type="presOf" srcId="{48D294A6-4B7E-4C0F-98AE-E649F44D7A31}" destId="{B2E8BDA2-7497-48D7-82A9-BA15BF6459D6}" srcOrd="0" destOrd="0" presId="urn:microsoft.com/office/officeart/2005/8/layout/vList5"/>
+    <dgm:cxn modelId="{D544F27D-EA9D-4A14-94C9-27BE411A00F3}" srcId="{CC50D243-2C53-433D-83B5-11E46DF35305}" destId="{99E8B152-4D2D-45F2-ACA2-E9B1C2BD6DE8}" srcOrd="4" destOrd="0" parTransId="{F28AFD1F-305C-4FB2-96C5-339B8E121015}" sibTransId="{EAF88F85-3D8F-4F9F-BBF4-C425D834D4C4}"/>
+    <dgm:cxn modelId="{4753D5B9-39F6-441D-84AF-B5EE76FD1A6E}" srcId="{28F8D379-8B78-4F75-9B33-605DB1D0BA3E}" destId="{5D54E867-2EE5-4E6E-ADF3-70FD46C29A9E}" srcOrd="0" destOrd="0" parTransId="{434BEC62-34DF-436A-A268-E80CDC1A6181}" sibTransId="{F7350657-FB02-42D2-BC7F-7337ACD37322}"/>
+    <dgm:cxn modelId="{842D5D19-9A32-423A-87CD-8B9A0D34A00C}" type="presOf" srcId="{91C62179-2964-4056-BEC8-6F947A0A7F38}" destId="{CC005D75-9949-46F5-816A-84FDF35D1A84}" srcOrd="0" destOrd="0" presId="urn:microsoft.com/office/officeart/2005/8/layout/vList5"/>
     <dgm:cxn modelId="{770F79EE-F59A-4543-B643-494703D57AD8}" type="presOf" srcId="{719C47DE-F31E-40B8-8C39-F5934A15DDBC}" destId="{79E605A5-0600-430C-9EB9-81D753D41573}" srcOrd="0" destOrd="0" presId="urn:microsoft.com/office/officeart/2005/8/layout/vList5"/>
-    <dgm:cxn modelId="{EF7530DE-F01C-4A94-9278-2798D1CD602B}" srcId="{266D7ADC-C6B9-4F7D-A0E8-E402B1FA3962}" destId="{806F5A1A-B9EE-4176-9A9B-E11EA8F6AAF5}" srcOrd="0" destOrd="0" parTransId="{4FC237E4-9697-4708-B222-DD925623C292}" sibTransId="{EECB68E6-A823-4F9D-B5B9-39DD64AFDA85}"/>
-    <dgm:cxn modelId="{70BD78EE-D468-4104-AA84-B32E53E94726}" type="presOf" srcId="{5D54E867-2EE5-4E6E-ADF3-70FD46C29A9E}" destId="{97A5505E-23ED-47A6-8FD4-A49DECDD05D3}" srcOrd="0" destOrd="0" presId="urn:microsoft.com/office/officeart/2005/8/layout/vList5"/>
-    <dgm:cxn modelId="{54875562-F0FB-4426-9020-0AD530F24A85}" type="presOf" srcId="{99E8B152-4D2D-45F2-ACA2-E9B1C2BD6DE8}" destId="{BFF26DF4-65D1-4C6C-83E7-E02E476876AC}" srcOrd="0" destOrd="0" presId="urn:microsoft.com/office/officeart/2005/8/layout/vList5"/>
-    <dgm:cxn modelId="{6E732E31-99C6-4BC0-98D7-AED8E9547676}" srcId="{E7F73476-85DD-4098-BAD4-49014E0FB9B4}" destId="{C048FFD4-4AF4-4C98-96DD-1DE3B9155507}" srcOrd="0" destOrd="0" parTransId="{39655BFD-0ECE-452E-A0CD-E4AB0354B80D}" sibTransId="{CED5ADC1-E1AC-44B6-A8C4-1E32480B29D1}"/>
+    <dgm:cxn modelId="{FC31A40F-E593-4542-BFA9-0B67B46EEC2F}" type="presOf" srcId="{B248103A-E7D3-490A-88F9-91A15A944083}" destId="{29811E64-59C0-473E-A935-A00FE01DF74E}" srcOrd="0" destOrd="0" presId="urn:microsoft.com/office/officeart/2005/8/layout/vList5"/>
     <dgm:cxn modelId="{4513DFC4-F222-4542-A750-2EA7C8861530}" type="presOf" srcId="{CC50D243-2C53-433D-83B5-11E46DF35305}" destId="{008FD7B1-49B2-4BA3-B80E-C5B2EAD406EA}" srcOrd="0" destOrd="0" presId="urn:microsoft.com/office/officeart/2005/8/layout/vList5"/>
-    <dgm:cxn modelId="{3776C0F5-F70D-4811-A935-E84F5A50CAB4}" type="presOf" srcId="{918E5147-95D9-4A10-A481-3DD7B72ACD27}" destId="{5D864B8D-FACF-48E7-8326-E483DE976D5A}" srcOrd="0" destOrd="0" presId="urn:microsoft.com/office/officeart/2005/8/layout/vList5"/>
-    <dgm:cxn modelId="{D544F27D-EA9D-4A14-94C9-27BE411A00F3}" srcId="{CC50D243-2C53-433D-83B5-11E46DF35305}" destId="{99E8B152-4D2D-45F2-ACA2-E9B1C2BD6DE8}" srcOrd="4" destOrd="0" parTransId="{F28AFD1F-305C-4FB2-96C5-339B8E121015}" sibTransId="{EAF88F85-3D8F-4F9F-BBF4-C425D834D4C4}"/>
-    <dgm:cxn modelId="{4F745B43-7357-4769-B38E-D1A5714AA2D5}" srcId="{CC50D243-2C53-433D-83B5-11E46DF35305}" destId="{543C4D73-2BD9-4FD3-B225-BA927636A30E}" srcOrd="2" destOrd="0" parTransId="{E47569A2-16AA-4A1C-9D7E-B3E3CF00892E}" sibTransId="{5A7BC45B-A5C9-443C-B2F8-8D3AD5A77B12}"/>
-    <dgm:cxn modelId="{5A5FA901-A0FB-4960-AFF9-DD677C9DCAD8}" srcId="{CC50D243-2C53-433D-83B5-11E46DF35305}" destId="{719C47DE-F31E-40B8-8C39-F5934A15DDBC}" srcOrd="6" destOrd="0" parTransId="{21763861-BDA6-4B07-B951-34DAD8AE812B}" sibTransId="{36A14769-82A7-424F-B1B1-0E0A45F8EF4A}"/>
-    <dgm:cxn modelId="{CFEF53BF-ABAA-49DC-8CFD-90763E14B18F}" srcId="{CC50D243-2C53-433D-83B5-11E46DF35305}" destId="{28F8D379-8B78-4F75-9B33-605DB1D0BA3E}" srcOrd="0" destOrd="0" parTransId="{0AE93605-1E15-4195-B27A-345D384EB455}" sibTransId="{35CB1AC4-DF49-4279-9C96-729819D1C9C3}"/>
-    <dgm:cxn modelId="{7049AEB2-4A19-448F-A9DA-37F99BD37EC9}" type="presOf" srcId="{543C4D73-2BD9-4FD3-B225-BA927636A30E}" destId="{839A0C55-6F4F-487B-ABCB-7E5C2EC4A22A}" srcOrd="0" destOrd="0" presId="urn:microsoft.com/office/officeart/2005/8/layout/vList5"/>
-    <dgm:cxn modelId="{FC31A40F-E593-4542-BFA9-0B67B46EEC2F}" type="presOf" srcId="{B248103A-E7D3-490A-88F9-91A15A944083}" destId="{29811E64-59C0-473E-A935-A00FE01DF74E}" srcOrd="0" destOrd="0" presId="urn:microsoft.com/office/officeart/2005/8/layout/vList5"/>
-    <dgm:cxn modelId="{2DDE3C9D-E3F6-4647-8CFC-02FD3B51EFDF}" type="presOf" srcId="{806F5A1A-B9EE-4176-9A9B-E11EA8F6AAF5}" destId="{4BFFC55C-F992-42B5-ACBA-927650359393}" srcOrd="0" destOrd="0" presId="urn:microsoft.com/office/officeart/2005/8/layout/vList5"/>
-    <dgm:cxn modelId="{B4E76810-2EB8-4E9A-8A47-537A80113DD9}" type="presOf" srcId="{9276FFF9-D79C-40AF-8922-4549E158446F}" destId="{5EB87B31-1029-4A1F-9C0A-AFFB28CA0F5E}" srcOrd="0" destOrd="0" presId="urn:microsoft.com/office/officeart/2005/8/layout/vList5"/>
-    <dgm:cxn modelId="{842D5D19-9A32-423A-87CD-8B9A0D34A00C}" type="presOf" srcId="{91C62179-2964-4056-BEC8-6F947A0A7F38}" destId="{CC005D75-9949-46F5-816A-84FDF35D1A84}" srcOrd="0" destOrd="0" presId="urn:microsoft.com/office/officeart/2005/8/layout/vList5"/>
-    <dgm:cxn modelId="{191A25D5-0D16-4EF2-85C7-3ACDBFE2D48B}" srcId="{CC50D243-2C53-433D-83B5-11E46DF35305}" destId="{48D294A6-4B7E-4C0F-98AE-E649F44D7A31}" srcOrd="1" destOrd="0" parTransId="{74C74D6C-619B-489D-9C64-CF9B02E11778}" sibTransId="{94E2B152-3463-4111-8929-7D5836B03086}"/>
     <dgm:cxn modelId="{69175A9E-F226-40C4-A3C3-0B44DC7ED7F3}" type="presParOf" srcId="{008FD7B1-49B2-4BA3-B80E-C5B2EAD406EA}" destId="{3F7F0EEE-74DE-4FFF-ADD7-A426C33A7C48}" srcOrd="0" destOrd="0" presId="urn:microsoft.com/office/officeart/2005/8/layout/vList5"/>
     <dgm:cxn modelId="{0348A6A6-41C0-4CD1-9F1D-D44F0D2B06CA}" type="presParOf" srcId="{3F7F0EEE-74DE-4FFF-ADD7-A426C33A7C48}" destId="{11908AA2-17DB-48BB-B152-062C361AC5C4}" srcOrd="0" destOrd="0" presId="urn:microsoft.com/office/officeart/2005/8/layout/vList5"/>
     <dgm:cxn modelId="{AA4DA0D9-91E2-4C38-8C88-359D60EC44A0}" type="presParOf" srcId="{3F7F0EEE-74DE-4FFF-ADD7-A426C33A7C48}" destId="{97A5505E-23ED-47A6-8FD4-A49DECDD05D3}" srcOrd="1" destOrd="0" presId="urn:microsoft.com/office/officeart/2005/8/layout/vList5"/>
@@ -3841,27 +3842,27 @@
     </dgm:pt>
   </dgm:ptLst>
   <dgm:cxnLst>
+    <dgm:cxn modelId="{191A25D5-0D16-4EF2-85C7-3ACDBFE2D48B}" srcId="{CC50D243-2C53-433D-83B5-11E46DF35305}" destId="{48D294A6-4B7E-4C0F-98AE-E649F44D7A31}" srcOrd="1" destOrd="0" parTransId="{74C74D6C-619B-489D-9C64-CF9B02E11778}" sibTransId="{94E2B152-3463-4111-8929-7D5836B03086}"/>
+    <dgm:cxn modelId="{B8D404FF-751A-4EEC-9810-8B7BA12C6617}" type="presOf" srcId="{28F8D379-8B78-4F75-9B33-605DB1D0BA3E}" destId="{11908AA2-17DB-48BB-B152-062C361AC5C4}" srcOrd="0" destOrd="0" presId="urn:microsoft.com/office/officeart/2005/8/layout/vList5"/>
+    <dgm:cxn modelId="{CFEF53BF-ABAA-49DC-8CFD-90763E14B18F}" srcId="{CC50D243-2C53-433D-83B5-11E46DF35305}" destId="{28F8D379-8B78-4F75-9B33-605DB1D0BA3E}" srcOrd="0" destOrd="0" parTransId="{0AE93605-1E15-4195-B27A-345D384EB455}" sibTransId="{35CB1AC4-DF49-4279-9C96-729819D1C9C3}"/>
+    <dgm:cxn modelId="{D544F27D-EA9D-4A14-94C9-27BE411A00F3}" srcId="{CC50D243-2C53-433D-83B5-11E46DF35305}" destId="{99E8B152-4D2D-45F2-ACA2-E9B1C2BD6DE8}" srcOrd="4" destOrd="0" parTransId="{F28AFD1F-305C-4FB2-96C5-339B8E121015}" sibTransId="{EAF88F85-3D8F-4F9F-BBF4-C425D834D4C4}"/>
+    <dgm:cxn modelId="{5BEB166A-9021-4D37-BAC4-DE238FE58F3F}" srcId="{9276FFF9-D79C-40AF-8922-4549E158446F}" destId="{90922D1B-DBD8-4D9E-B67E-B598830D5F47}" srcOrd="0" destOrd="0" parTransId="{343B2824-7FE3-4635-8B66-BAEEF26802E9}" sibTransId="{F37E840D-9ECE-47E0-ADDD-D3DB4CC158ED}"/>
+    <dgm:cxn modelId="{83DCBB00-7B27-4582-95DA-E0493F4EA896}" srcId="{543C4D73-2BD9-4FD3-B225-BA927636A30E}" destId="{918E5147-95D9-4A10-A481-3DD7B72ACD27}" srcOrd="0" destOrd="0" parTransId="{0FADB9FF-E2C5-4236-8645-1FC0C8202671}" sibTransId="{10E0F58B-C1E3-4F9D-9352-03EE3526194B}"/>
+    <dgm:cxn modelId="{4F745B43-7357-4769-B38E-D1A5714AA2D5}" srcId="{CC50D243-2C53-433D-83B5-11E46DF35305}" destId="{543C4D73-2BD9-4FD3-B225-BA927636A30E}" srcOrd="2" destOrd="0" parTransId="{E47569A2-16AA-4A1C-9D7E-B3E3CF00892E}" sibTransId="{5A7BC45B-A5C9-443C-B2F8-8D3AD5A77B12}"/>
+    <dgm:cxn modelId="{D4743394-2965-4CD1-9840-783CEDBEE746}" type="presOf" srcId="{CC50D243-2C53-433D-83B5-11E46DF35305}" destId="{008FD7B1-49B2-4BA3-B80E-C5B2EAD406EA}" srcOrd="0" destOrd="0" presId="urn:microsoft.com/office/officeart/2005/8/layout/vList5"/>
+    <dgm:cxn modelId="{828065E9-7DB3-4179-8D9A-7723CA09E65C}" type="presOf" srcId="{9276FFF9-D79C-40AF-8922-4549E158446F}" destId="{5EB87B31-1029-4A1F-9C0A-AFFB28CA0F5E}" srcOrd="0" destOrd="0" presId="urn:microsoft.com/office/officeart/2005/8/layout/vList5"/>
+    <dgm:cxn modelId="{28175BAE-2D62-4E37-8D04-BB212BDCB108}" type="presOf" srcId="{99E8B152-4D2D-45F2-ACA2-E9B1C2BD6DE8}" destId="{BFF26DF4-65D1-4C6C-83E7-E02E476876AC}" srcOrd="0" destOrd="0" presId="urn:microsoft.com/office/officeart/2005/8/layout/vList5"/>
+    <dgm:cxn modelId="{80B8A57C-4AF8-478C-BB71-ABC681370B9B}" type="presOf" srcId="{48D294A6-4B7E-4C0F-98AE-E649F44D7A31}" destId="{B2E8BDA2-7497-48D7-82A9-BA15BF6459D6}" srcOrd="0" destOrd="0" presId="urn:microsoft.com/office/officeart/2005/8/layout/vList5"/>
+    <dgm:cxn modelId="{CB534479-8F56-4557-923D-DFFC680542ED}" type="presOf" srcId="{543C4D73-2BD9-4FD3-B225-BA927636A30E}" destId="{839A0C55-6F4F-487B-ABCB-7E5C2EC4A22A}" srcOrd="0" destOrd="0" presId="urn:microsoft.com/office/officeart/2005/8/layout/vList5"/>
     <dgm:cxn modelId="{DE4B7613-D93E-426B-9F40-B3DB226A8715}" srcId="{CC50D243-2C53-433D-83B5-11E46DF35305}" destId="{9276FFF9-D79C-40AF-8922-4549E158446F}" srcOrd="3" destOrd="0" parTransId="{DD012C86-1E50-468B-9C59-345B52212D7B}" sibTransId="{A4852E42-E2A8-47A5-8214-FF6A5F6842E4}"/>
-    <dgm:cxn modelId="{83DCBB00-7B27-4582-95DA-E0493F4EA896}" srcId="{543C4D73-2BD9-4FD3-B225-BA927636A30E}" destId="{918E5147-95D9-4A10-A481-3DD7B72ACD27}" srcOrd="0" destOrd="0" parTransId="{0FADB9FF-E2C5-4236-8645-1FC0C8202671}" sibTransId="{10E0F58B-C1E3-4F9D-9352-03EE3526194B}"/>
-    <dgm:cxn modelId="{28175BAE-2D62-4E37-8D04-BB212BDCB108}" type="presOf" srcId="{99E8B152-4D2D-45F2-ACA2-E9B1C2BD6DE8}" destId="{BFF26DF4-65D1-4C6C-83E7-E02E476876AC}" srcOrd="0" destOrd="0" presId="urn:microsoft.com/office/officeart/2005/8/layout/vList5"/>
-    <dgm:cxn modelId="{828065E9-7DB3-4179-8D9A-7723CA09E65C}" type="presOf" srcId="{9276FFF9-D79C-40AF-8922-4549E158446F}" destId="{5EB87B31-1029-4A1F-9C0A-AFFB28CA0F5E}" srcOrd="0" destOrd="0" presId="urn:microsoft.com/office/officeart/2005/8/layout/vList5"/>
-    <dgm:cxn modelId="{CB534479-8F56-4557-923D-DFFC680542ED}" type="presOf" srcId="{543C4D73-2BD9-4FD3-B225-BA927636A30E}" destId="{839A0C55-6F4F-487B-ABCB-7E5C2EC4A22A}" srcOrd="0" destOrd="0" presId="urn:microsoft.com/office/officeart/2005/8/layout/vList5"/>
+    <dgm:cxn modelId="{92910DA8-8B5D-46B8-B420-B72F9E9184F3}" type="presOf" srcId="{1D3542A6-B046-460E-8B83-6FC830A366E8}" destId="{FFE84D8B-EAEB-4671-98B1-5017065D43FE}" srcOrd="0" destOrd="0" presId="urn:microsoft.com/office/officeart/2005/8/layout/vList5"/>
+    <dgm:cxn modelId="{B6773EE8-5A55-45F2-9393-11AE376F6863}" srcId="{99E8B152-4D2D-45F2-ACA2-E9B1C2BD6DE8}" destId="{1D3542A6-B046-460E-8B83-6FC830A366E8}" srcOrd="0" destOrd="0" parTransId="{0DF00535-0779-474A-B7FC-19552060F222}" sibTransId="{FEFA6B22-E062-46C9-8BD7-448544C19961}"/>
+    <dgm:cxn modelId="{200B291C-7EE2-420E-80E4-AFBD7D99C928}" type="presOf" srcId="{918E5147-95D9-4A10-A481-3DD7B72ACD27}" destId="{5D864B8D-FACF-48E7-8326-E483DE976D5A}" srcOrd="0" destOrd="0" presId="urn:microsoft.com/office/officeart/2005/8/layout/vList5"/>
+    <dgm:cxn modelId="{666C3790-A048-49F6-B1C3-ED40DDCB1D88}" srcId="{48D294A6-4B7E-4C0F-98AE-E649F44D7A31}" destId="{91C62179-2964-4056-BEC8-6F947A0A7F38}" srcOrd="0" destOrd="0" parTransId="{E98A37BF-268E-4B86-906A-EBFFBB7F84CB}" sibTransId="{E400CB7B-D2AA-4F1B-A73A-C77EF5640614}"/>
+    <dgm:cxn modelId="{4753D5B9-39F6-441D-84AF-B5EE76FD1A6E}" srcId="{28F8D379-8B78-4F75-9B33-605DB1D0BA3E}" destId="{5D54E867-2EE5-4E6E-ADF3-70FD46C29A9E}" srcOrd="0" destOrd="0" parTransId="{434BEC62-34DF-436A-A268-E80CDC1A6181}" sibTransId="{F7350657-FB02-42D2-BC7F-7337ACD37322}"/>
     <dgm:cxn modelId="{72DA63C1-EC66-410B-931B-457F92423750}" type="presOf" srcId="{90922D1B-DBD8-4D9E-B67E-B598830D5F47}" destId="{6B068343-8AEE-4D1A-BB98-49539ECB81C6}" srcOrd="0" destOrd="0" presId="urn:microsoft.com/office/officeart/2005/8/layout/vList5"/>
-    <dgm:cxn modelId="{4753D5B9-39F6-441D-84AF-B5EE76FD1A6E}" srcId="{28F8D379-8B78-4F75-9B33-605DB1D0BA3E}" destId="{5D54E867-2EE5-4E6E-ADF3-70FD46C29A9E}" srcOrd="0" destOrd="0" parTransId="{434BEC62-34DF-436A-A268-E80CDC1A6181}" sibTransId="{F7350657-FB02-42D2-BC7F-7337ACD37322}"/>
     <dgm:cxn modelId="{F5EF1E1F-E9F8-40C0-BC3D-06DA627D93B1}" type="presOf" srcId="{91C62179-2964-4056-BEC8-6F947A0A7F38}" destId="{CC005D75-9949-46F5-816A-84FDF35D1A84}" srcOrd="0" destOrd="0" presId="urn:microsoft.com/office/officeart/2005/8/layout/vList5"/>
-    <dgm:cxn modelId="{B8D404FF-751A-4EEC-9810-8B7BA12C6617}" type="presOf" srcId="{28F8D379-8B78-4F75-9B33-605DB1D0BA3E}" destId="{11908AA2-17DB-48BB-B152-062C361AC5C4}" srcOrd="0" destOrd="0" presId="urn:microsoft.com/office/officeart/2005/8/layout/vList5"/>
-    <dgm:cxn modelId="{5BEB166A-9021-4D37-BAC4-DE238FE58F3F}" srcId="{9276FFF9-D79C-40AF-8922-4549E158446F}" destId="{90922D1B-DBD8-4D9E-B67E-B598830D5F47}" srcOrd="0" destOrd="0" parTransId="{343B2824-7FE3-4635-8B66-BAEEF26802E9}" sibTransId="{F37E840D-9ECE-47E0-ADDD-D3DB4CC158ED}"/>
-    <dgm:cxn modelId="{B6773EE8-5A55-45F2-9393-11AE376F6863}" srcId="{99E8B152-4D2D-45F2-ACA2-E9B1C2BD6DE8}" destId="{1D3542A6-B046-460E-8B83-6FC830A366E8}" srcOrd="0" destOrd="0" parTransId="{0DF00535-0779-474A-B7FC-19552060F222}" sibTransId="{FEFA6B22-E062-46C9-8BD7-448544C19961}"/>
-    <dgm:cxn modelId="{80B8A57C-4AF8-478C-BB71-ABC681370B9B}" type="presOf" srcId="{48D294A6-4B7E-4C0F-98AE-E649F44D7A31}" destId="{B2E8BDA2-7497-48D7-82A9-BA15BF6459D6}" srcOrd="0" destOrd="0" presId="urn:microsoft.com/office/officeart/2005/8/layout/vList5"/>
-    <dgm:cxn modelId="{666C3790-A048-49F6-B1C3-ED40DDCB1D88}" srcId="{48D294A6-4B7E-4C0F-98AE-E649F44D7A31}" destId="{91C62179-2964-4056-BEC8-6F947A0A7F38}" srcOrd="0" destOrd="0" parTransId="{E98A37BF-268E-4B86-906A-EBFFBB7F84CB}" sibTransId="{E400CB7B-D2AA-4F1B-A73A-C77EF5640614}"/>
-    <dgm:cxn modelId="{D4743394-2965-4CD1-9840-783CEDBEE746}" type="presOf" srcId="{CC50D243-2C53-433D-83B5-11E46DF35305}" destId="{008FD7B1-49B2-4BA3-B80E-C5B2EAD406EA}" srcOrd="0" destOrd="0" presId="urn:microsoft.com/office/officeart/2005/8/layout/vList5"/>
-    <dgm:cxn modelId="{D544F27D-EA9D-4A14-94C9-27BE411A00F3}" srcId="{CC50D243-2C53-433D-83B5-11E46DF35305}" destId="{99E8B152-4D2D-45F2-ACA2-E9B1C2BD6DE8}" srcOrd="4" destOrd="0" parTransId="{F28AFD1F-305C-4FB2-96C5-339B8E121015}" sibTransId="{EAF88F85-3D8F-4F9F-BBF4-C425D834D4C4}"/>
-    <dgm:cxn modelId="{200B291C-7EE2-420E-80E4-AFBD7D99C928}" type="presOf" srcId="{918E5147-95D9-4A10-A481-3DD7B72ACD27}" destId="{5D864B8D-FACF-48E7-8326-E483DE976D5A}" srcOrd="0" destOrd="0" presId="urn:microsoft.com/office/officeart/2005/8/layout/vList5"/>
-    <dgm:cxn modelId="{4F745B43-7357-4769-B38E-D1A5714AA2D5}" srcId="{CC50D243-2C53-433D-83B5-11E46DF35305}" destId="{543C4D73-2BD9-4FD3-B225-BA927636A30E}" srcOrd="2" destOrd="0" parTransId="{E47569A2-16AA-4A1C-9D7E-B3E3CF00892E}" sibTransId="{5A7BC45B-A5C9-443C-B2F8-8D3AD5A77B12}"/>
-    <dgm:cxn modelId="{CFEF53BF-ABAA-49DC-8CFD-90763E14B18F}" srcId="{CC50D243-2C53-433D-83B5-11E46DF35305}" destId="{28F8D379-8B78-4F75-9B33-605DB1D0BA3E}" srcOrd="0" destOrd="0" parTransId="{0AE93605-1E15-4195-B27A-345D384EB455}" sibTransId="{35CB1AC4-DF49-4279-9C96-729819D1C9C3}"/>
     <dgm:cxn modelId="{D6C98D72-777A-4E18-85CE-F48F30F195D3}" type="presOf" srcId="{5D54E867-2EE5-4E6E-ADF3-70FD46C29A9E}" destId="{97A5505E-23ED-47A6-8FD4-A49DECDD05D3}" srcOrd="0" destOrd="0" presId="urn:microsoft.com/office/officeart/2005/8/layout/vList5"/>
-    <dgm:cxn modelId="{92910DA8-8B5D-46B8-B420-B72F9E9184F3}" type="presOf" srcId="{1D3542A6-B046-460E-8B83-6FC830A366E8}" destId="{FFE84D8B-EAEB-4671-98B1-5017065D43FE}" srcOrd="0" destOrd="0" presId="urn:microsoft.com/office/officeart/2005/8/layout/vList5"/>
-    <dgm:cxn modelId="{191A25D5-0D16-4EF2-85C7-3ACDBFE2D48B}" srcId="{CC50D243-2C53-433D-83B5-11E46DF35305}" destId="{48D294A6-4B7E-4C0F-98AE-E649F44D7A31}" srcOrd="1" destOrd="0" parTransId="{74C74D6C-619B-489D-9C64-CF9B02E11778}" sibTransId="{94E2B152-3463-4111-8929-7D5836B03086}"/>
     <dgm:cxn modelId="{23A03DD2-4A78-4C62-B565-81824F1E5071}" type="presParOf" srcId="{008FD7B1-49B2-4BA3-B80E-C5B2EAD406EA}" destId="{3F7F0EEE-74DE-4FFF-ADD7-A426C33A7C48}" srcOrd="0" destOrd="0" presId="urn:microsoft.com/office/officeart/2005/8/layout/vList5"/>
     <dgm:cxn modelId="{299BEC7D-D404-4B0A-AC99-987513F8F261}" type="presParOf" srcId="{3F7F0EEE-74DE-4FFF-ADD7-A426C33A7C48}" destId="{11908AA2-17DB-48BB-B152-062C361AC5C4}" srcOrd="0" destOrd="0" presId="urn:microsoft.com/office/officeart/2005/8/layout/vList5"/>
     <dgm:cxn modelId="{8FE9635B-A90A-4A9A-A663-34A0F52F2245}" type="presParOf" srcId="{3F7F0EEE-74DE-4FFF-ADD7-A426C33A7C48}" destId="{97A5505E-23ED-47A6-8FD4-A49DECDD05D3}" srcOrd="1" destOrd="0" presId="urn:microsoft.com/office/officeart/2005/8/layout/vList5"/>
@@ -3917,36 +3918,41 @@
           <a:gsLst>
             <a:gs pos="0">
               <a:schemeClr val="accent5">
-                <a:lumMod val="110000"/>
-                <a:satMod val="105000"/>
-                <a:tint val="67000"/>
+                <a:tint val="50000"/>
+                <a:satMod val="300000"/>
               </a:schemeClr>
             </a:gs>
-            <a:gs pos="50000">
+            <a:gs pos="35000">
               <a:schemeClr val="accent5">
-                <a:lumMod val="105000"/>
-                <a:satMod val="103000"/>
-                <a:tint val="73000"/>
+                <a:tint val="37000"/>
+                <a:satMod val="300000"/>
               </a:schemeClr>
             </a:gs>
             <a:gs pos="100000">
               <a:schemeClr val="accent5">
-                <a:lumMod val="105000"/>
-                <a:satMod val="109000"/>
-                <a:tint val="81000"/>
+                <a:tint val="15000"/>
+                <a:satMod val="350000"/>
               </a:schemeClr>
             </a:gs>
           </a:gsLst>
-          <a:lin ang="5400000" scaled="0"/>
+          <a:lin ang="16200000" scaled="1"/>
         </a:gradFill>
-        <a:ln w="6350" cap="flat" cmpd="sng" algn="ctr">
+        <a:ln w="9525" cap="flat" cmpd="sng" algn="ctr">
           <a:solidFill>
-            <a:schemeClr val="accent5"/>
+            <a:schemeClr val="accent5">
+              <a:shade val="95000"/>
+              <a:satMod val="105000"/>
+            </a:schemeClr>
           </a:solidFill>
           <a:prstDash val="solid"/>
-          <a:miter lim="800000"/>
         </a:ln>
-        <a:effectLst/>
+        <a:effectLst>
+          <a:outerShdw blurRad="40000" dist="20000" dir="5400000" rotWithShape="0">
+            <a:srgbClr val="000000">
+              <a:alpha val="38000"/>
+            </a:srgbClr>
+          </a:outerShdw>
+        </a:effectLst>
         <a:scene3d>
           <a:camera prst="orthographicFront"/>
           <a:lightRig rig="flat" dir="t"/>
@@ -3968,12 +3974,12 @@
         </a:fontRef>
       </dsp:style>
       <dsp:txBody>
-        <a:bodyPr spcFirstLastPara="0" vert="horz" wrap="square" lIns="72390" tIns="36195" rIns="72390" bIns="36195" numCol="1" spcCol="1270" anchor="ctr" anchorCtr="0">
+        <a:bodyPr spcFirstLastPara="0" vert="horz" wrap="square" lIns="68580" tIns="34290" rIns="68580" bIns="34290" numCol="1" spcCol="1270" anchor="ctr" anchorCtr="0">
           <a:noAutofit/>
         </a:bodyPr>
         <a:lstStyle/>
         <a:p>
-          <a:pPr marL="171450" lvl="1" indent="-171450" algn="l" defTabSz="844550" rtl="0">
+          <a:pPr marL="171450" lvl="1" indent="-171450" algn="l" defTabSz="800100" rtl="0">
             <a:lnSpc>
               <a:spcPct val="90000"/>
             </a:lnSpc>
@@ -3986,7 +3992,7 @@
             <a:buChar char="•"/>
           </a:pPr>
           <a:r>
-            <a:rPr lang="en-US" sz="1900" kern="1200" dirty="0"/>
+            <a:rPr lang="en-US" sz="1800" kern="1200" dirty="0"/>
             <a:t>Set Enable Unit Testing to true on BizTalk project</a:t>
           </a:r>
         </a:p>
@@ -4013,40 +4019,46 @@
           <a:gsLst>
             <a:gs pos="0">
               <a:schemeClr val="accent1">
-                <a:lumMod val="110000"/>
-                <a:satMod val="105000"/>
-                <a:tint val="67000"/>
+                <a:tint val="50000"/>
+                <a:satMod val="300000"/>
               </a:schemeClr>
             </a:gs>
-            <a:gs pos="50000">
+            <a:gs pos="35000">
               <a:schemeClr val="accent1">
-                <a:lumMod val="105000"/>
-                <a:satMod val="103000"/>
-                <a:tint val="73000"/>
+                <a:tint val="37000"/>
+                <a:satMod val="300000"/>
               </a:schemeClr>
             </a:gs>
             <a:gs pos="100000">
               <a:schemeClr val="accent1">
-                <a:lumMod val="105000"/>
-                <a:satMod val="109000"/>
-                <a:tint val="81000"/>
+                <a:tint val="15000"/>
+                <a:satMod val="350000"/>
               </a:schemeClr>
             </a:gs>
           </a:gsLst>
-          <a:lin ang="5400000" scaled="0"/>
+          <a:lin ang="16200000" scaled="1"/>
         </a:gradFill>
-        <a:ln w="6350" cap="flat" cmpd="sng" algn="ctr">
+        <a:ln w="9525" cap="flat" cmpd="sng" algn="ctr">
           <a:solidFill>
-            <a:schemeClr val="accent1"/>
+            <a:schemeClr val="accent1">
+              <a:shade val="95000"/>
+              <a:satMod val="105000"/>
+            </a:schemeClr>
           </a:solidFill>
           <a:prstDash val="solid"/>
-          <a:miter lim="800000"/>
         </a:ln>
-        <a:effectLst/>
+        <a:effectLst>
+          <a:outerShdw blurRad="40000" dist="20000" dir="5400000" rotWithShape="0">
+            <a:srgbClr val="000000">
+              <a:alpha val="38000"/>
+            </a:srgbClr>
+          </a:outerShdw>
+        </a:effectLst>
         <a:scene3d>
           <a:camera prst="orthographicFront"/>
           <a:lightRig rig="flat" dir="t"/>
         </a:scene3d>
+        <a:sp3d/>
       </dsp:spPr>
       <dsp:style>
         <a:lnRef idx="1">
@@ -4063,12 +4075,12 @@
         </a:fontRef>
       </dsp:style>
       <dsp:txBody>
-        <a:bodyPr spcFirstLastPara="0" vert="horz" wrap="square" lIns="99060" tIns="49530" rIns="99060" bIns="49530" numCol="1" spcCol="1270" anchor="ctr" anchorCtr="0">
+        <a:bodyPr spcFirstLastPara="0" vert="horz" wrap="square" lIns="102870" tIns="51435" rIns="102870" bIns="51435" numCol="1" spcCol="1270" anchor="ctr" anchorCtr="0">
           <a:noAutofit/>
         </a:bodyPr>
         <a:lstStyle/>
         <a:p>
-          <a:pPr marL="0" lvl="0" indent="0" algn="ctr" defTabSz="1155700" rtl="0">
+          <a:pPr marL="0" lvl="0" indent="0" algn="ctr" defTabSz="1200150" rtl="0">
             <a:lnSpc>
               <a:spcPct val="90000"/>
             </a:lnSpc>
@@ -4081,7 +4093,7 @@
             <a:buNone/>
           </a:pPr>
           <a:r>
-            <a:rPr lang="en-US" sz="2600" kern="1200" dirty="0"/>
+            <a:rPr lang="en-US" sz="2700" kern="1200" dirty="0"/>
             <a:t>1</a:t>
           </a:r>
         </a:p>
@@ -4108,36 +4120,41 @@
           <a:gsLst>
             <a:gs pos="0">
               <a:schemeClr val="accent5">
-                <a:lumMod val="110000"/>
-                <a:satMod val="105000"/>
-                <a:tint val="67000"/>
+                <a:tint val="50000"/>
+                <a:satMod val="300000"/>
               </a:schemeClr>
             </a:gs>
-            <a:gs pos="50000">
+            <a:gs pos="35000">
               <a:schemeClr val="accent5">
-                <a:lumMod val="105000"/>
-                <a:satMod val="103000"/>
-                <a:tint val="73000"/>
+                <a:tint val="37000"/>
+                <a:satMod val="300000"/>
               </a:schemeClr>
             </a:gs>
             <a:gs pos="100000">
               <a:schemeClr val="accent5">
-                <a:lumMod val="105000"/>
-                <a:satMod val="109000"/>
-                <a:tint val="81000"/>
+                <a:tint val="15000"/>
+                <a:satMod val="350000"/>
               </a:schemeClr>
             </a:gs>
           </a:gsLst>
-          <a:lin ang="5400000" scaled="0"/>
+          <a:lin ang="16200000" scaled="1"/>
         </a:gradFill>
-        <a:ln w="6350" cap="flat" cmpd="sng" algn="ctr">
+        <a:ln w="9525" cap="flat" cmpd="sng" algn="ctr">
           <a:solidFill>
-            <a:schemeClr val="accent5"/>
+            <a:schemeClr val="accent5">
+              <a:shade val="95000"/>
+              <a:satMod val="105000"/>
+            </a:schemeClr>
           </a:solidFill>
           <a:prstDash val="solid"/>
-          <a:miter lim="800000"/>
         </a:ln>
-        <a:effectLst/>
+        <a:effectLst>
+          <a:outerShdw blurRad="40000" dist="20000" dir="5400000" rotWithShape="0">
+            <a:srgbClr val="000000">
+              <a:alpha val="38000"/>
+            </a:srgbClr>
+          </a:outerShdw>
+        </a:effectLst>
         <a:scene3d>
           <a:camera prst="orthographicFront"/>
           <a:lightRig rig="flat" dir="t"/>
@@ -4159,12 +4176,12 @@
         </a:fontRef>
       </dsp:style>
       <dsp:txBody>
-        <a:bodyPr spcFirstLastPara="0" vert="horz" wrap="square" lIns="72390" tIns="36195" rIns="72390" bIns="36195" numCol="1" spcCol="1270" anchor="ctr" anchorCtr="0">
+        <a:bodyPr spcFirstLastPara="0" vert="horz" wrap="square" lIns="68580" tIns="34290" rIns="68580" bIns="34290" numCol="1" spcCol="1270" anchor="ctr" anchorCtr="0">
           <a:noAutofit/>
         </a:bodyPr>
         <a:lstStyle/>
         <a:p>
-          <a:pPr marL="171450" lvl="1" indent="-171450" algn="l" defTabSz="844550" rtl="0">
+          <a:pPr marL="171450" lvl="1" indent="-171450" algn="l" defTabSz="800100" rtl="0">
             <a:lnSpc>
               <a:spcPct val="90000"/>
             </a:lnSpc>
@@ -4177,7 +4194,7 @@
             <a:buChar char="•"/>
           </a:pPr>
           <a:r>
-            <a:rPr lang="en-US" sz="1900" kern="1200" dirty="0"/>
+            <a:rPr lang="en-US" sz="1800" kern="1200" dirty="0"/>
             <a:t>Add a Test project to solution</a:t>
           </a:r>
         </a:p>
@@ -4204,40 +4221,46 @@
           <a:gsLst>
             <a:gs pos="0">
               <a:schemeClr val="accent1">
-                <a:lumMod val="110000"/>
-                <a:satMod val="105000"/>
-                <a:tint val="67000"/>
+                <a:tint val="50000"/>
+                <a:satMod val="300000"/>
               </a:schemeClr>
             </a:gs>
-            <a:gs pos="50000">
+            <a:gs pos="35000">
               <a:schemeClr val="accent1">
-                <a:lumMod val="105000"/>
-                <a:satMod val="103000"/>
-                <a:tint val="73000"/>
+                <a:tint val="37000"/>
+                <a:satMod val="300000"/>
               </a:schemeClr>
             </a:gs>
             <a:gs pos="100000">
               <a:schemeClr val="accent1">
-                <a:lumMod val="105000"/>
-                <a:satMod val="109000"/>
-                <a:tint val="81000"/>
+                <a:tint val="15000"/>
+                <a:satMod val="350000"/>
               </a:schemeClr>
             </a:gs>
           </a:gsLst>
-          <a:lin ang="5400000" scaled="0"/>
+          <a:lin ang="16200000" scaled="1"/>
         </a:gradFill>
-        <a:ln w="6350" cap="flat" cmpd="sng" algn="ctr">
+        <a:ln w="9525" cap="flat" cmpd="sng" algn="ctr">
           <a:solidFill>
-            <a:schemeClr val="accent1"/>
+            <a:schemeClr val="accent1">
+              <a:shade val="95000"/>
+              <a:satMod val="105000"/>
+            </a:schemeClr>
           </a:solidFill>
           <a:prstDash val="solid"/>
-          <a:miter lim="800000"/>
         </a:ln>
-        <a:effectLst/>
+        <a:effectLst>
+          <a:outerShdw blurRad="40000" dist="20000" dir="5400000" rotWithShape="0">
+            <a:srgbClr val="000000">
+              <a:alpha val="38000"/>
+            </a:srgbClr>
+          </a:outerShdw>
+        </a:effectLst>
         <a:scene3d>
           <a:camera prst="orthographicFront"/>
           <a:lightRig rig="flat" dir="t"/>
         </a:scene3d>
+        <a:sp3d/>
       </dsp:spPr>
       <dsp:style>
         <a:lnRef idx="1">
@@ -4254,12 +4277,12 @@
         </a:fontRef>
       </dsp:style>
       <dsp:txBody>
-        <a:bodyPr spcFirstLastPara="0" vert="horz" wrap="square" lIns="99060" tIns="49530" rIns="99060" bIns="49530" numCol="1" spcCol="1270" anchor="ctr" anchorCtr="0">
+        <a:bodyPr spcFirstLastPara="0" vert="horz" wrap="square" lIns="102870" tIns="51435" rIns="102870" bIns="51435" numCol="1" spcCol="1270" anchor="ctr" anchorCtr="0">
           <a:noAutofit/>
         </a:bodyPr>
         <a:lstStyle/>
         <a:p>
-          <a:pPr marL="0" lvl="0" indent="0" algn="ctr" defTabSz="1155700" rtl="0">
+          <a:pPr marL="0" lvl="0" indent="0" algn="ctr" defTabSz="1200150" rtl="0">
             <a:lnSpc>
               <a:spcPct val="90000"/>
             </a:lnSpc>
@@ -4272,7 +4295,7 @@
             <a:buNone/>
           </a:pPr>
           <a:r>
-            <a:rPr lang="en-US" sz="2600" kern="1200" dirty="0"/>
+            <a:rPr lang="en-US" sz="2700" kern="1200" dirty="0"/>
             <a:t>2</a:t>
           </a:r>
         </a:p>
@@ -4299,36 +4322,41 @@
           <a:gsLst>
             <a:gs pos="0">
               <a:schemeClr val="accent5">
-                <a:lumMod val="110000"/>
-                <a:satMod val="105000"/>
-                <a:tint val="67000"/>
+                <a:tint val="50000"/>
+                <a:satMod val="300000"/>
               </a:schemeClr>
             </a:gs>
-            <a:gs pos="50000">
+            <a:gs pos="35000">
               <a:schemeClr val="accent5">
-                <a:lumMod val="105000"/>
-                <a:satMod val="103000"/>
-                <a:tint val="73000"/>
+                <a:tint val="37000"/>
+                <a:satMod val="300000"/>
               </a:schemeClr>
             </a:gs>
             <a:gs pos="100000">
               <a:schemeClr val="accent5">
-                <a:lumMod val="105000"/>
-                <a:satMod val="109000"/>
-                <a:tint val="81000"/>
+                <a:tint val="15000"/>
+                <a:satMod val="350000"/>
               </a:schemeClr>
             </a:gs>
           </a:gsLst>
-          <a:lin ang="5400000" scaled="0"/>
+          <a:lin ang="16200000" scaled="1"/>
         </a:gradFill>
-        <a:ln w="6350" cap="flat" cmpd="sng" algn="ctr">
+        <a:ln w="9525" cap="flat" cmpd="sng" algn="ctr">
           <a:solidFill>
-            <a:schemeClr val="accent5"/>
+            <a:schemeClr val="accent5">
+              <a:shade val="95000"/>
+              <a:satMod val="105000"/>
+            </a:schemeClr>
           </a:solidFill>
           <a:prstDash val="solid"/>
-          <a:miter lim="800000"/>
         </a:ln>
-        <a:effectLst/>
+        <a:effectLst>
+          <a:outerShdw blurRad="40000" dist="20000" dir="5400000" rotWithShape="0">
+            <a:srgbClr val="000000">
+              <a:alpha val="38000"/>
+            </a:srgbClr>
+          </a:outerShdw>
+        </a:effectLst>
         <a:scene3d>
           <a:camera prst="orthographicFront"/>
           <a:lightRig rig="flat" dir="t"/>
@@ -4350,12 +4378,12 @@
         </a:fontRef>
       </dsp:style>
       <dsp:txBody>
-        <a:bodyPr spcFirstLastPara="0" vert="horz" wrap="square" lIns="72390" tIns="36195" rIns="72390" bIns="36195" numCol="1" spcCol="1270" anchor="ctr" anchorCtr="0">
+        <a:bodyPr spcFirstLastPara="0" vert="horz" wrap="square" lIns="68580" tIns="34290" rIns="68580" bIns="34290" numCol="1" spcCol="1270" anchor="ctr" anchorCtr="0">
           <a:noAutofit/>
         </a:bodyPr>
         <a:lstStyle/>
         <a:p>
-          <a:pPr marL="171450" lvl="1" indent="-171450" algn="l" defTabSz="844550" rtl="0">
+          <a:pPr marL="171450" lvl="1" indent="-171450" algn="l" defTabSz="800100" rtl="0">
             <a:lnSpc>
               <a:spcPct val="90000"/>
             </a:lnSpc>
@@ -4368,7 +4396,7 @@
             <a:buChar char="•"/>
           </a:pPr>
           <a:r>
-            <a:rPr lang="en-US" sz="1900" kern="1200" dirty="0"/>
+            <a:rPr lang="en-US" sz="1800" kern="1200" dirty="0"/>
             <a:t>Select the artifacts to test</a:t>
           </a:r>
         </a:p>
@@ -4395,40 +4423,46 @@
           <a:gsLst>
             <a:gs pos="0">
               <a:schemeClr val="accent1">
-                <a:lumMod val="110000"/>
-                <a:satMod val="105000"/>
-                <a:tint val="67000"/>
+                <a:tint val="50000"/>
+                <a:satMod val="300000"/>
               </a:schemeClr>
             </a:gs>
-            <a:gs pos="50000">
+            <a:gs pos="35000">
               <a:schemeClr val="accent1">
-                <a:lumMod val="105000"/>
-                <a:satMod val="103000"/>
-                <a:tint val="73000"/>
+                <a:tint val="37000"/>
+                <a:satMod val="300000"/>
               </a:schemeClr>
             </a:gs>
             <a:gs pos="100000">
               <a:schemeClr val="accent1">
-                <a:lumMod val="105000"/>
-                <a:satMod val="109000"/>
-                <a:tint val="81000"/>
+                <a:tint val="15000"/>
+                <a:satMod val="350000"/>
               </a:schemeClr>
             </a:gs>
           </a:gsLst>
-          <a:lin ang="5400000" scaled="0"/>
+          <a:lin ang="16200000" scaled="1"/>
         </a:gradFill>
-        <a:ln w="6350" cap="flat" cmpd="sng" algn="ctr">
+        <a:ln w="9525" cap="flat" cmpd="sng" algn="ctr">
           <a:solidFill>
-            <a:schemeClr val="accent1"/>
+            <a:schemeClr val="accent1">
+              <a:shade val="95000"/>
+              <a:satMod val="105000"/>
+            </a:schemeClr>
           </a:solidFill>
           <a:prstDash val="solid"/>
-          <a:miter lim="800000"/>
         </a:ln>
-        <a:effectLst/>
+        <a:effectLst>
+          <a:outerShdw blurRad="40000" dist="20000" dir="5400000" rotWithShape="0">
+            <a:srgbClr val="000000">
+              <a:alpha val="38000"/>
+            </a:srgbClr>
+          </a:outerShdw>
+        </a:effectLst>
         <a:scene3d>
           <a:camera prst="orthographicFront"/>
           <a:lightRig rig="flat" dir="t"/>
         </a:scene3d>
+        <a:sp3d/>
       </dsp:spPr>
       <dsp:style>
         <a:lnRef idx="1">
@@ -4445,12 +4479,12 @@
         </a:fontRef>
       </dsp:style>
       <dsp:txBody>
-        <a:bodyPr spcFirstLastPara="0" vert="horz" wrap="square" lIns="99060" tIns="49530" rIns="99060" bIns="49530" numCol="1" spcCol="1270" anchor="ctr" anchorCtr="0">
+        <a:bodyPr spcFirstLastPara="0" vert="horz" wrap="square" lIns="102870" tIns="51435" rIns="102870" bIns="51435" numCol="1" spcCol="1270" anchor="ctr" anchorCtr="0">
           <a:noAutofit/>
         </a:bodyPr>
         <a:lstStyle/>
         <a:p>
-          <a:pPr marL="0" lvl="0" indent="0" algn="ctr" defTabSz="1155700" rtl="0">
+          <a:pPr marL="0" lvl="0" indent="0" algn="ctr" defTabSz="1200150" rtl="0">
             <a:lnSpc>
               <a:spcPct val="90000"/>
             </a:lnSpc>
@@ -4463,7 +4497,7 @@
             <a:buNone/>
           </a:pPr>
           <a:r>
-            <a:rPr lang="en-US" sz="2600" kern="1200" dirty="0"/>
+            <a:rPr lang="en-US" sz="2700" kern="1200" dirty="0"/>
             <a:t>3</a:t>
           </a:r>
         </a:p>
@@ -4490,36 +4524,41 @@
           <a:gsLst>
             <a:gs pos="0">
               <a:schemeClr val="accent5">
-                <a:lumMod val="110000"/>
-                <a:satMod val="105000"/>
-                <a:tint val="67000"/>
+                <a:tint val="50000"/>
+                <a:satMod val="300000"/>
               </a:schemeClr>
             </a:gs>
-            <a:gs pos="50000">
+            <a:gs pos="35000">
               <a:schemeClr val="accent5">
-                <a:lumMod val="105000"/>
-                <a:satMod val="103000"/>
-                <a:tint val="73000"/>
+                <a:tint val="37000"/>
+                <a:satMod val="300000"/>
               </a:schemeClr>
             </a:gs>
             <a:gs pos="100000">
               <a:schemeClr val="accent5">
-                <a:lumMod val="105000"/>
-                <a:satMod val="109000"/>
-                <a:tint val="81000"/>
+                <a:tint val="15000"/>
+                <a:satMod val="350000"/>
               </a:schemeClr>
             </a:gs>
           </a:gsLst>
-          <a:lin ang="5400000" scaled="0"/>
+          <a:lin ang="16200000" scaled="1"/>
         </a:gradFill>
-        <a:ln w="6350" cap="flat" cmpd="sng" algn="ctr">
+        <a:ln w="9525" cap="flat" cmpd="sng" algn="ctr">
           <a:solidFill>
-            <a:schemeClr val="accent5"/>
+            <a:schemeClr val="accent5">
+              <a:shade val="95000"/>
+              <a:satMod val="105000"/>
+            </a:schemeClr>
           </a:solidFill>
           <a:prstDash val="solid"/>
-          <a:miter lim="800000"/>
         </a:ln>
-        <a:effectLst/>
+        <a:effectLst>
+          <a:outerShdw blurRad="40000" dist="20000" dir="5400000" rotWithShape="0">
+            <a:srgbClr val="000000">
+              <a:alpha val="38000"/>
+            </a:srgbClr>
+          </a:outerShdw>
+        </a:effectLst>
         <a:scene3d>
           <a:camera prst="orthographicFront"/>
           <a:lightRig rig="flat" dir="t"/>
@@ -4541,12 +4580,12 @@
         </a:fontRef>
       </dsp:style>
       <dsp:txBody>
-        <a:bodyPr spcFirstLastPara="0" vert="horz" wrap="square" lIns="72390" tIns="36195" rIns="72390" bIns="36195" numCol="1" spcCol="1270" anchor="ctr" anchorCtr="0">
+        <a:bodyPr spcFirstLastPara="0" vert="horz" wrap="square" lIns="68580" tIns="34290" rIns="68580" bIns="34290" numCol="1" spcCol="1270" anchor="ctr" anchorCtr="0">
           <a:noAutofit/>
         </a:bodyPr>
         <a:lstStyle/>
         <a:p>
-          <a:pPr marL="171450" lvl="1" indent="-171450" algn="l" defTabSz="844550" rtl="0">
+          <a:pPr marL="171450" lvl="1" indent="-171450" algn="l" defTabSz="800100" rtl="0">
             <a:lnSpc>
               <a:spcPct val="90000"/>
             </a:lnSpc>
@@ -4559,14 +4598,14 @@
             <a:buChar char="•"/>
           </a:pPr>
           <a:r>
-            <a:rPr lang="en-US" sz="1900" kern="1200" dirty="0"/>
+            <a:rPr lang="en-US" sz="1800" kern="1200" dirty="0"/>
             <a:t>Add reference to </a:t>
           </a:r>
           <a:r>
-            <a:rPr lang="en-US" sz="1900" kern="1200" dirty="0" err="1"/>
+            <a:rPr lang="en-US" sz="1800" kern="1200" dirty="0" err="1"/>
             <a:t>Microsoft.BizTalk.TestTools</a:t>
           </a:r>
-          <a:endParaRPr lang="en-US" sz="1900" kern="1200" dirty="0"/>
+          <a:endParaRPr lang="en-US" sz="1800" kern="1200" dirty="0"/>
         </a:p>
       </dsp:txBody>
       <dsp:txXfrm rot="-5400000">
@@ -4591,40 +4630,46 @@
           <a:gsLst>
             <a:gs pos="0">
               <a:schemeClr val="accent1">
-                <a:lumMod val="110000"/>
-                <a:satMod val="105000"/>
-                <a:tint val="67000"/>
+                <a:tint val="50000"/>
+                <a:satMod val="300000"/>
               </a:schemeClr>
             </a:gs>
-            <a:gs pos="50000">
+            <a:gs pos="35000">
               <a:schemeClr val="accent1">
-                <a:lumMod val="105000"/>
-                <a:satMod val="103000"/>
-                <a:tint val="73000"/>
+                <a:tint val="37000"/>
+                <a:satMod val="300000"/>
               </a:schemeClr>
             </a:gs>
             <a:gs pos="100000">
               <a:schemeClr val="accent1">
-                <a:lumMod val="105000"/>
-                <a:satMod val="109000"/>
-                <a:tint val="81000"/>
+                <a:tint val="15000"/>
+                <a:satMod val="350000"/>
               </a:schemeClr>
             </a:gs>
           </a:gsLst>
-          <a:lin ang="5400000" scaled="0"/>
+          <a:lin ang="16200000" scaled="1"/>
         </a:gradFill>
-        <a:ln w="6350" cap="flat" cmpd="sng" algn="ctr">
+        <a:ln w="9525" cap="flat" cmpd="sng" algn="ctr">
           <a:solidFill>
-            <a:schemeClr val="accent1"/>
+            <a:schemeClr val="accent1">
+              <a:shade val="95000"/>
+              <a:satMod val="105000"/>
+            </a:schemeClr>
           </a:solidFill>
           <a:prstDash val="solid"/>
-          <a:miter lim="800000"/>
         </a:ln>
-        <a:effectLst/>
+        <a:effectLst>
+          <a:outerShdw blurRad="40000" dist="20000" dir="5400000" rotWithShape="0">
+            <a:srgbClr val="000000">
+              <a:alpha val="38000"/>
+            </a:srgbClr>
+          </a:outerShdw>
+        </a:effectLst>
         <a:scene3d>
           <a:camera prst="orthographicFront"/>
           <a:lightRig rig="flat" dir="t"/>
         </a:scene3d>
+        <a:sp3d/>
       </dsp:spPr>
       <dsp:style>
         <a:lnRef idx="1">
@@ -4641,12 +4686,12 @@
         </a:fontRef>
       </dsp:style>
       <dsp:txBody>
-        <a:bodyPr spcFirstLastPara="0" vert="horz" wrap="square" lIns="99060" tIns="49530" rIns="99060" bIns="49530" numCol="1" spcCol="1270" anchor="ctr" anchorCtr="0">
+        <a:bodyPr spcFirstLastPara="0" vert="horz" wrap="square" lIns="102870" tIns="51435" rIns="102870" bIns="51435" numCol="1" spcCol="1270" anchor="ctr" anchorCtr="0">
           <a:noAutofit/>
         </a:bodyPr>
         <a:lstStyle/>
         <a:p>
-          <a:pPr marL="0" lvl="0" indent="0" algn="ctr" defTabSz="1155700" rtl="0">
+          <a:pPr marL="0" lvl="0" indent="0" algn="ctr" defTabSz="1200150" rtl="0">
             <a:lnSpc>
               <a:spcPct val="90000"/>
             </a:lnSpc>
@@ -4659,7 +4704,7 @@
             <a:buNone/>
           </a:pPr>
           <a:r>
-            <a:rPr lang="en-US" sz="2600" kern="1200" dirty="0"/>
+            <a:rPr lang="en-US" sz="2700" kern="1200" dirty="0"/>
             <a:t>4</a:t>
           </a:r>
         </a:p>
@@ -4686,36 +4731,41 @@
           <a:gsLst>
             <a:gs pos="0">
               <a:schemeClr val="accent5">
-                <a:lumMod val="110000"/>
-                <a:satMod val="105000"/>
-                <a:tint val="67000"/>
+                <a:tint val="50000"/>
+                <a:satMod val="300000"/>
               </a:schemeClr>
             </a:gs>
-            <a:gs pos="50000">
+            <a:gs pos="35000">
               <a:schemeClr val="accent5">
-                <a:lumMod val="105000"/>
-                <a:satMod val="103000"/>
-                <a:tint val="73000"/>
+                <a:tint val="37000"/>
+                <a:satMod val="300000"/>
               </a:schemeClr>
             </a:gs>
             <a:gs pos="100000">
               <a:schemeClr val="accent5">
-                <a:lumMod val="105000"/>
-                <a:satMod val="109000"/>
-                <a:tint val="81000"/>
+                <a:tint val="15000"/>
+                <a:satMod val="350000"/>
               </a:schemeClr>
             </a:gs>
           </a:gsLst>
-          <a:lin ang="5400000" scaled="0"/>
+          <a:lin ang="16200000" scaled="1"/>
         </a:gradFill>
-        <a:ln w="6350" cap="flat" cmpd="sng" algn="ctr">
+        <a:ln w="9525" cap="flat" cmpd="sng" algn="ctr">
           <a:solidFill>
-            <a:schemeClr val="accent5"/>
+            <a:schemeClr val="accent5">
+              <a:shade val="95000"/>
+              <a:satMod val="105000"/>
+            </a:schemeClr>
           </a:solidFill>
           <a:prstDash val="solid"/>
-          <a:miter lim="800000"/>
         </a:ln>
-        <a:effectLst/>
+        <a:effectLst>
+          <a:outerShdw blurRad="40000" dist="20000" dir="5400000" rotWithShape="0">
+            <a:srgbClr val="000000">
+              <a:alpha val="38000"/>
+            </a:srgbClr>
+          </a:outerShdw>
+        </a:effectLst>
         <a:scene3d>
           <a:camera prst="orthographicFront"/>
           <a:lightRig rig="flat" dir="t"/>
@@ -4737,12 +4787,12 @@
         </a:fontRef>
       </dsp:style>
       <dsp:txBody>
-        <a:bodyPr spcFirstLastPara="0" vert="horz" wrap="square" lIns="72390" tIns="36195" rIns="72390" bIns="36195" numCol="1" spcCol="1270" anchor="ctr" anchorCtr="0">
+        <a:bodyPr spcFirstLastPara="0" vert="horz" wrap="square" lIns="68580" tIns="34290" rIns="68580" bIns="34290" numCol="1" spcCol="1270" anchor="ctr" anchorCtr="0">
           <a:noAutofit/>
         </a:bodyPr>
         <a:lstStyle/>
         <a:p>
-          <a:pPr marL="171450" lvl="1" indent="-171450" algn="l" defTabSz="844550" rtl="0">
+          <a:pPr marL="171450" lvl="1" indent="-171450" algn="l" defTabSz="800100" rtl="0">
             <a:lnSpc>
               <a:spcPct val="90000"/>
             </a:lnSpc>
@@ -4755,14 +4805,14 @@
             <a:buChar char="•"/>
           </a:pPr>
           <a:r>
-            <a:rPr lang="en-US" sz="1900" kern="1200" dirty="0"/>
+            <a:rPr lang="en-US" sz="1800" kern="1200" dirty="0"/>
             <a:t>Add reference to Microsoft XLANG/s </a:t>
           </a:r>
           <a:r>
-            <a:rPr lang="en-US" sz="1900" kern="1200"/>
+            <a:rPr lang="en-US" sz="1800" kern="1200"/>
             <a:t>Base Types</a:t>
           </a:r>
-          <a:endParaRPr lang="en-US" sz="1900" kern="1200" dirty="0"/>
+          <a:endParaRPr lang="en-US" sz="1800" kern="1200" dirty="0"/>
         </a:p>
       </dsp:txBody>
       <dsp:txXfrm rot="-5400000">
@@ -4787,40 +4837,46 @@
           <a:gsLst>
             <a:gs pos="0">
               <a:schemeClr val="accent1">
-                <a:lumMod val="110000"/>
-                <a:satMod val="105000"/>
-                <a:tint val="67000"/>
+                <a:tint val="50000"/>
+                <a:satMod val="300000"/>
               </a:schemeClr>
             </a:gs>
-            <a:gs pos="50000">
+            <a:gs pos="35000">
               <a:schemeClr val="accent1">
-                <a:lumMod val="105000"/>
-                <a:satMod val="103000"/>
-                <a:tint val="73000"/>
+                <a:tint val="37000"/>
+                <a:satMod val="300000"/>
               </a:schemeClr>
             </a:gs>
             <a:gs pos="100000">
               <a:schemeClr val="accent1">
-                <a:lumMod val="105000"/>
-                <a:satMod val="109000"/>
-                <a:tint val="81000"/>
+                <a:tint val="15000"/>
+                <a:satMod val="350000"/>
               </a:schemeClr>
             </a:gs>
           </a:gsLst>
-          <a:lin ang="5400000" scaled="0"/>
+          <a:lin ang="16200000" scaled="1"/>
         </a:gradFill>
-        <a:ln w="6350" cap="flat" cmpd="sng" algn="ctr">
+        <a:ln w="9525" cap="flat" cmpd="sng" algn="ctr">
           <a:solidFill>
-            <a:schemeClr val="accent1"/>
+            <a:schemeClr val="accent1">
+              <a:shade val="95000"/>
+              <a:satMod val="105000"/>
+            </a:schemeClr>
           </a:solidFill>
           <a:prstDash val="solid"/>
-          <a:miter lim="800000"/>
         </a:ln>
-        <a:effectLst/>
+        <a:effectLst>
+          <a:outerShdw blurRad="40000" dist="20000" dir="5400000" rotWithShape="0">
+            <a:srgbClr val="000000">
+              <a:alpha val="38000"/>
+            </a:srgbClr>
+          </a:outerShdw>
+        </a:effectLst>
         <a:scene3d>
           <a:camera prst="orthographicFront"/>
           <a:lightRig rig="flat" dir="t"/>
         </a:scene3d>
+        <a:sp3d/>
       </dsp:spPr>
       <dsp:style>
         <a:lnRef idx="1">
@@ -4837,12 +4893,12 @@
         </a:fontRef>
       </dsp:style>
       <dsp:txBody>
-        <a:bodyPr spcFirstLastPara="0" vert="horz" wrap="square" lIns="99060" tIns="49530" rIns="99060" bIns="49530" numCol="1" spcCol="1270" anchor="ctr" anchorCtr="0">
+        <a:bodyPr spcFirstLastPara="0" vert="horz" wrap="square" lIns="102870" tIns="51435" rIns="102870" bIns="51435" numCol="1" spcCol="1270" anchor="ctr" anchorCtr="0">
           <a:noAutofit/>
         </a:bodyPr>
         <a:lstStyle/>
         <a:p>
-          <a:pPr marL="0" lvl="0" indent="0" algn="ctr" defTabSz="1155700" rtl="0">
+          <a:pPr marL="0" lvl="0" indent="0" algn="ctr" defTabSz="1200150" rtl="0">
             <a:lnSpc>
               <a:spcPct val="90000"/>
             </a:lnSpc>
@@ -4855,7 +4911,7 @@
             <a:buNone/>
           </a:pPr>
           <a:r>
-            <a:rPr lang="en-US" sz="2600" kern="1200" dirty="0"/>
+            <a:rPr lang="en-US" sz="2700" kern="1200" dirty="0"/>
             <a:t>5</a:t>
           </a:r>
         </a:p>
@@ -4882,36 +4938,41 @@
           <a:gsLst>
             <a:gs pos="0">
               <a:schemeClr val="accent5">
-                <a:lumMod val="110000"/>
-                <a:satMod val="105000"/>
-                <a:tint val="67000"/>
+                <a:tint val="50000"/>
+                <a:satMod val="300000"/>
               </a:schemeClr>
             </a:gs>
-            <a:gs pos="50000">
+            <a:gs pos="35000">
               <a:schemeClr val="accent5">
-                <a:lumMod val="105000"/>
-                <a:satMod val="103000"/>
-                <a:tint val="73000"/>
+                <a:tint val="37000"/>
+                <a:satMod val="300000"/>
               </a:schemeClr>
             </a:gs>
             <a:gs pos="100000">
               <a:schemeClr val="accent5">
-                <a:lumMod val="105000"/>
-                <a:satMod val="109000"/>
-                <a:tint val="81000"/>
+                <a:tint val="15000"/>
+                <a:satMod val="350000"/>
               </a:schemeClr>
             </a:gs>
           </a:gsLst>
-          <a:lin ang="5400000" scaled="0"/>
+          <a:lin ang="16200000" scaled="1"/>
         </a:gradFill>
-        <a:ln w="6350" cap="flat" cmpd="sng" algn="ctr">
+        <a:ln w="9525" cap="flat" cmpd="sng" algn="ctr">
           <a:solidFill>
-            <a:schemeClr val="accent5"/>
+            <a:schemeClr val="accent5">
+              <a:shade val="95000"/>
+              <a:satMod val="105000"/>
+            </a:schemeClr>
           </a:solidFill>
           <a:prstDash val="solid"/>
-          <a:miter lim="800000"/>
         </a:ln>
-        <a:effectLst/>
+        <a:effectLst>
+          <a:outerShdw blurRad="40000" dist="20000" dir="5400000" rotWithShape="0">
+            <a:srgbClr val="000000">
+              <a:alpha val="38000"/>
+            </a:srgbClr>
+          </a:outerShdw>
+        </a:effectLst>
         <a:scene3d>
           <a:camera prst="orthographicFront"/>
           <a:lightRig rig="flat" dir="t"/>
@@ -4933,12 +4994,12 @@
         </a:fontRef>
       </dsp:style>
       <dsp:txBody>
-        <a:bodyPr spcFirstLastPara="0" vert="horz" wrap="square" lIns="72390" tIns="36195" rIns="72390" bIns="36195" numCol="1" spcCol="1270" anchor="ctr" anchorCtr="0">
+        <a:bodyPr spcFirstLastPara="0" vert="horz" wrap="square" lIns="68580" tIns="34290" rIns="68580" bIns="34290" numCol="1" spcCol="1270" anchor="ctr" anchorCtr="0">
           <a:noAutofit/>
         </a:bodyPr>
         <a:lstStyle/>
         <a:p>
-          <a:pPr marL="171450" lvl="1" indent="-171450" algn="l" defTabSz="844550" rtl="0">
+          <a:pPr marL="171450" lvl="1" indent="-171450" algn="l" defTabSz="800100" rtl="0">
             <a:lnSpc>
               <a:spcPct val="90000"/>
             </a:lnSpc>
@@ -4951,7 +5012,7 @@
             <a:buChar char="•"/>
           </a:pPr>
           <a:r>
-            <a:rPr lang="en-US" sz="1900" kern="1200" dirty="0"/>
+            <a:rPr lang="en-US" sz="1800" kern="1200" dirty="0"/>
             <a:t>Collect test input (and optionally output) data</a:t>
           </a:r>
         </a:p>
@@ -4978,40 +5039,46 @@
           <a:gsLst>
             <a:gs pos="0">
               <a:schemeClr val="accent1">
-                <a:lumMod val="110000"/>
-                <a:satMod val="105000"/>
-                <a:tint val="67000"/>
+                <a:tint val="50000"/>
+                <a:satMod val="300000"/>
               </a:schemeClr>
             </a:gs>
-            <a:gs pos="50000">
+            <a:gs pos="35000">
               <a:schemeClr val="accent1">
-                <a:lumMod val="105000"/>
-                <a:satMod val="103000"/>
-                <a:tint val="73000"/>
+                <a:tint val="37000"/>
+                <a:satMod val="300000"/>
               </a:schemeClr>
             </a:gs>
             <a:gs pos="100000">
               <a:schemeClr val="accent1">
-                <a:lumMod val="105000"/>
-                <a:satMod val="109000"/>
-                <a:tint val="81000"/>
+                <a:tint val="15000"/>
+                <a:satMod val="350000"/>
               </a:schemeClr>
             </a:gs>
           </a:gsLst>
-          <a:lin ang="5400000" scaled="0"/>
+          <a:lin ang="16200000" scaled="1"/>
         </a:gradFill>
-        <a:ln w="6350" cap="flat" cmpd="sng" algn="ctr">
+        <a:ln w="9525" cap="flat" cmpd="sng" algn="ctr">
           <a:solidFill>
-            <a:schemeClr val="accent1"/>
+            <a:schemeClr val="accent1">
+              <a:shade val="95000"/>
+              <a:satMod val="105000"/>
+            </a:schemeClr>
           </a:solidFill>
           <a:prstDash val="solid"/>
-          <a:miter lim="800000"/>
         </a:ln>
-        <a:effectLst/>
+        <a:effectLst>
+          <a:outerShdw blurRad="40000" dist="20000" dir="5400000" rotWithShape="0">
+            <a:srgbClr val="000000">
+              <a:alpha val="38000"/>
+            </a:srgbClr>
+          </a:outerShdw>
+        </a:effectLst>
         <a:scene3d>
           <a:camera prst="orthographicFront"/>
           <a:lightRig rig="flat" dir="t"/>
         </a:scene3d>
+        <a:sp3d/>
       </dsp:spPr>
       <dsp:style>
         <a:lnRef idx="1">
@@ -5028,12 +5095,12 @@
         </a:fontRef>
       </dsp:style>
       <dsp:txBody>
-        <a:bodyPr spcFirstLastPara="0" vert="horz" wrap="square" lIns="99060" tIns="49530" rIns="99060" bIns="49530" numCol="1" spcCol="1270" anchor="ctr" anchorCtr="0">
+        <a:bodyPr spcFirstLastPara="0" vert="horz" wrap="square" lIns="102870" tIns="51435" rIns="102870" bIns="51435" numCol="1" spcCol="1270" anchor="ctr" anchorCtr="0">
           <a:noAutofit/>
         </a:bodyPr>
         <a:lstStyle/>
         <a:p>
-          <a:pPr marL="0" lvl="0" indent="0" algn="ctr" defTabSz="1155700" rtl="0">
+          <a:pPr marL="0" lvl="0" indent="0" algn="ctr" defTabSz="1200150" rtl="0">
             <a:lnSpc>
               <a:spcPct val="90000"/>
             </a:lnSpc>
@@ -5046,7 +5113,7 @@
             <a:buNone/>
           </a:pPr>
           <a:r>
-            <a:rPr lang="en-US" sz="2600" kern="1200" dirty="0"/>
+            <a:rPr lang="en-US" sz="2700" kern="1200" dirty="0"/>
             <a:t>6</a:t>
           </a:r>
         </a:p>
@@ -5073,36 +5140,41 @@
           <a:gsLst>
             <a:gs pos="0">
               <a:schemeClr val="accent5">
-                <a:lumMod val="110000"/>
-                <a:satMod val="105000"/>
-                <a:tint val="67000"/>
+                <a:tint val="50000"/>
+                <a:satMod val="300000"/>
               </a:schemeClr>
             </a:gs>
-            <a:gs pos="50000">
+            <a:gs pos="35000">
               <a:schemeClr val="accent5">
-                <a:lumMod val="105000"/>
-                <a:satMod val="103000"/>
-                <a:tint val="73000"/>
+                <a:tint val="37000"/>
+                <a:satMod val="300000"/>
               </a:schemeClr>
             </a:gs>
             <a:gs pos="100000">
               <a:schemeClr val="accent5">
-                <a:lumMod val="105000"/>
-                <a:satMod val="109000"/>
-                <a:tint val="81000"/>
+                <a:tint val="15000"/>
+                <a:satMod val="350000"/>
               </a:schemeClr>
             </a:gs>
           </a:gsLst>
-          <a:lin ang="5400000" scaled="0"/>
+          <a:lin ang="16200000" scaled="1"/>
         </a:gradFill>
-        <a:ln w="6350" cap="flat" cmpd="sng" algn="ctr">
+        <a:ln w="9525" cap="flat" cmpd="sng" algn="ctr">
           <a:solidFill>
-            <a:schemeClr val="accent5"/>
+            <a:schemeClr val="accent5">
+              <a:shade val="95000"/>
+              <a:satMod val="105000"/>
+            </a:schemeClr>
           </a:solidFill>
           <a:prstDash val="solid"/>
-          <a:miter lim="800000"/>
         </a:ln>
-        <a:effectLst/>
+        <a:effectLst>
+          <a:outerShdw blurRad="40000" dist="20000" dir="5400000" rotWithShape="0">
+            <a:srgbClr val="000000">
+              <a:alpha val="38000"/>
+            </a:srgbClr>
+          </a:outerShdw>
+        </a:effectLst>
         <a:scene3d>
           <a:camera prst="orthographicFront"/>
           <a:lightRig rig="flat" dir="t"/>
@@ -5124,12 +5196,12 @@
         </a:fontRef>
       </dsp:style>
       <dsp:txBody>
-        <a:bodyPr spcFirstLastPara="0" vert="horz" wrap="square" lIns="72390" tIns="36195" rIns="72390" bIns="36195" numCol="1" spcCol="1270" anchor="ctr" anchorCtr="0">
+        <a:bodyPr spcFirstLastPara="0" vert="horz" wrap="square" lIns="68580" tIns="34290" rIns="68580" bIns="34290" numCol="1" spcCol="1270" anchor="ctr" anchorCtr="0">
           <a:noAutofit/>
         </a:bodyPr>
         <a:lstStyle/>
         <a:p>
-          <a:pPr marL="171450" lvl="1" indent="-171450" algn="l" defTabSz="844550" rtl="0">
+          <a:pPr marL="171450" lvl="1" indent="-171450" algn="l" defTabSz="800100" rtl="0">
             <a:lnSpc>
               <a:spcPct val="90000"/>
             </a:lnSpc>
@@ -5142,7 +5214,7 @@
             <a:buChar char="•"/>
           </a:pPr>
           <a:r>
-            <a:rPr lang="en-US" sz="1900" kern="1200" dirty="0"/>
+            <a:rPr lang="en-US" sz="1800" kern="1200" dirty="0"/>
             <a:t>Add code to execute test</a:t>
           </a:r>
         </a:p>
@@ -5169,40 +5241,46 @@
           <a:gsLst>
             <a:gs pos="0">
               <a:schemeClr val="accent1">
-                <a:lumMod val="110000"/>
-                <a:satMod val="105000"/>
-                <a:tint val="67000"/>
+                <a:tint val="50000"/>
+                <a:satMod val="300000"/>
               </a:schemeClr>
             </a:gs>
-            <a:gs pos="50000">
+            <a:gs pos="35000">
               <a:schemeClr val="accent1">
-                <a:lumMod val="105000"/>
-                <a:satMod val="103000"/>
-                <a:tint val="73000"/>
+                <a:tint val="37000"/>
+                <a:satMod val="300000"/>
               </a:schemeClr>
             </a:gs>
             <a:gs pos="100000">
               <a:schemeClr val="accent1">
-                <a:lumMod val="105000"/>
-                <a:satMod val="109000"/>
-                <a:tint val="81000"/>
+                <a:tint val="15000"/>
+                <a:satMod val="350000"/>
               </a:schemeClr>
             </a:gs>
           </a:gsLst>
-          <a:lin ang="5400000" scaled="0"/>
+          <a:lin ang="16200000" scaled="1"/>
         </a:gradFill>
-        <a:ln w="6350" cap="flat" cmpd="sng" algn="ctr">
+        <a:ln w="9525" cap="flat" cmpd="sng" algn="ctr">
           <a:solidFill>
-            <a:schemeClr val="accent1"/>
+            <a:schemeClr val="accent1">
+              <a:shade val="95000"/>
+              <a:satMod val="105000"/>
+            </a:schemeClr>
           </a:solidFill>
           <a:prstDash val="solid"/>
-          <a:miter lim="800000"/>
         </a:ln>
-        <a:effectLst/>
+        <a:effectLst>
+          <a:outerShdw blurRad="40000" dist="20000" dir="5400000" rotWithShape="0">
+            <a:srgbClr val="000000">
+              <a:alpha val="38000"/>
+            </a:srgbClr>
+          </a:outerShdw>
+        </a:effectLst>
         <a:scene3d>
           <a:camera prst="orthographicFront"/>
           <a:lightRig rig="flat" dir="t"/>
         </a:scene3d>
+        <a:sp3d/>
       </dsp:spPr>
       <dsp:style>
         <a:lnRef idx="1">
@@ -5219,12 +5297,12 @@
         </a:fontRef>
       </dsp:style>
       <dsp:txBody>
-        <a:bodyPr spcFirstLastPara="0" vert="horz" wrap="square" lIns="99060" tIns="49530" rIns="99060" bIns="49530" numCol="1" spcCol="1270" anchor="ctr" anchorCtr="0">
+        <a:bodyPr spcFirstLastPara="0" vert="horz" wrap="square" lIns="102870" tIns="51435" rIns="102870" bIns="51435" numCol="1" spcCol="1270" anchor="ctr" anchorCtr="0">
           <a:noAutofit/>
         </a:bodyPr>
         <a:lstStyle/>
         <a:p>
-          <a:pPr marL="0" lvl="0" indent="0" algn="ctr" defTabSz="1155700" rtl="0">
+          <a:pPr marL="0" lvl="0" indent="0" algn="ctr" defTabSz="1200150" rtl="0">
             <a:lnSpc>
               <a:spcPct val="90000"/>
             </a:lnSpc>
@@ -5237,7 +5315,7 @@
             <a:buNone/>
           </a:pPr>
           <a:r>
-            <a:rPr lang="en-US" sz="2600" kern="1200" dirty="0"/>
+            <a:rPr lang="en-US" sz="2700" kern="1200" dirty="0"/>
             <a:t>7</a:t>
           </a:r>
         </a:p>
@@ -5264,36 +5342,41 @@
           <a:gsLst>
             <a:gs pos="0">
               <a:schemeClr val="accent5">
-                <a:lumMod val="110000"/>
-                <a:satMod val="105000"/>
-                <a:tint val="67000"/>
+                <a:tint val="50000"/>
+                <a:satMod val="300000"/>
               </a:schemeClr>
             </a:gs>
-            <a:gs pos="50000">
+            <a:gs pos="35000">
               <a:schemeClr val="accent5">
-                <a:lumMod val="105000"/>
-                <a:satMod val="103000"/>
-                <a:tint val="73000"/>
+                <a:tint val="37000"/>
+                <a:satMod val="300000"/>
               </a:schemeClr>
             </a:gs>
             <a:gs pos="100000">
               <a:schemeClr val="accent5">
-                <a:lumMod val="105000"/>
-                <a:satMod val="109000"/>
-                <a:tint val="81000"/>
+                <a:tint val="15000"/>
+                <a:satMod val="350000"/>
               </a:schemeClr>
             </a:gs>
           </a:gsLst>
-          <a:lin ang="5400000" scaled="0"/>
+          <a:lin ang="16200000" scaled="1"/>
         </a:gradFill>
-        <a:ln w="6350" cap="flat" cmpd="sng" algn="ctr">
+        <a:ln w="9525" cap="flat" cmpd="sng" algn="ctr">
           <a:solidFill>
-            <a:schemeClr val="accent5"/>
+            <a:schemeClr val="accent5">
+              <a:shade val="95000"/>
+              <a:satMod val="105000"/>
+            </a:schemeClr>
           </a:solidFill>
           <a:prstDash val="solid"/>
-          <a:miter lim="800000"/>
         </a:ln>
-        <a:effectLst/>
+        <a:effectLst>
+          <a:outerShdw blurRad="40000" dist="20000" dir="5400000" rotWithShape="0">
+            <a:srgbClr val="000000">
+              <a:alpha val="38000"/>
+            </a:srgbClr>
+          </a:outerShdw>
+        </a:effectLst>
         <a:scene3d>
           <a:camera prst="orthographicFront"/>
           <a:lightRig rig="flat" dir="t"/>
@@ -5315,12 +5398,12 @@
         </a:fontRef>
       </dsp:style>
       <dsp:txBody>
-        <a:bodyPr spcFirstLastPara="0" vert="horz" wrap="square" lIns="72390" tIns="36195" rIns="72390" bIns="36195" numCol="1" spcCol="1270" anchor="ctr" anchorCtr="0">
+        <a:bodyPr spcFirstLastPara="0" vert="horz" wrap="square" lIns="68580" tIns="34290" rIns="68580" bIns="34290" numCol="1" spcCol="1270" anchor="ctr" anchorCtr="0">
           <a:noAutofit/>
         </a:bodyPr>
         <a:lstStyle/>
         <a:p>
-          <a:pPr marL="171450" lvl="1" indent="-171450" algn="l" defTabSz="844550" rtl="0">
+          <a:pPr marL="171450" lvl="1" indent="-171450" algn="l" defTabSz="800100" rtl="0">
             <a:lnSpc>
               <a:spcPct val="90000"/>
             </a:lnSpc>
@@ -5333,7 +5416,7 @@
             <a:buChar char="•"/>
           </a:pPr>
           <a:r>
-            <a:rPr lang="en-US" sz="1900" kern="1200" dirty="0"/>
+            <a:rPr lang="en-US" sz="1800" kern="1200" dirty="0"/>
             <a:t>Run test and verify outcome</a:t>
           </a:r>
         </a:p>
@@ -5360,40 +5443,46 @@
           <a:gsLst>
             <a:gs pos="0">
               <a:schemeClr val="accent1">
-                <a:lumMod val="110000"/>
-                <a:satMod val="105000"/>
-                <a:tint val="67000"/>
+                <a:tint val="50000"/>
+                <a:satMod val="300000"/>
               </a:schemeClr>
             </a:gs>
-            <a:gs pos="50000">
+            <a:gs pos="35000">
               <a:schemeClr val="accent1">
-                <a:lumMod val="105000"/>
-                <a:satMod val="103000"/>
-                <a:tint val="73000"/>
+                <a:tint val="37000"/>
+                <a:satMod val="300000"/>
               </a:schemeClr>
             </a:gs>
             <a:gs pos="100000">
               <a:schemeClr val="accent1">
-                <a:lumMod val="105000"/>
-                <a:satMod val="109000"/>
-                <a:tint val="81000"/>
+                <a:tint val="15000"/>
+                <a:satMod val="350000"/>
               </a:schemeClr>
             </a:gs>
           </a:gsLst>
-          <a:lin ang="5400000" scaled="0"/>
+          <a:lin ang="16200000" scaled="1"/>
         </a:gradFill>
-        <a:ln w="6350" cap="flat" cmpd="sng" algn="ctr">
+        <a:ln w="9525" cap="flat" cmpd="sng" algn="ctr">
           <a:solidFill>
-            <a:schemeClr val="accent1"/>
+            <a:schemeClr val="accent1">
+              <a:shade val="95000"/>
+              <a:satMod val="105000"/>
+            </a:schemeClr>
           </a:solidFill>
           <a:prstDash val="solid"/>
-          <a:miter lim="800000"/>
         </a:ln>
-        <a:effectLst/>
+        <a:effectLst>
+          <a:outerShdw blurRad="40000" dist="20000" dir="5400000" rotWithShape="0">
+            <a:srgbClr val="000000">
+              <a:alpha val="38000"/>
+            </a:srgbClr>
+          </a:outerShdw>
+        </a:effectLst>
         <a:scene3d>
           <a:camera prst="orthographicFront"/>
           <a:lightRig rig="flat" dir="t"/>
         </a:scene3d>
+        <a:sp3d/>
       </dsp:spPr>
       <dsp:style>
         <a:lnRef idx="1">
@@ -5410,12 +5499,12 @@
         </a:fontRef>
       </dsp:style>
       <dsp:txBody>
-        <a:bodyPr spcFirstLastPara="0" vert="horz" wrap="square" lIns="99060" tIns="49530" rIns="99060" bIns="49530" numCol="1" spcCol="1270" anchor="ctr" anchorCtr="0">
+        <a:bodyPr spcFirstLastPara="0" vert="horz" wrap="square" lIns="102870" tIns="51435" rIns="102870" bIns="51435" numCol="1" spcCol="1270" anchor="ctr" anchorCtr="0">
           <a:noAutofit/>
         </a:bodyPr>
         <a:lstStyle/>
         <a:p>
-          <a:pPr marL="0" lvl="0" indent="0" algn="ctr" defTabSz="1155700" rtl="0">
+          <a:pPr marL="0" lvl="0" indent="0" algn="ctr" defTabSz="1200150" rtl="0">
             <a:lnSpc>
               <a:spcPct val="90000"/>
             </a:lnSpc>
@@ -5428,10 +5517,10 @@
             <a:buNone/>
           </a:pPr>
           <a:r>
-            <a:rPr lang="en-US" sz="2600" kern="1200"/>
+            <a:rPr lang="en-US" sz="2700" kern="1200"/>
             <a:t>7</a:t>
           </a:r>
-          <a:endParaRPr lang="en-US" sz="2600" kern="1200" dirty="0"/>
+          <a:endParaRPr lang="en-US" sz="2700" kern="1200" dirty="0"/>
         </a:p>
       </dsp:txBody>
       <dsp:txXfrm>
@@ -5468,36 +5557,41 @@
           <a:gsLst>
             <a:gs pos="0">
               <a:schemeClr val="accent5">
-                <a:lumMod val="110000"/>
-                <a:satMod val="105000"/>
-                <a:tint val="67000"/>
+                <a:tint val="50000"/>
+                <a:satMod val="300000"/>
               </a:schemeClr>
             </a:gs>
-            <a:gs pos="50000">
+            <a:gs pos="35000">
               <a:schemeClr val="accent5">
-                <a:lumMod val="105000"/>
-                <a:satMod val="103000"/>
-                <a:tint val="73000"/>
+                <a:tint val="37000"/>
+                <a:satMod val="300000"/>
               </a:schemeClr>
             </a:gs>
             <a:gs pos="100000">
               <a:schemeClr val="accent5">
-                <a:lumMod val="105000"/>
-                <a:satMod val="109000"/>
-                <a:tint val="81000"/>
+                <a:tint val="15000"/>
+                <a:satMod val="350000"/>
               </a:schemeClr>
             </a:gs>
           </a:gsLst>
-          <a:lin ang="5400000" scaled="0"/>
+          <a:lin ang="16200000" scaled="1"/>
         </a:gradFill>
-        <a:ln w="6350" cap="flat" cmpd="sng" algn="ctr">
+        <a:ln w="9525" cap="flat" cmpd="sng" algn="ctr">
           <a:solidFill>
-            <a:schemeClr val="accent5"/>
+            <a:schemeClr val="accent5">
+              <a:shade val="95000"/>
+              <a:satMod val="105000"/>
+            </a:schemeClr>
           </a:solidFill>
           <a:prstDash val="solid"/>
-          <a:miter lim="800000"/>
         </a:ln>
-        <a:effectLst/>
+        <a:effectLst>
+          <a:outerShdw blurRad="40000" dist="20000" dir="5400000" rotWithShape="0">
+            <a:srgbClr val="000000">
+              <a:alpha val="38000"/>
+            </a:srgbClr>
+          </a:outerShdw>
+        </a:effectLst>
         <a:scene3d>
           <a:camera prst="orthographicFront"/>
           <a:lightRig rig="flat" dir="t"/>
@@ -5519,12 +5613,12 @@
         </a:fontRef>
       </dsp:style>
       <dsp:txBody>
-        <a:bodyPr spcFirstLastPara="0" vert="horz" wrap="square" lIns="95250" tIns="47625" rIns="95250" bIns="47625" numCol="1" spcCol="1270" anchor="ctr" anchorCtr="0">
+        <a:bodyPr spcFirstLastPara="0" vert="horz" wrap="square" lIns="91440" tIns="45720" rIns="91440" bIns="45720" numCol="1" spcCol="1270" anchor="ctr" anchorCtr="0">
           <a:noAutofit/>
         </a:bodyPr>
         <a:lstStyle/>
         <a:p>
-          <a:pPr marL="228600" lvl="1" indent="-228600" algn="l" defTabSz="1111250" rtl="0">
+          <a:pPr marL="228600" lvl="1" indent="-228600" algn="l" defTabSz="1066800" rtl="0">
             <a:lnSpc>
               <a:spcPct val="90000"/>
             </a:lnSpc>
@@ -5537,7 +5631,7 @@
             <a:buChar char="•"/>
           </a:pPr>
           <a:r>
-            <a:rPr lang="en-US" sz="2500" kern="1200" dirty="0"/>
+            <a:rPr lang="en-US" sz="2400" kern="1200" dirty="0"/>
             <a:t>Configure the project with a key file</a:t>
           </a:r>
         </a:p>
@@ -5564,40 +5658,46 @@
           <a:gsLst>
             <a:gs pos="0">
               <a:schemeClr val="accent1">
-                <a:lumMod val="110000"/>
-                <a:satMod val="105000"/>
-                <a:tint val="67000"/>
+                <a:tint val="50000"/>
+                <a:satMod val="300000"/>
               </a:schemeClr>
             </a:gs>
-            <a:gs pos="50000">
+            <a:gs pos="35000">
               <a:schemeClr val="accent1">
-                <a:lumMod val="105000"/>
-                <a:satMod val="103000"/>
-                <a:tint val="73000"/>
+                <a:tint val="37000"/>
+                <a:satMod val="300000"/>
               </a:schemeClr>
             </a:gs>
             <a:gs pos="100000">
               <a:schemeClr val="accent1">
-                <a:lumMod val="105000"/>
-                <a:satMod val="109000"/>
-                <a:tint val="81000"/>
+                <a:tint val="15000"/>
+                <a:satMod val="350000"/>
               </a:schemeClr>
             </a:gs>
           </a:gsLst>
-          <a:lin ang="5400000" scaled="0"/>
+          <a:lin ang="16200000" scaled="1"/>
         </a:gradFill>
-        <a:ln w="6350" cap="flat" cmpd="sng" algn="ctr">
+        <a:ln w="9525" cap="flat" cmpd="sng" algn="ctr">
           <a:solidFill>
-            <a:schemeClr val="accent1"/>
+            <a:schemeClr val="accent1">
+              <a:shade val="95000"/>
+              <a:satMod val="105000"/>
+            </a:schemeClr>
           </a:solidFill>
           <a:prstDash val="solid"/>
-          <a:miter lim="800000"/>
         </a:ln>
-        <a:effectLst/>
+        <a:effectLst>
+          <a:outerShdw blurRad="40000" dist="20000" dir="5400000" rotWithShape="0">
+            <a:srgbClr val="000000">
+              <a:alpha val="38000"/>
+            </a:srgbClr>
+          </a:outerShdw>
+        </a:effectLst>
         <a:scene3d>
           <a:camera prst="orthographicFront"/>
           <a:lightRig rig="flat" dir="t"/>
         </a:scene3d>
+        <a:sp3d/>
       </dsp:spPr>
       <dsp:style>
         <a:lnRef idx="1">
@@ -5614,12 +5714,12 @@
         </a:fontRef>
       </dsp:style>
       <dsp:txBody>
-        <a:bodyPr spcFirstLastPara="0" vert="horz" wrap="square" lIns="121920" tIns="60960" rIns="121920" bIns="60960" numCol="1" spcCol="1270" anchor="ctr" anchorCtr="0">
+        <a:bodyPr spcFirstLastPara="0" vert="horz" wrap="square" lIns="125730" tIns="62865" rIns="125730" bIns="62865" numCol="1" spcCol="1270" anchor="ctr" anchorCtr="0">
           <a:noAutofit/>
         </a:bodyPr>
         <a:lstStyle/>
         <a:p>
-          <a:pPr marL="0" lvl="0" indent="0" algn="ctr" defTabSz="1422400" rtl="0">
+          <a:pPr marL="0" lvl="0" indent="0" algn="ctr" defTabSz="1466850" rtl="0">
             <a:lnSpc>
               <a:spcPct val="90000"/>
             </a:lnSpc>
@@ -5632,7 +5732,7 @@
             <a:buNone/>
           </a:pPr>
           <a:r>
-            <a:rPr lang="en-US" sz="3200" kern="1200" dirty="0"/>
+            <a:rPr lang="en-US" sz="3300" kern="1200" dirty="0"/>
             <a:t>1</a:t>
           </a:r>
         </a:p>
@@ -5659,36 +5759,41 @@
           <a:gsLst>
             <a:gs pos="0">
               <a:schemeClr val="accent5">
-                <a:lumMod val="110000"/>
-                <a:satMod val="105000"/>
-                <a:tint val="67000"/>
+                <a:tint val="50000"/>
+                <a:satMod val="300000"/>
               </a:schemeClr>
             </a:gs>
-            <a:gs pos="50000">
+            <a:gs pos="35000">
               <a:schemeClr val="accent5">
-                <a:lumMod val="105000"/>
-                <a:satMod val="103000"/>
-                <a:tint val="73000"/>
+                <a:tint val="37000"/>
+                <a:satMod val="300000"/>
               </a:schemeClr>
             </a:gs>
             <a:gs pos="100000">
               <a:schemeClr val="accent5">
-                <a:lumMod val="105000"/>
-                <a:satMod val="109000"/>
-                <a:tint val="81000"/>
+                <a:tint val="15000"/>
+                <a:satMod val="350000"/>
               </a:schemeClr>
             </a:gs>
           </a:gsLst>
-          <a:lin ang="5400000" scaled="0"/>
+          <a:lin ang="16200000" scaled="1"/>
         </a:gradFill>
-        <a:ln w="6350" cap="flat" cmpd="sng" algn="ctr">
+        <a:ln w="9525" cap="flat" cmpd="sng" algn="ctr">
           <a:solidFill>
-            <a:schemeClr val="accent5"/>
+            <a:schemeClr val="accent5">
+              <a:shade val="95000"/>
+              <a:satMod val="105000"/>
+            </a:schemeClr>
           </a:solidFill>
           <a:prstDash val="solid"/>
-          <a:miter lim="800000"/>
         </a:ln>
-        <a:effectLst/>
+        <a:effectLst>
+          <a:outerShdw blurRad="40000" dist="20000" dir="5400000" rotWithShape="0">
+            <a:srgbClr val="000000">
+              <a:alpha val="38000"/>
+            </a:srgbClr>
+          </a:outerShdw>
+        </a:effectLst>
         <a:scene3d>
           <a:camera prst="orthographicFront"/>
           <a:lightRig rig="flat" dir="t"/>
@@ -5710,12 +5815,12 @@
         </a:fontRef>
       </dsp:style>
       <dsp:txBody>
-        <a:bodyPr spcFirstLastPara="0" vert="horz" wrap="square" lIns="95250" tIns="47625" rIns="95250" bIns="47625" numCol="1" spcCol="1270" anchor="ctr" anchorCtr="0">
+        <a:bodyPr spcFirstLastPara="0" vert="horz" wrap="square" lIns="91440" tIns="45720" rIns="91440" bIns="45720" numCol="1" spcCol="1270" anchor="ctr" anchorCtr="0">
           <a:noAutofit/>
         </a:bodyPr>
         <a:lstStyle/>
         <a:p>
-          <a:pPr marL="228600" lvl="1" indent="-228600" algn="l" defTabSz="1111250" rtl="0">
+          <a:pPr marL="228600" lvl="1" indent="-228600" algn="l" defTabSz="1066800" rtl="0">
             <a:lnSpc>
               <a:spcPct val="90000"/>
             </a:lnSpc>
@@ -5728,7 +5833,7 @@
             <a:buChar char="•"/>
           </a:pPr>
           <a:r>
-            <a:rPr lang="en-US" sz="2500" kern="1200" dirty="0"/>
+            <a:rPr lang="en-US" sz="2400" kern="1200" dirty="0"/>
             <a:t>Set deployment properties</a:t>
           </a:r>
         </a:p>
@@ -5755,40 +5860,46 @@
           <a:gsLst>
             <a:gs pos="0">
               <a:schemeClr val="accent1">
-                <a:lumMod val="110000"/>
-                <a:satMod val="105000"/>
-                <a:tint val="67000"/>
+                <a:tint val="50000"/>
+                <a:satMod val="300000"/>
               </a:schemeClr>
             </a:gs>
-            <a:gs pos="50000">
+            <a:gs pos="35000">
               <a:schemeClr val="accent1">
-                <a:lumMod val="105000"/>
-                <a:satMod val="103000"/>
-                <a:tint val="73000"/>
+                <a:tint val="37000"/>
+                <a:satMod val="300000"/>
               </a:schemeClr>
             </a:gs>
             <a:gs pos="100000">
               <a:schemeClr val="accent1">
-                <a:lumMod val="105000"/>
-                <a:satMod val="109000"/>
-                <a:tint val="81000"/>
+                <a:tint val="15000"/>
+                <a:satMod val="350000"/>
               </a:schemeClr>
             </a:gs>
           </a:gsLst>
-          <a:lin ang="5400000" scaled="0"/>
+          <a:lin ang="16200000" scaled="1"/>
         </a:gradFill>
-        <a:ln w="6350" cap="flat" cmpd="sng" algn="ctr">
+        <a:ln w="9525" cap="flat" cmpd="sng" algn="ctr">
           <a:solidFill>
-            <a:schemeClr val="accent1"/>
+            <a:schemeClr val="accent1">
+              <a:shade val="95000"/>
+              <a:satMod val="105000"/>
+            </a:schemeClr>
           </a:solidFill>
           <a:prstDash val="solid"/>
-          <a:miter lim="800000"/>
         </a:ln>
-        <a:effectLst/>
+        <a:effectLst>
+          <a:outerShdw blurRad="40000" dist="20000" dir="5400000" rotWithShape="0">
+            <a:srgbClr val="000000">
+              <a:alpha val="38000"/>
+            </a:srgbClr>
+          </a:outerShdw>
+        </a:effectLst>
         <a:scene3d>
           <a:camera prst="orthographicFront"/>
           <a:lightRig rig="flat" dir="t"/>
         </a:scene3d>
+        <a:sp3d/>
       </dsp:spPr>
       <dsp:style>
         <a:lnRef idx="1">
@@ -5805,12 +5916,12 @@
         </a:fontRef>
       </dsp:style>
       <dsp:txBody>
-        <a:bodyPr spcFirstLastPara="0" vert="horz" wrap="square" lIns="121920" tIns="60960" rIns="121920" bIns="60960" numCol="1" spcCol="1270" anchor="ctr" anchorCtr="0">
+        <a:bodyPr spcFirstLastPara="0" vert="horz" wrap="square" lIns="125730" tIns="62865" rIns="125730" bIns="62865" numCol="1" spcCol="1270" anchor="ctr" anchorCtr="0">
           <a:noAutofit/>
         </a:bodyPr>
         <a:lstStyle/>
         <a:p>
-          <a:pPr marL="0" lvl="0" indent="0" algn="ctr" defTabSz="1422400" rtl="0">
+          <a:pPr marL="0" lvl="0" indent="0" algn="ctr" defTabSz="1466850" rtl="0">
             <a:lnSpc>
               <a:spcPct val="90000"/>
             </a:lnSpc>
@@ -5823,7 +5934,7 @@
             <a:buNone/>
           </a:pPr>
           <a:r>
-            <a:rPr lang="en-US" sz="3200" kern="1200" dirty="0"/>
+            <a:rPr lang="en-US" sz="3300" kern="1200" dirty="0"/>
             <a:t>2</a:t>
           </a:r>
         </a:p>
@@ -5850,36 +5961,41 @@
           <a:gsLst>
             <a:gs pos="0">
               <a:schemeClr val="accent5">
-                <a:lumMod val="110000"/>
-                <a:satMod val="105000"/>
-                <a:tint val="67000"/>
+                <a:tint val="50000"/>
+                <a:satMod val="300000"/>
               </a:schemeClr>
             </a:gs>
-            <a:gs pos="50000">
+            <a:gs pos="35000">
               <a:schemeClr val="accent5">
-                <a:lumMod val="105000"/>
-                <a:satMod val="103000"/>
-                <a:tint val="73000"/>
+                <a:tint val="37000"/>
+                <a:satMod val="300000"/>
               </a:schemeClr>
             </a:gs>
             <a:gs pos="100000">
               <a:schemeClr val="accent5">
-                <a:lumMod val="105000"/>
-                <a:satMod val="109000"/>
-                <a:tint val="81000"/>
+                <a:tint val="15000"/>
+                <a:satMod val="350000"/>
               </a:schemeClr>
             </a:gs>
           </a:gsLst>
-          <a:lin ang="5400000" scaled="0"/>
+          <a:lin ang="16200000" scaled="1"/>
         </a:gradFill>
-        <a:ln w="6350" cap="flat" cmpd="sng" algn="ctr">
+        <a:ln w="9525" cap="flat" cmpd="sng" algn="ctr">
           <a:solidFill>
-            <a:schemeClr val="accent5"/>
+            <a:schemeClr val="accent5">
+              <a:shade val="95000"/>
+              <a:satMod val="105000"/>
+            </a:schemeClr>
           </a:solidFill>
           <a:prstDash val="solid"/>
-          <a:miter lim="800000"/>
         </a:ln>
-        <a:effectLst/>
+        <a:effectLst>
+          <a:outerShdw blurRad="40000" dist="20000" dir="5400000" rotWithShape="0">
+            <a:srgbClr val="000000">
+              <a:alpha val="38000"/>
+            </a:srgbClr>
+          </a:outerShdw>
+        </a:effectLst>
         <a:scene3d>
           <a:camera prst="orthographicFront"/>
           <a:lightRig rig="flat" dir="t"/>
@@ -5901,12 +6017,12 @@
         </a:fontRef>
       </dsp:style>
       <dsp:txBody>
-        <a:bodyPr spcFirstLastPara="0" vert="horz" wrap="square" lIns="95250" tIns="47625" rIns="95250" bIns="47625" numCol="1" spcCol="1270" anchor="ctr" anchorCtr="0">
+        <a:bodyPr spcFirstLastPara="0" vert="horz" wrap="square" lIns="91440" tIns="45720" rIns="91440" bIns="45720" numCol="1" spcCol="1270" anchor="ctr" anchorCtr="0">
           <a:noAutofit/>
         </a:bodyPr>
         <a:lstStyle/>
         <a:p>
-          <a:pPr marL="228600" lvl="1" indent="-228600" algn="l" defTabSz="1111250" rtl="0">
+          <a:pPr marL="228600" lvl="1" indent="-228600" algn="l" defTabSz="1066800" rtl="0">
             <a:lnSpc>
               <a:spcPct val="90000"/>
             </a:lnSpc>
@@ -5919,7 +6035,7 @@
             <a:buChar char="•"/>
           </a:pPr>
           <a:r>
-            <a:rPr lang="en-US" sz="2500" kern="1200" dirty="0"/>
+            <a:rPr lang="en-US" sz="2400" kern="1200" dirty="0"/>
             <a:t>Build and Deploy the project</a:t>
           </a:r>
         </a:p>
@@ -5946,40 +6062,46 @@
           <a:gsLst>
             <a:gs pos="0">
               <a:schemeClr val="accent1">
-                <a:lumMod val="110000"/>
-                <a:satMod val="105000"/>
-                <a:tint val="67000"/>
+                <a:tint val="50000"/>
+                <a:satMod val="300000"/>
               </a:schemeClr>
             </a:gs>
-            <a:gs pos="50000">
+            <a:gs pos="35000">
               <a:schemeClr val="accent1">
-                <a:lumMod val="105000"/>
-                <a:satMod val="103000"/>
-                <a:tint val="73000"/>
+                <a:tint val="37000"/>
+                <a:satMod val="300000"/>
               </a:schemeClr>
             </a:gs>
             <a:gs pos="100000">
               <a:schemeClr val="accent1">
-                <a:lumMod val="105000"/>
-                <a:satMod val="109000"/>
-                <a:tint val="81000"/>
+                <a:tint val="15000"/>
+                <a:satMod val="350000"/>
               </a:schemeClr>
             </a:gs>
           </a:gsLst>
-          <a:lin ang="5400000" scaled="0"/>
+          <a:lin ang="16200000" scaled="1"/>
         </a:gradFill>
-        <a:ln w="6350" cap="flat" cmpd="sng" algn="ctr">
+        <a:ln w="9525" cap="flat" cmpd="sng" algn="ctr">
           <a:solidFill>
-            <a:schemeClr val="accent1"/>
+            <a:schemeClr val="accent1">
+              <a:shade val="95000"/>
+              <a:satMod val="105000"/>
+            </a:schemeClr>
           </a:solidFill>
           <a:prstDash val="solid"/>
-          <a:miter lim="800000"/>
         </a:ln>
-        <a:effectLst/>
+        <a:effectLst>
+          <a:outerShdw blurRad="40000" dist="20000" dir="5400000" rotWithShape="0">
+            <a:srgbClr val="000000">
+              <a:alpha val="38000"/>
+            </a:srgbClr>
+          </a:outerShdw>
+        </a:effectLst>
         <a:scene3d>
           <a:camera prst="orthographicFront"/>
           <a:lightRig rig="flat" dir="t"/>
         </a:scene3d>
+        <a:sp3d/>
       </dsp:spPr>
       <dsp:style>
         <a:lnRef idx="1">
@@ -5996,12 +6118,12 @@
         </a:fontRef>
       </dsp:style>
       <dsp:txBody>
-        <a:bodyPr spcFirstLastPara="0" vert="horz" wrap="square" lIns="121920" tIns="60960" rIns="121920" bIns="60960" numCol="1" spcCol="1270" anchor="ctr" anchorCtr="0">
+        <a:bodyPr spcFirstLastPara="0" vert="horz" wrap="square" lIns="125730" tIns="62865" rIns="125730" bIns="62865" numCol="1" spcCol="1270" anchor="ctr" anchorCtr="0">
           <a:noAutofit/>
         </a:bodyPr>
         <a:lstStyle/>
         <a:p>
-          <a:pPr marL="0" lvl="0" indent="0" algn="ctr" defTabSz="1422400" rtl="0">
+          <a:pPr marL="0" lvl="0" indent="0" algn="ctr" defTabSz="1466850" rtl="0">
             <a:lnSpc>
               <a:spcPct val="90000"/>
             </a:lnSpc>
@@ -6014,7 +6136,7 @@
             <a:buNone/>
           </a:pPr>
           <a:r>
-            <a:rPr lang="en-US" sz="3200" kern="1200" dirty="0"/>
+            <a:rPr lang="en-US" sz="3300" kern="1200" dirty="0"/>
             <a:t>3</a:t>
           </a:r>
         </a:p>
@@ -6041,36 +6163,41 @@
           <a:gsLst>
             <a:gs pos="0">
               <a:schemeClr val="accent5">
-                <a:lumMod val="110000"/>
-                <a:satMod val="105000"/>
-                <a:tint val="67000"/>
+                <a:tint val="50000"/>
+                <a:satMod val="300000"/>
               </a:schemeClr>
             </a:gs>
-            <a:gs pos="50000">
+            <a:gs pos="35000">
               <a:schemeClr val="accent5">
-                <a:lumMod val="105000"/>
-                <a:satMod val="103000"/>
-                <a:tint val="73000"/>
+                <a:tint val="37000"/>
+                <a:satMod val="300000"/>
               </a:schemeClr>
             </a:gs>
             <a:gs pos="100000">
               <a:schemeClr val="accent5">
-                <a:lumMod val="105000"/>
-                <a:satMod val="109000"/>
-                <a:tint val="81000"/>
+                <a:tint val="15000"/>
+                <a:satMod val="350000"/>
               </a:schemeClr>
             </a:gs>
           </a:gsLst>
-          <a:lin ang="5400000" scaled="0"/>
+          <a:lin ang="16200000" scaled="1"/>
         </a:gradFill>
-        <a:ln w="6350" cap="flat" cmpd="sng" algn="ctr">
+        <a:ln w="9525" cap="flat" cmpd="sng" algn="ctr">
           <a:solidFill>
-            <a:schemeClr val="accent5"/>
+            <a:schemeClr val="accent5">
+              <a:shade val="95000"/>
+              <a:satMod val="105000"/>
+            </a:schemeClr>
           </a:solidFill>
           <a:prstDash val="solid"/>
-          <a:miter lim="800000"/>
         </a:ln>
-        <a:effectLst/>
+        <a:effectLst>
+          <a:outerShdw blurRad="40000" dist="20000" dir="5400000" rotWithShape="0">
+            <a:srgbClr val="000000">
+              <a:alpha val="38000"/>
+            </a:srgbClr>
+          </a:outerShdw>
+        </a:effectLst>
         <a:scene3d>
           <a:camera prst="orthographicFront"/>
           <a:lightRig rig="flat" dir="t"/>
@@ -6092,12 +6219,12 @@
         </a:fontRef>
       </dsp:style>
       <dsp:txBody>
-        <a:bodyPr spcFirstLastPara="0" vert="horz" wrap="square" lIns="95250" tIns="47625" rIns="95250" bIns="47625" numCol="1" spcCol="1270" anchor="ctr" anchorCtr="0">
+        <a:bodyPr spcFirstLastPara="0" vert="horz" wrap="square" lIns="91440" tIns="45720" rIns="91440" bIns="45720" numCol="1" spcCol="1270" anchor="ctr" anchorCtr="0">
           <a:noAutofit/>
         </a:bodyPr>
         <a:lstStyle/>
         <a:p>
-          <a:pPr marL="228600" lvl="1" indent="-228600" algn="l" defTabSz="1111250" rtl="0">
+          <a:pPr marL="228600" lvl="1" indent="-228600" algn="l" defTabSz="1066800" rtl="0">
             <a:lnSpc>
               <a:spcPct val="90000"/>
             </a:lnSpc>
@@ -6110,7 +6237,7 @@
             <a:buChar char="•"/>
           </a:pPr>
           <a:r>
-            <a:rPr lang="en-US" sz="2500" kern="1200" dirty="0"/>
+            <a:rPr lang="en-US" sz="2400" kern="1200" dirty="0"/>
             <a:t>Start the application</a:t>
           </a:r>
         </a:p>
@@ -6137,40 +6264,46 @@
           <a:gsLst>
             <a:gs pos="0">
               <a:schemeClr val="accent1">
-                <a:lumMod val="110000"/>
-                <a:satMod val="105000"/>
-                <a:tint val="67000"/>
+                <a:tint val="50000"/>
+                <a:satMod val="300000"/>
               </a:schemeClr>
             </a:gs>
-            <a:gs pos="50000">
+            <a:gs pos="35000">
               <a:schemeClr val="accent1">
-                <a:lumMod val="105000"/>
-                <a:satMod val="103000"/>
-                <a:tint val="73000"/>
+                <a:tint val="37000"/>
+                <a:satMod val="300000"/>
               </a:schemeClr>
             </a:gs>
             <a:gs pos="100000">
               <a:schemeClr val="accent1">
-                <a:lumMod val="105000"/>
-                <a:satMod val="109000"/>
-                <a:tint val="81000"/>
+                <a:tint val="15000"/>
+                <a:satMod val="350000"/>
               </a:schemeClr>
             </a:gs>
           </a:gsLst>
-          <a:lin ang="5400000" scaled="0"/>
+          <a:lin ang="16200000" scaled="1"/>
         </a:gradFill>
-        <a:ln w="6350" cap="flat" cmpd="sng" algn="ctr">
+        <a:ln w="9525" cap="flat" cmpd="sng" algn="ctr">
           <a:solidFill>
-            <a:schemeClr val="accent1"/>
+            <a:schemeClr val="accent1">
+              <a:shade val="95000"/>
+              <a:satMod val="105000"/>
+            </a:schemeClr>
           </a:solidFill>
           <a:prstDash val="solid"/>
-          <a:miter lim="800000"/>
         </a:ln>
-        <a:effectLst/>
+        <a:effectLst>
+          <a:outerShdw blurRad="40000" dist="20000" dir="5400000" rotWithShape="0">
+            <a:srgbClr val="000000">
+              <a:alpha val="38000"/>
+            </a:srgbClr>
+          </a:outerShdw>
+        </a:effectLst>
         <a:scene3d>
           <a:camera prst="orthographicFront"/>
           <a:lightRig rig="flat" dir="t"/>
         </a:scene3d>
+        <a:sp3d/>
       </dsp:spPr>
       <dsp:style>
         <a:lnRef idx="1">
@@ -6187,12 +6320,12 @@
         </a:fontRef>
       </dsp:style>
       <dsp:txBody>
-        <a:bodyPr spcFirstLastPara="0" vert="horz" wrap="square" lIns="121920" tIns="60960" rIns="121920" bIns="60960" numCol="1" spcCol="1270" anchor="ctr" anchorCtr="0">
+        <a:bodyPr spcFirstLastPara="0" vert="horz" wrap="square" lIns="125730" tIns="62865" rIns="125730" bIns="62865" numCol="1" spcCol="1270" anchor="ctr" anchorCtr="0">
           <a:noAutofit/>
         </a:bodyPr>
         <a:lstStyle/>
         <a:p>
-          <a:pPr marL="0" lvl="0" indent="0" algn="ctr" defTabSz="1422400" rtl="0">
+          <a:pPr marL="0" lvl="0" indent="0" algn="ctr" defTabSz="1466850" rtl="0">
             <a:lnSpc>
               <a:spcPct val="90000"/>
             </a:lnSpc>
@@ -6205,7 +6338,7 @@
             <a:buNone/>
           </a:pPr>
           <a:r>
-            <a:rPr lang="en-US" sz="3200" kern="1200" dirty="0"/>
+            <a:rPr lang="en-US" sz="3300" kern="1200" dirty="0"/>
             <a:t>4</a:t>
           </a:r>
         </a:p>
@@ -6232,36 +6365,41 @@
           <a:gsLst>
             <a:gs pos="0">
               <a:schemeClr val="accent5">
-                <a:lumMod val="110000"/>
-                <a:satMod val="105000"/>
-                <a:tint val="67000"/>
+                <a:tint val="50000"/>
+                <a:satMod val="300000"/>
               </a:schemeClr>
             </a:gs>
-            <a:gs pos="50000">
+            <a:gs pos="35000">
               <a:schemeClr val="accent5">
-                <a:lumMod val="105000"/>
-                <a:satMod val="103000"/>
-                <a:tint val="73000"/>
+                <a:tint val="37000"/>
+                <a:satMod val="300000"/>
               </a:schemeClr>
             </a:gs>
             <a:gs pos="100000">
               <a:schemeClr val="accent5">
-                <a:lumMod val="105000"/>
-                <a:satMod val="109000"/>
-                <a:tint val="81000"/>
+                <a:tint val="15000"/>
+                <a:satMod val="350000"/>
               </a:schemeClr>
             </a:gs>
           </a:gsLst>
-          <a:lin ang="5400000" scaled="0"/>
+          <a:lin ang="16200000" scaled="1"/>
         </a:gradFill>
-        <a:ln w="6350" cap="flat" cmpd="sng" algn="ctr">
+        <a:ln w="9525" cap="flat" cmpd="sng" algn="ctr">
           <a:solidFill>
-            <a:schemeClr val="accent5"/>
+            <a:schemeClr val="accent5">
+              <a:shade val="95000"/>
+              <a:satMod val="105000"/>
+            </a:schemeClr>
           </a:solidFill>
           <a:prstDash val="solid"/>
-          <a:miter lim="800000"/>
         </a:ln>
-        <a:effectLst/>
+        <a:effectLst>
+          <a:outerShdw blurRad="40000" dist="20000" dir="5400000" rotWithShape="0">
+            <a:srgbClr val="000000">
+              <a:alpha val="38000"/>
+            </a:srgbClr>
+          </a:outerShdw>
+        </a:effectLst>
         <a:scene3d>
           <a:camera prst="orthographicFront"/>
           <a:lightRig rig="flat" dir="t"/>
@@ -6283,12 +6421,12 @@
         </a:fontRef>
       </dsp:style>
       <dsp:txBody>
-        <a:bodyPr spcFirstLastPara="0" vert="horz" wrap="square" lIns="95250" tIns="47625" rIns="95250" bIns="47625" numCol="1" spcCol="1270" anchor="ctr" anchorCtr="0">
+        <a:bodyPr spcFirstLastPara="0" vert="horz" wrap="square" lIns="91440" tIns="45720" rIns="91440" bIns="45720" numCol="1" spcCol="1270" anchor="ctr" anchorCtr="0">
           <a:noAutofit/>
         </a:bodyPr>
         <a:lstStyle/>
         <a:p>
-          <a:pPr marL="228600" lvl="1" indent="-228600" algn="l" defTabSz="1111250" rtl="0">
+          <a:pPr marL="228600" lvl="1" indent="-228600" algn="l" defTabSz="1066800" rtl="0">
             <a:lnSpc>
               <a:spcPct val="90000"/>
             </a:lnSpc>
@@ -6301,7 +6439,7 @@
             <a:buChar char="•"/>
           </a:pPr>
           <a:r>
-            <a:rPr lang="en-US" sz="2500" kern="1200" dirty="0"/>
+            <a:rPr lang="en-US" sz="2400" kern="1200" dirty="0"/>
             <a:t>Test the application</a:t>
           </a:r>
         </a:p>
@@ -6328,40 +6466,46 @@
           <a:gsLst>
             <a:gs pos="0">
               <a:schemeClr val="accent1">
-                <a:lumMod val="110000"/>
-                <a:satMod val="105000"/>
-                <a:tint val="67000"/>
+                <a:tint val="50000"/>
+                <a:satMod val="300000"/>
               </a:schemeClr>
             </a:gs>
-            <a:gs pos="50000">
+            <a:gs pos="35000">
               <a:schemeClr val="accent1">
-                <a:lumMod val="105000"/>
-                <a:satMod val="103000"/>
-                <a:tint val="73000"/>
+                <a:tint val="37000"/>
+                <a:satMod val="300000"/>
               </a:schemeClr>
             </a:gs>
             <a:gs pos="100000">
               <a:schemeClr val="accent1">
-                <a:lumMod val="105000"/>
-                <a:satMod val="109000"/>
-                <a:tint val="81000"/>
+                <a:tint val="15000"/>
+                <a:satMod val="350000"/>
               </a:schemeClr>
             </a:gs>
           </a:gsLst>
-          <a:lin ang="5400000" scaled="0"/>
+          <a:lin ang="16200000" scaled="1"/>
         </a:gradFill>
-        <a:ln w="6350" cap="flat" cmpd="sng" algn="ctr">
+        <a:ln w="9525" cap="flat" cmpd="sng" algn="ctr">
           <a:solidFill>
-            <a:schemeClr val="accent1"/>
+            <a:schemeClr val="accent1">
+              <a:shade val="95000"/>
+              <a:satMod val="105000"/>
+            </a:schemeClr>
           </a:solidFill>
           <a:prstDash val="solid"/>
-          <a:miter lim="800000"/>
         </a:ln>
-        <a:effectLst/>
+        <a:effectLst>
+          <a:outerShdw blurRad="40000" dist="20000" dir="5400000" rotWithShape="0">
+            <a:srgbClr val="000000">
+              <a:alpha val="38000"/>
+            </a:srgbClr>
+          </a:outerShdw>
+        </a:effectLst>
         <a:scene3d>
           <a:camera prst="orthographicFront"/>
           <a:lightRig rig="flat" dir="t"/>
         </a:scene3d>
+        <a:sp3d/>
       </dsp:spPr>
       <dsp:style>
         <a:lnRef idx="1">
@@ -6378,12 +6522,12 @@
         </a:fontRef>
       </dsp:style>
       <dsp:txBody>
-        <a:bodyPr spcFirstLastPara="0" vert="horz" wrap="square" lIns="121920" tIns="60960" rIns="121920" bIns="60960" numCol="1" spcCol="1270" anchor="ctr" anchorCtr="0">
+        <a:bodyPr spcFirstLastPara="0" vert="horz" wrap="square" lIns="125730" tIns="62865" rIns="125730" bIns="62865" numCol="1" spcCol="1270" anchor="ctr" anchorCtr="0">
           <a:noAutofit/>
         </a:bodyPr>
         <a:lstStyle/>
         <a:p>
-          <a:pPr marL="0" lvl="0" indent="0" algn="ctr" defTabSz="1422400" rtl="0">
+          <a:pPr marL="0" lvl="0" indent="0" algn="ctr" defTabSz="1466850" rtl="0">
             <a:lnSpc>
               <a:spcPct val="90000"/>
             </a:lnSpc>
@@ -6396,7 +6540,7 @@
             <a:buNone/>
           </a:pPr>
           <a:r>
-            <a:rPr lang="en-US" sz="3200" kern="1200" dirty="0"/>
+            <a:rPr lang="en-US" sz="3300" kern="1200" dirty="0"/>
             <a:t>5</a:t>
           </a:r>
         </a:p>
@@ -9236,7 +9380,7 @@
               <a:pPr>
                 <a:defRPr/>
               </a:pPr>
-              <a:t>13 December 2016</a:t>
+              <a:t>16 December 2016</a:t>
             </a:fld>
             <a:endParaRPr lang="de-DE"/>
           </a:p>
@@ -9548,7 +9692,7 @@
               <a:pPr>
                 <a:defRPr/>
               </a:pPr>
-              <a:t>13. Dezember 2016</a:t>
+              <a:t>16. Dezember 2016</a:t>
             </a:fld>
             <a:r>
               <a:rPr lang="de-DE"/>
@@ -9866,7 +10010,7 @@
               <a:pPr>
                 <a:defRPr/>
               </a:pPr>
-              <a:t>13. Dezember 2016</a:t>
+              <a:t>16. Dezember 2016</a:t>
             </a:fld>
             <a:r>
               <a:rPr lang="de-DE"/>
@@ -10174,7 +10318,7 @@
               <a:pPr>
                 <a:defRPr/>
               </a:pPr>
-              <a:t>13. Dezember 2016</a:t>
+              <a:t>16. Dezember 2016</a:t>
             </a:fld>
             <a:r>
               <a:rPr lang="de-DE"/>
@@ -10360,7 +10504,7 @@
               <a:pPr>
                 <a:defRPr/>
               </a:pPr>
-              <a:t>13. Dezember 2016</a:t>
+              <a:t>16. Dezember 2016</a:t>
             </a:fld>
             <a:r>
               <a:rPr lang="de-DE"/>
@@ -10562,7 +10706,7 @@
               <a:pPr>
                 <a:defRPr/>
               </a:pPr>
-              <a:t>13. Dezember 2016</a:t>
+              <a:t>16. Dezember 2016</a:t>
             </a:fld>
             <a:r>
               <a:rPr lang="de-DE"/>
@@ -10764,7 +10908,7 @@
               <a:pPr>
                 <a:defRPr/>
               </a:pPr>
-              <a:t>13. Dezember 2016</a:t>
+              <a:t>16. Dezember 2016</a:t>
             </a:fld>
             <a:r>
               <a:rPr lang="de-DE"/>
@@ -10886,7 +11030,7 @@
               <a:pPr>
                 <a:defRPr/>
               </a:pPr>
-              <a:t>13. Dezember 2016</a:t>
+              <a:t>16. Dezember 2016</a:t>
             </a:fld>
             <a:r>
               <a:rPr lang="de-DE"/>
@@ -11084,7 +11228,7 @@
               <a:pPr>
                 <a:defRPr/>
               </a:pPr>
-              <a:t>13. Dezember 2016</a:t>
+              <a:t>16. Dezember 2016</a:t>
             </a:fld>
             <a:r>
               <a:rPr lang="de-DE"/>
@@ -11284,7 +11428,7 @@
               <a:pPr>
                 <a:defRPr/>
               </a:pPr>
-              <a:t>13. Dezember 2016</a:t>
+              <a:t>16. Dezember 2016</a:t>
             </a:fld>
             <a:r>
               <a:rPr lang="de-DE"/>
@@ -11408,7 +11552,7 @@
               <a:pPr>
                 <a:defRPr/>
               </a:pPr>
-              <a:t>13. Dezember 2016</a:t>
+              <a:t>16. Dezember 2016</a:t>
             </a:fld>
             <a:r>
               <a:rPr lang="de-DE"/>
@@ -11588,7 +11732,7 @@
           <a:p>
             <a:fld id="{FB5BBD6E-ABA3-4DD9-ABCF-19D1AD89DF88}" type="datetimeFigureOut">
               <a:rPr lang="en-US" smtClean="0"/>
-              <a:t>12/13/2016</a:t>
+              <a:t>12/16/2016</a:t>
             </a:fld>
             <a:endParaRPr lang="en-US"/>
           </a:p>
@@ -11756,7 +11900,7 @@
           <a:p>
             <a:fld id="{FB5BBD6E-ABA3-4DD9-ABCF-19D1AD89DF88}" type="datetimeFigureOut">
               <a:rPr lang="en-US" smtClean="0"/>
-              <a:t>12/13/2016</a:t>
+              <a:t>12/16/2016</a:t>
             </a:fld>
             <a:endParaRPr lang="en-US"/>
           </a:p>
@@ -11934,7 +12078,7 @@
           <a:p>
             <a:fld id="{FB5BBD6E-ABA3-4DD9-ABCF-19D1AD89DF88}" type="datetimeFigureOut">
               <a:rPr lang="en-US" smtClean="0"/>
-              <a:t>12/13/2016</a:t>
+              <a:t>12/16/2016</a:t>
             </a:fld>
             <a:endParaRPr lang="en-US"/>
           </a:p>
@@ -11986,6 +12130,1282 @@
     <p:extLst>
       <p:ext uri="{BB962C8B-B14F-4D97-AF65-F5344CB8AC3E}">
         <p14:creationId xmlns:p14="http://schemas.microsoft.com/office/powerpoint/2010/main" val="1356483173"/>
+      </p:ext>
+    </p:extLst>
+  </p:cSld>
+  <p:clrMapOvr>
+    <a:masterClrMapping/>
+  </p:clrMapOvr>
+</p:sldLayout>
+</file>
+
+<file path=ppt/slideLayouts/slideLayout12.xml><?xml version="1.0" encoding="utf-8"?>
+<p:sldLayout xmlns:a="http://schemas.openxmlformats.org/drawingml/2006/main" xmlns:r="http://schemas.openxmlformats.org/officeDocument/2006/relationships" xmlns:p="http://schemas.openxmlformats.org/presentationml/2006/main" showMasterSp="0" type="title" preserve="1">
+  <p:cSld name="Rubrikbild">
+    <p:bg>
+      <p:bgPr>
+        <a:solidFill>
+          <a:schemeClr val="tx1"/>
+        </a:solidFill>
+        <a:effectLst/>
+      </p:bgPr>
+    </p:bg>
+    <p:spTree>
+      <p:nvGrpSpPr>
+        <p:cNvPr id="1" name=""/>
+        <p:cNvGrpSpPr/>
+        <p:nvPr/>
+      </p:nvGrpSpPr>
+      <p:grpSpPr>
+        <a:xfrm>
+          <a:off x="0" y="0"/>
+          <a:ext cx="0" cy="0"/>
+          <a:chOff x="0" y="0"/>
+          <a:chExt cx="0" cy="0"/>
+        </a:xfrm>
+      </p:grpSpPr>
+      <p:sp>
+        <p:nvSpPr>
+          <p:cNvPr id="9" name="Line 9"/>
+          <p:cNvSpPr>
+            <a:spLocks noChangeShapeType="1"/>
+          </p:cNvSpPr>
+          <p:nvPr/>
+        </p:nvSpPr>
+        <p:spPr bwMode="gray">
+          <a:xfrm>
+            <a:off x="1835150" y="4221163"/>
+            <a:ext cx="7308850" cy="0"/>
+          </a:xfrm>
+          <a:prstGeom prst="line">
+            <a:avLst/>
+          </a:prstGeom>
+          <a:noFill/>
+          <a:ln w="19050">
+            <a:solidFill>
+              <a:schemeClr val="bg2"/>
+            </a:solidFill>
+            <a:round/>
+            <a:headEnd/>
+            <a:tailEnd/>
+          </a:ln>
+          <a:effectLst/>
+        </p:spPr>
+        <p:txBody>
+          <a:bodyPr/>
+          <a:lstStyle/>
+          <a:p>
+            <a:pPr algn="ctr">
+              <a:buClr>
+                <a:schemeClr val="bg2"/>
+              </a:buClr>
+              <a:defRPr/>
+            </a:pPr>
+            <a:endParaRPr lang="sv-SE">
+              <a:cs typeface="+mn-cs"/>
+            </a:endParaRPr>
+          </a:p>
+        </p:txBody>
+      </p:sp>
+      <p:sp>
+        <p:nvSpPr>
+          <p:cNvPr id="5122" name="Rectangle 2"/>
+          <p:cNvSpPr>
+            <a:spLocks noGrp="1" noChangeArrowheads="1"/>
+          </p:cNvSpPr>
+          <p:nvPr>
+            <p:ph type="subTitle" idx="1"/>
+          </p:nvPr>
+        </p:nvSpPr>
+        <p:spPr>
+          <a:xfrm>
+            <a:off x="1835150" y="4221163"/>
+            <a:ext cx="6913563" cy="1800225"/>
+          </a:xfrm>
+        </p:spPr>
+        <p:txBody>
+          <a:bodyPr tIns="118800" bIns="45720"/>
+          <a:lstStyle>
+            <a:lvl1pPr marL="0" indent="0">
+              <a:buFontTx/>
+              <a:buNone/>
+              <a:defRPr sz="1600" b="1">
+                <a:solidFill>
+                  <a:schemeClr val="accent1"/>
+                </a:solidFill>
+              </a:defRPr>
+            </a:lvl1pPr>
+          </a:lstStyle>
+          <a:p>
+            <a:r>
+              <a:rPr lang="en-US"/>
+              <a:t>Click to edit Master subtitle style</a:t>
+            </a:r>
+            <a:endParaRPr lang="en-GB" dirty="0"/>
+          </a:p>
+        </p:txBody>
+      </p:sp>
+      <p:sp>
+        <p:nvSpPr>
+          <p:cNvPr id="5123" name="Rectangle 3"/>
+          <p:cNvSpPr>
+            <a:spLocks noGrp="1" noChangeArrowheads="1"/>
+          </p:cNvSpPr>
+          <p:nvPr>
+            <p:ph type="ctrTitle"/>
+          </p:nvPr>
+        </p:nvSpPr>
+        <p:spPr>
+          <a:xfrm>
+            <a:off x="1835150" y="3500438"/>
+            <a:ext cx="6913563" cy="720725"/>
+          </a:xfrm>
+        </p:spPr>
+        <p:txBody>
+          <a:bodyPr tIns="45720" bIns="82800" anchor="b"/>
+          <a:lstStyle>
+            <a:lvl1pPr>
+              <a:defRPr sz="2800">
+                <a:solidFill>
+                  <a:schemeClr val="accent1"/>
+                </a:solidFill>
+              </a:defRPr>
+            </a:lvl1pPr>
+          </a:lstStyle>
+          <a:p>
+            <a:r>
+              <a:rPr lang="en-US"/>
+              <a:t>Click to edit Master title style</a:t>
+            </a:r>
+            <a:endParaRPr lang="en-GB" dirty="0"/>
+          </a:p>
+        </p:txBody>
+      </p:sp>
+    </p:spTree>
+    <p:extLst>
+      <p:ext uri="{BB962C8B-B14F-4D97-AF65-F5344CB8AC3E}">
+        <p14:creationId xmlns:p14="http://schemas.microsoft.com/office/powerpoint/2010/main" val="3425276732"/>
+      </p:ext>
+    </p:extLst>
+  </p:cSld>
+  <p:clrMapOvr>
+    <a:masterClrMapping/>
+  </p:clrMapOvr>
+</p:sldLayout>
+</file>
+
+<file path=ppt/slideLayouts/slideLayout13.xml><?xml version="1.0" encoding="utf-8"?>
+<p:sldLayout xmlns:a="http://schemas.openxmlformats.org/drawingml/2006/main" xmlns:r="http://schemas.openxmlformats.org/officeDocument/2006/relationships" xmlns:p="http://schemas.openxmlformats.org/presentationml/2006/main" type="secHead" preserve="1">
+  <p:cSld name="Avsnittsrubrik">
+    <p:bg>
+      <p:bgPr>
+        <a:solidFill>
+          <a:schemeClr val="tx2">
+            <a:lumMod val="50000"/>
+          </a:schemeClr>
+        </a:solidFill>
+        <a:effectLst/>
+      </p:bgPr>
+    </p:bg>
+    <p:spTree>
+      <p:nvGrpSpPr>
+        <p:cNvPr id="1" name=""/>
+        <p:cNvGrpSpPr/>
+        <p:nvPr/>
+      </p:nvGrpSpPr>
+      <p:grpSpPr>
+        <a:xfrm>
+          <a:off x="0" y="0"/>
+          <a:ext cx="0" cy="0"/>
+          <a:chOff x="0" y="0"/>
+          <a:chExt cx="0" cy="0"/>
+        </a:xfrm>
+      </p:grpSpPr>
+      <p:sp>
+        <p:nvSpPr>
+          <p:cNvPr id="2" name="Title 1"/>
+          <p:cNvSpPr>
+            <a:spLocks noGrp="1"/>
+          </p:cNvSpPr>
+          <p:nvPr>
+            <p:ph type="title"/>
+          </p:nvPr>
+        </p:nvSpPr>
+        <p:spPr>
+          <a:xfrm>
+            <a:off x="722313" y="4406900"/>
+            <a:ext cx="7772400" cy="1362075"/>
+          </a:xfrm>
+        </p:spPr>
+        <p:txBody>
+          <a:bodyPr anchor="t"/>
+          <a:lstStyle>
+            <a:lvl1pPr algn="l">
+              <a:defRPr sz="4000" b="1" cap="all">
+                <a:solidFill>
+                  <a:schemeClr val="bg1"/>
+                </a:solidFill>
+              </a:defRPr>
+            </a:lvl1pPr>
+          </a:lstStyle>
+          <a:p>
+            <a:r>
+              <a:rPr lang="en-US"/>
+              <a:t>Click to edit Master title style</a:t>
+            </a:r>
+            <a:endParaRPr lang="sv-SE" dirty="0"/>
+          </a:p>
+        </p:txBody>
+      </p:sp>
+      <p:sp>
+        <p:nvSpPr>
+          <p:cNvPr id="3" name="Text Placeholder 2"/>
+          <p:cNvSpPr>
+            <a:spLocks noGrp="1"/>
+          </p:cNvSpPr>
+          <p:nvPr>
+            <p:ph type="body" idx="1"/>
+          </p:nvPr>
+        </p:nvSpPr>
+        <p:spPr>
+          <a:xfrm>
+            <a:off x="722313" y="2906713"/>
+            <a:ext cx="7772400" cy="1500187"/>
+          </a:xfrm>
+        </p:spPr>
+        <p:txBody>
+          <a:bodyPr anchor="b"/>
+          <a:lstStyle>
+            <a:lvl1pPr marL="0" indent="0">
+              <a:buNone/>
+              <a:defRPr sz="2000">
+                <a:solidFill>
+                  <a:schemeClr val="bg1"/>
+                </a:solidFill>
+              </a:defRPr>
+            </a:lvl1pPr>
+            <a:lvl2pPr marL="457200" indent="0">
+              <a:buNone/>
+              <a:defRPr sz="1800"/>
+            </a:lvl2pPr>
+            <a:lvl3pPr marL="914400" indent="0">
+              <a:buNone/>
+              <a:defRPr sz="1600"/>
+            </a:lvl3pPr>
+            <a:lvl4pPr marL="1371600" indent="0">
+              <a:buNone/>
+              <a:defRPr sz="1400"/>
+            </a:lvl4pPr>
+            <a:lvl5pPr marL="1828800" indent="0">
+              <a:buNone/>
+              <a:defRPr sz="1400"/>
+            </a:lvl5pPr>
+            <a:lvl6pPr marL="2286000" indent="0">
+              <a:buNone/>
+              <a:defRPr sz="1400"/>
+            </a:lvl6pPr>
+            <a:lvl7pPr marL="2743200" indent="0">
+              <a:buNone/>
+              <a:defRPr sz="1400"/>
+            </a:lvl7pPr>
+            <a:lvl8pPr marL="3200400" indent="0">
+              <a:buNone/>
+              <a:defRPr sz="1400"/>
+            </a:lvl8pPr>
+            <a:lvl9pPr marL="3657600" indent="0">
+              <a:buNone/>
+              <a:defRPr sz="1400"/>
+            </a:lvl9pPr>
+          </a:lstStyle>
+          <a:p>
+            <a:pPr lvl="0"/>
+            <a:r>
+              <a:rPr lang="en-US"/>
+              <a:t>Edit Master text styles</a:t>
+            </a:r>
+          </a:p>
+        </p:txBody>
+      </p:sp>
+      <p:sp>
+        <p:nvSpPr>
+          <p:cNvPr id="10" name="Platshållare för bildnummer 5"/>
+          <p:cNvSpPr>
+            <a:spLocks noGrp="1"/>
+          </p:cNvSpPr>
+          <p:nvPr>
+            <p:ph type="sldNum" sz="quarter" idx="4"/>
+          </p:nvPr>
+        </p:nvSpPr>
+        <p:spPr>
+          <a:xfrm>
+            <a:off x="4680064" y="6350023"/>
+            <a:ext cx="468000" cy="365125"/>
+          </a:xfrm>
+          <a:prstGeom prst="rect">
+            <a:avLst/>
+          </a:prstGeom>
+        </p:spPr>
+        <p:txBody>
+          <a:bodyPr vert="horz" lIns="91440" tIns="45720" rIns="91440" bIns="45720" rtlCol="0" anchor="ctr"/>
+          <a:lstStyle>
+            <a:lvl1pPr algn="r">
+              <a:defRPr sz="900">
+                <a:solidFill>
+                  <a:schemeClr val="bg1"/>
+                </a:solidFill>
+                <a:latin typeface="Verdana" pitchFamily="34" charset="0"/>
+                <a:ea typeface="Verdana" pitchFamily="34" charset="0"/>
+                <a:cs typeface="Verdana" pitchFamily="34" charset="0"/>
+              </a:defRPr>
+            </a:lvl1pPr>
+          </a:lstStyle>
+          <a:p>
+            <a:fld id="{B05699C7-A42F-4F12-A41E-08F4C6F343B7}" type="slidenum">
+              <a:rPr lang="en-US" smtClean="0"/>
+              <a:t>‹#›</a:t>
+            </a:fld>
+            <a:endParaRPr lang="en-US"/>
+          </a:p>
+        </p:txBody>
+      </p:sp>
+    </p:spTree>
+    <p:extLst>
+      <p:ext uri="{BB962C8B-B14F-4D97-AF65-F5344CB8AC3E}">
+        <p14:creationId xmlns:p14="http://schemas.microsoft.com/office/powerpoint/2010/main" val="2421134585"/>
+      </p:ext>
+    </p:extLst>
+  </p:cSld>
+  <p:clrMapOvr>
+    <a:masterClrMapping/>
+  </p:clrMapOvr>
+</p:sldLayout>
+</file>
+
+<file path=ppt/slideLayouts/slideLayout14.xml><?xml version="1.0" encoding="utf-8"?>
+<p:sldLayout xmlns:a="http://schemas.openxmlformats.org/drawingml/2006/main" xmlns:r="http://schemas.openxmlformats.org/officeDocument/2006/relationships" xmlns:p="http://schemas.openxmlformats.org/presentationml/2006/main" type="obj" preserve="1">
+  <p:cSld name="Rubrik och innehåll">
+    <p:spTree>
+      <p:nvGrpSpPr>
+        <p:cNvPr id="1" name=""/>
+        <p:cNvGrpSpPr/>
+        <p:nvPr/>
+      </p:nvGrpSpPr>
+      <p:grpSpPr>
+        <a:xfrm>
+          <a:off x="0" y="0"/>
+          <a:ext cx="0" cy="0"/>
+          <a:chOff x="0" y="0"/>
+          <a:chExt cx="0" cy="0"/>
+        </a:xfrm>
+      </p:grpSpPr>
+      <p:sp>
+        <p:nvSpPr>
+          <p:cNvPr id="2" name="Title 1"/>
+          <p:cNvSpPr>
+            <a:spLocks noGrp="1"/>
+          </p:cNvSpPr>
+          <p:nvPr>
+            <p:ph type="title"/>
+          </p:nvPr>
+        </p:nvSpPr>
+        <p:spPr/>
+        <p:txBody>
+          <a:bodyPr/>
+          <a:lstStyle/>
+          <a:p>
+            <a:r>
+              <a:rPr lang="en-US"/>
+              <a:t>Click to edit Master title style</a:t>
+            </a:r>
+            <a:endParaRPr lang="sv-SE"/>
+          </a:p>
+        </p:txBody>
+      </p:sp>
+      <p:sp>
+        <p:nvSpPr>
+          <p:cNvPr id="3" name="Content Placeholder 2"/>
+          <p:cNvSpPr>
+            <a:spLocks noGrp="1"/>
+          </p:cNvSpPr>
+          <p:nvPr>
+            <p:ph idx="1"/>
+          </p:nvPr>
+        </p:nvSpPr>
+        <p:spPr/>
+        <p:txBody>
+          <a:bodyPr/>
+          <a:lstStyle>
+            <a:lvl1pPr marL="177800" indent="-177800">
+              <a:buClr>
+                <a:schemeClr val="accent1"/>
+              </a:buClr>
+              <a:buFont typeface="Wingdings" pitchFamily="2" charset="2"/>
+              <a:buChar char="§"/>
+              <a:defRPr/>
+            </a:lvl1pPr>
+            <a:lvl2pPr marL="541338" indent="-184150">
+              <a:buClr>
+                <a:schemeClr val="accent1"/>
+              </a:buClr>
+              <a:buFont typeface="Wingdings" pitchFamily="2" charset="2"/>
+              <a:buChar char="§"/>
+              <a:defRPr/>
+            </a:lvl2pPr>
+            <a:lvl3pPr marL="896938" indent="-176213">
+              <a:buClr>
+                <a:schemeClr val="accent1"/>
+              </a:buClr>
+              <a:buFont typeface="Wingdings" pitchFamily="2" charset="2"/>
+              <a:buChar char="§"/>
+              <a:defRPr/>
+            </a:lvl3pPr>
+            <a:lvl4pPr marL="1252538" indent="-176213">
+              <a:buClr>
+                <a:schemeClr val="accent1"/>
+              </a:buClr>
+              <a:buFont typeface="Wingdings" pitchFamily="2" charset="2"/>
+              <a:buChar char="§"/>
+              <a:defRPr/>
+            </a:lvl4pPr>
+            <a:lvl5pPr marL="1616075" indent="-184150">
+              <a:buClr>
+                <a:schemeClr val="accent1"/>
+              </a:buClr>
+              <a:buFont typeface="Wingdings" pitchFamily="2" charset="2"/>
+              <a:buChar char="§"/>
+              <a:defRPr/>
+            </a:lvl5pPr>
+          </a:lstStyle>
+          <a:p>
+            <a:pPr lvl="0"/>
+            <a:r>
+              <a:rPr lang="en-US"/>
+              <a:t>Edit Master text styles</a:t>
+            </a:r>
+          </a:p>
+          <a:p>
+            <a:pPr lvl="1"/>
+            <a:r>
+              <a:rPr lang="en-US"/>
+              <a:t>Second level</a:t>
+            </a:r>
+          </a:p>
+          <a:p>
+            <a:pPr lvl="2"/>
+            <a:r>
+              <a:rPr lang="en-US"/>
+              <a:t>Third level</a:t>
+            </a:r>
+          </a:p>
+          <a:p>
+            <a:pPr lvl="3"/>
+            <a:r>
+              <a:rPr lang="en-US"/>
+              <a:t>Fourth level</a:t>
+            </a:r>
+          </a:p>
+          <a:p>
+            <a:pPr lvl="4"/>
+            <a:r>
+              <a:rPr lang="en-US"/>
+              <a:t>Fifth level</a:t>
+            </a:r>
+            <a:endParaRPr lang="sv-SE" dirty="0"/>
+          </a:p>
+        </p:txBody>
+      </p:sp>
+    </p:spTree>
+    <p:extLst>
+      <p:ext uri="{BB962C8B-B14F-4D97-AF65-F5344CB8AC3E}">
+        <p14:creationId xmlns:p14="http://schemas.microsoft.com/office/powerpoint/2010/main" val="3889116176"/>
+      </p:ext>
+    </p:extLst>
+  </p:cSld>
+  <p:clrMapOvr>
+    <a:masterClrMapping/>
+  </p:clrMapOvr>
+</p:sldLayout>
+</file>
+
+<file path=ppt/slideLayouts/slideLayout15.xml><?xml version="1.0" encoding="utf-8"?>
+<p:sldLayout xmlns:a="http://schemas.openxmlformats.org/drawingml/2006/main" xmlns:r="http://schemas.openxmlformats.org/officeDocument/2006/relationships" xmlns:p="http://schemas.openxmlformats.org/presentationml/2006/main" type="twoObj" preserve="1">
+  <p:cSld name="Två innehållsdelar">
+    <p:spTree>
+      <p:nvGrpSpPr>
+        <p:cNvPr id="1" name=""/>
+        <p:cNvGrpSpPr/>
+        <p:nvPr/>
+      </p:nvGrpSpPr>
+      <p:grpSpPr>
+        <a:xfrm>
+          <a:off x="0" y="0"/>
+          <a:ext cx="0" cy="0"/>
+          <a:chOff x="0" y="0"/>
+          <a:chExt cx="0" cy="0"/>
+        </a:xfrm>
+      </p:grpSpPr>
+      <p:sp>
+        <p:nvSpPr>
+          <p:cNvPr id="2" name="Title 1"/>
+          <p:cNvSpPr>
+            <a:spLocks noGrp="1"/>
+          </p:cNvSpPr>
+          <p:nvPr>
+            <p:ph type="title"/>
+          </p:nvPr>
+        </p:nvSpPr>
+        <p:spPr/>
+        <p:txBody>
+          <a:bodyPr/>
+          <a:lstStyle/>
+          <a:p>
+            <a:r>
+              <a:rPr lang="en-US"/>
+              <a:t>Click to edit Master title style</a:t>
+            </a:r>
+            <a:endParaRPr lang="sv-SE"/>
+          </a:p>
+        </p:txBody>
+      </p:sp>
+      <p:sp>
+        <p:nvSpPr>
+          <p:cNvPr id="3" name="Content Placeholder 2"/>
+          <p:cNvSpPr>
+            <a:spLocks noGrp="1"/>
+          </p:cNvSpPr>
+          <p:nvPr>
+            <p:ph sz="half" idx="1"/>
+          </p:nvPr>
+        </p:nvSpPr>
+        <p:spPr>
+          <a:xfrm>
+            <a:off x="395288" y="1484313"/>
+            <a:ext cx="4100512" cy="4608512"/>
+          </a:xfrm>
+        </p:spPr>
+        <p:txBody>
+          <a:bodyPr/>
+          <a:lstStyle>
+            <a:lvl1pPr>
+              <a:defRPr sz="2800"/>
+            </a:lvl1pPr>
+            <a:lvl2pPr>
+              <a:defRPr sz="2400"/>
+            </a:lvl2pPr>
+            <a:lvl3pPr>
+              <a:defRPr sz="2000"/>
+            </a:lvl3pPr>
+            <a:lvl4pPr>
+              <a:defRPr sz="1800"/>
+            </a:lvl4pPr>
+            <a:lvl5pPr>
+              <a:defRPr sz="1800"/>
+            </a:lvl5pPr>
+            <a:lvl6pPr>
+              <a:defRPr sz="1800"/>
+            </a:lvl6pPr>
+            <a:lvl7pPr>
+              <a:defRPr sz="1800"/>
+            </a:lvl7pPr>
+            <a:lvl8pPr>
+              <a:defRPr sz="1800"/>
+            </a:lvl8pPr>
+            <a:lvl9pPr>
+              <a:defRPr sz="1800"/>
+            </a:lvl9pPr>
+          </a:lstStyle>
+          <a:p>
+            <a:pPr lvl="0"/>
+            <a:r>
+              <a:rPr lang="en-US"/>
+              <a:t>Edit Master text styles</a:t>
+            </a:r>
+          </a:p>
+          <a:p>
+            <a:pPr lvl="1"/>
+            <a:r>
+              <a:rPr lang="en-US"/>
+              <a:t>Second level</a:t>
+            </a:r>
+          </a:p>
+          <a:p>
+            <a:pPr lvl="2"/>
+            <a:r>
+              <a:rPr lang="en-US"/>
+              <a:t>Third level</a:t>
+            </a:r>
+          </a:p>
+          <a:p>
+            <a:pPr lvl="3"/>
+            <a:r>
+              <a:rPr lang="en-US"/>
+              <a:t>Fourth level</a:t>
+            </a:r>
+          </a:p>
+          <a:p>
+            <a:pPr lvl="4"/>
+            <a:r>
+              <a:rPr lang="en-US"/>
+              <a:t>Fifth level</a:t>
+            </a:r>
+            <a:endParaRPr lang="sv-SE" dirty="0"/>
+          </a:p>
+        </p:txBody>
+      </p:sp>
+      <p:sp>
+        <p:nvSpPr>
+          <p:cNvPr id="4" name="Content Placeholder 3"/>
+          <p:cNvSpPr>
+            <a:spLocks noGrp="1"/>
+          </p:cNvSpPr>
+          <p:nvPr>
+            <p:ph sz="half" idx="2"/>
+          </p:nvPr>
+        </p:nvSpPr>
+        <p:spPr>
+          <a:xfrm>
+            <a:off x="4648200" y="1484313"/>
+            <a:ext cx="4100513" cy="4608512"/>
+          </a:xfrm>
+        </p:spPr>
+        <p:txBody>
+          <a:bodyPr/>
+          <a:lstStyle>
+            <a:lvl1pPr>
+              <a:defRPr sz="2800"/>
+            </a:lvl1pPr>
+            <a:lvl2pPr>
+              <a:defRPr sz="2400"/>
+            </a:lvl2pPr>
+            <a:lvl3pPr>
+              <a:defRPr sz="2000"/>
+            </a:lvl3pPr>
+            <a:lvl4pPr>
+              <a:defRPr sz="1800"/>
+            </a:lvl4pPr>
+            <a:lvl5pPr>
+              <a:defRPr sz="1800"/>
+            </a:lvl5pPr>
+            <a:lvl6pPr>
+              <a:defRPr sz="1800"/>
+            </a:lvl6pPr>
+            <a:lvl7pPr>
+              <a:defRPr sz="1800"/>
+            </a:lvl7pPr>
+            <a:lvl8pPr>
+              <a:defRPr sz="1800"/>
+            </a:lvl8pPr>
+            <a:lvl9pPr>
+              <a:defRPr sz="1800"/>
+            </a:lvl9pPr>
+          </a:lstStyle>
+          <a:p>
+            <a:pPr lvl="0"/>
+            <a:r>
+              <a:rPr lang="en-US"/>
+              <a:t>Edit Master text styles</a:t>
+            </a:r>
+          </a:p>
+          <a:p>
+            <a:pPr lvl="1"/>
+            <a:r>
+              <a:rPr lang="en-US"/>
+              <a:t>Second level</a:t>
+            </a:r>
+          </a:p>
+          <a:p>
+            <a:pPr lvl="2"/>
+            <a:r>
+              <a:rPr lang="en-US"/>
+              <a:t>Third level</a:t>
+            </a:r>
+          </a:p>
+          <a:p>
+            <a:pPr lvl="3"/>
+            <a:r>
+              <a:rPr lang="en-US"/>
+              <a:t>Fourth level</a:t>
+            </a:r>
+          </a:p>
+          <a:p>
+            <a:pPr lvl="4"/>
+            <a:r>
+              <a:rPr lang="en-US"/>
+              <a:t>Fifth level</a:t>
+            </a:r>
+            <a:endParaRPr lang="sv-SE" dirty="0"/>
+          </a:p>
+        </p:txBody>
+      </p:sp>
+    </p:spTree>
+    <p:extLst>
+      <p:ext uri="{BB962C8B-B14F-4D97-AF65-F5344CB8AC3E}">
+        <p14:creationId xmlns:p14="http://schemas.microsoft.com/office/powerpoint/2010/main" val="3353056893"/>
+      </p:ext>
+    </p:extLst>
+  </p:cSld>
+  <p:clrMapOvr>
+    <a:masterClrMapping/>
+  </p:clrMapOvr>
+</p:sldLayout>
+</file>
+
+<file path=ppt/slideLayouts/slideLayout16.xml><?xml version="1.0" encoding="utf-8"?>
+<p:sldLayout xmlns:a="http://schemas.openxmlformats.org/drawingml/2006/main" xmlns:r="http://schemas.openxmlformats.org/officeDocument/2006/relationships" xmlns:p="http://schemas.openxmlformats.org/presentationml/2006/main" type="twoTxTwoObj" preserve="1">
+  <p:cSld name="Jämförelse">
+    <p:spTree>
+      <p:nvGrpSpPr>
+        <p:cNvPr id="1" name=""/>
+        <p:cNvGrpSpPr/>
+        <p:nvPr/>
+      </p:nvGrpSpPr>
+      <p:grpSpPr>
+        <a:xfrm>
+          <a:off x="0" y="0"/>
+          <a:ext cx="0" cy="0"/>
+          <a:chOff x="0" y="0"/>
+          <a:chExt cx="0" cy="0"/>
+        </a:xfrm>
+      </p:grpSpPr>
+      <p:sp>
+        <p:nvSpPr>
+          <p:cNvPr id="2" name="Title 1"/>
+          <p:cNvSpPr>
+            <a:spLocks noGrp="1"/>
+          </p:cNvSpPr>
+          <p:nvPr>
+            <p:ph type="title"/>
+          </p:nvPr>
+        </p:nvSpPr>
+        <p:spPr>
+          <a:xfrm>
+            <a:off x="457200" y="274638"/>
+            <a:ext cx="8229600" cy="1143000"/>
+          </a:xfrm>
+        </p:spPr>
+        <p:txBody>
+          <a:bodyPr/>
+          <a:lstStyle>
+            <a:lvl1pPr>
+              <a:defRPr/>
+            </a:lvl1pPr>
+          </a:lstStyle>
+          <a:p>
+            <a:r>
+              <a:rPr lang="en-US"/>
+              <a:t>Click to edit Master title style</a:t>
+            </a:r>
+            <a:endParaRPr lang="sv-SE"/>
+          </a:p>
+        </p:txBody>
+      </p:sp>
+      <p:sp>
+        <p:nvSpPr>
+          <p:cNvPr id="3" name="Text Placeholder 2"/>
+          <p:cNvSpPr>
+            <a:spLocks noGrp="1"/>
+          </p:cNvSpPr>
+          <p:nvPr>
+            <p:ph type="body" idx="1"/>
+          </p:nvPr>
+        </p:nvSpPr>
+        <p:spPr>
+          <a:xfrm>
+            <a:off x="457200" y="1535113"/>
+            <a:ext cx="4040188" cy="639762"/>
+          </a:xfrm>
+        </p:spPr>
+        <p:txBody>
+          <a:bodyPr anchor="b"/>
+          <a:lstStyle>
+            <a:lvl1pPr marL="0" indent="0">
+              <a:buNone/>
+              <a:defRPr sz="2400" b="1"/>
+            </a:lvl1pPr>
+            <a:lvl2pPr marL="457200" indent="0">
+              <a:buNone/>
+              <a:defRPr sz="2000" b="1"/>
+            </a:lvl2pPr>
+            <a:lvl3pPr marL="914400" indent="0">
+              <a:buNone/>
+              <a:defRPr sz="1800" b="1"/>
+            </a:lvl3pPr>
+            <a:lvl4pPr marL="1371600" indent="0">
+              <a:buNone/>
+              <a:defRPr sz="1600" b="1"/>
+            </a:lvl4pPr>
+            <a:lvl5pPr marL="1828800" indent="0">
+              <a:buNone/>
+              <a:defRPr sz="1600" b="1"/>
+            </a:lvl5pPr>
+            <a:lvl6pPr marL="2286000" indent="0">
+              <a:buNone/>
+              <a:defRPr sz="1600" b="1"/>
+            </a:lvl6pPr>
+            <a:lvl7pPr marL="2743200" indent="0">
+              <a:buNone/>
+              <a:defRPr sz="1600" b="1"/>
+            </a:lvl7pPr>
+            <a:lvl8pPr marL="3200400" indent="0">
+              <a:buNone/>
+              <a:defRPr sz="1600" b="1"/>
+            </a:lvl8pPr>
+            <a:lvl9pPr marL="3657600" indent="0">
+              <a:buNone/>
+              <a:defRPr sz="1600" b="1"/>
+            </a:lvl9pPr>
+          </a:lstStyle>
+          <a:p>
+            <a:pPr lvl="0"/>
+            <a:r>
+              <a:rPr lang="en-US"/>
+              <a:t>Edit Master text styles</a:t>
+            </a:r>
+          </a:p>
+        </p:txBody>
+      </p:sp>
+      <p:sp>
+        <p:nvSpPr>
+          <p:cNvPr id="4" name="Content Placeholder 3"/>
+          <p:cNvSpPr>
+            <a:spLocks noGrp="1"/>
+          </p:cNvSpPr>
+          <p:nvPr>
+            <p:ph sz="half" idx="2"/>
+          </p:nvPr>
+        </p:nvSpPr>
+        <p:spPr>
+          <a:xfrm>
+            <a:off x="457200" y="2174875"/>
+            <a:ext cx="4040188" cy="3951288"/>
+          </a:xfrm>
+        </p:spPr>
+        <p:txBody>
+          <a:bodyPr/>
+          <a:lstStyle>
+            <a:lvl1pPr>
+              <a:defRPr sz="2400"/>
+            </a:lvl1pPr>
+            <a:lvl2pPr>
+              <a:defRPr sz="2000"/>
+            </a:lvl2pPr>
+            <a:lvl3pPr>
+              <a:defRPr sz="1800"/>
+            </a:lvl3pPr>
+            <a:lvl4pPr>
+              <a:defRPr sz="1600"/>
+            </a:lvl4pPr>
+            <a:lvl5pPr>
+              <a:defRPr sz="1600"/>
+            </a:lvl5pPr>
+            <a:lvl6pPr>
+              <a:defRPr sz="1600"/>
+            </a:lvl6pPr>
+            <a:lvl7pPr>
+              <a:defRPr sz="1600"/>
+            </a:lvl7pPr>
+            <a:lvl8pPr>
+              <a:defRPr sz="1600"/>
+            </a:lvl8pPr>
+            <a:lvl9pPr>
+              <a:defRPr sz="1600"/>
+            </a:lvl9pPr>
+          </a:lstStyle>
+          <a:p>
+            <a:pPr lvl="0"/>
+            <a:r>
+              <a:rPr lang="en-US"/>
+              <a:t>Edit Master text styles</a:t>
+            </a:r>
+          </a:p>
+          <a:p>
+            <a:pPr lvl="1"/>
+            <a:r>
+              <a:rPr lang="en-US"/>
+              <a:t>Second level</a:t>
+            </a:r>
+          </a:p>
+          <a:p>
+            <a:pPr lvl="2"/>
+            <a:r>
+              <a:rPr lang="en-US"/>
+              <a:t>Third level</a:t>
+            </a:r>
+          </a:p>
+          <a:p>
+            <a:pPr lvl="3"/>
+            <a:r>
+              <a:rPr lang="en-US"/>
+              <a:t>Fourth level</a:t>
+            </a:r>
+          </a:p>
+          <a:p>
+            <a:pPr lvl="4"/>
+            <a:r>
+              <a:rPr lang="en-US"/>
+              <a:t>Fifth level</a:t>
+            </a:r>
+            <a:endParaRPr lang="sv-SE" dirty="0"/>
+          </a:p>
+        </p:txBody>
+      </p:sp>
+      <p:sp>
+        <p:nvSpPr>
+          <p:cNvPr id="5" name="Text Placeholder 4"/>
+          <p:cNvSpPr>
+            <a:spLocks noGrp="1"/>
+          </p:cNvSpPr>
+          <p:nvPr>
+            <p:ph type="body" sz="quarter" idx="3"/>
+          </p:nvPr>
+        </p:nvSpPr>
+        <p:spPr>
+          <a:xfrm>
+            <a:off x="4645025" y="1535113"/>
+            <a:ext cx="4041775" cy="639762"/>
+          </a:xfrm>
+        </p:spPr>
+        <p:txBody>
+          <a:bodyPr anchor="b"/>
+          <a:lstStyle>
+            <a:lvl1pPr marL="0" indent="0">
+              <a:buNone/>
+              <a:defRPr sz="2400" b="1"/>
+            </a:lvl1pPr>
+            <a:lvl2pPr marL="457200" indent="0">
+              <a:buNone/>
+              <a:defRPr sz="2000" b="1"/>
+            </a:lvl2pPr>
+            <a:lvl3pPr marL="914400" indent="0">
+              <a:buNone/>
+              <a:defRPr sz="1800" b="1"/>
+            </a:lvl3pPr>
+            <a:lvl4pPr marL="1371600" indent="0">
+              <a:buNone/>
+              <a:defRPr sz="1600" b="1"/>
+            </a:lvl4pPr>
+            <a:lvl5pPr marL="1828800" indent="0">
+              <a:buNone/>
+              <a:defRPr sz="1600" b="1"/>
+            </a:lvl5pPr>
+            <a:lvl6pPr marL="2286000" indent="0">
+              <a:buNone/>
+              <a:defRPr sz="1600" b="1"/>
+            </a:lvl6pPr>
+            <a:lvl7pPr marL="2743200" indent="0">
+              <a:buNone/>
+              <a:defRPr sz="1600" b="1"/>
+            </a:lvl7pPr>
+            <a:lvl8pPr marL="3200400" indent="0">
+              <a:buNone/>
+              <a:defRPr sz="1600" b="1"/>
+            </a:lvl8pPr>
+            <a:lvl9pPr marL="3657600" indent="0">
+              <a:buNone/>
+              <a:defRPr sz="1600" b="1"/>
+            </a:lvl9pPr>
+          </a:lstStyle>
+          <a:p>
+            <a:pPr lvl="0"/>
+            <a:r>
+              <a:rPr lang="en-US"/>
+              <a:t>Edit Master text styles</a:t>
+            </a:r>
+          </a:p>
+        </p:txBody>
+      </p:sp>
+      <p:sp>
+        <p:nvSpPr>
+          <p:cNvPr id="6" name="Content Placeholder 5"/>
+          <p:cNvSpPr>
+            <a:spLocks noGrp="1"/>
+          </p:cNvSpPr>
+          <p:nvPr>
+            <p:ph sz="quarter" idx="4"/>
+          </p:nvPr>
+        </p:nvSpPr>
+        <p:spPr>
+          <a:xfrm>
+            <a:off x="4645025" y="2174875"/>
+            <a:ext cx="4041775" cy="3951288"/>
+          </a:xfrm>
+        </p:spPr>
+        <p:txBody>
+          <a:bodyPr/>
+          <a:lstStyle>
+            <a:lvl1pPr>
+              <a:defRPr sz="2400"/>
+            </a:lvl1pPr>
+            <a:lvl2pPr>
+              <a:defRPr sz="2000"/>
+            </a:lvl2pPr>
+            <a:lvl3pPr>
+              <a:defRPr sz="1800"/>
+            </a:lvl3pPr>
+            <a:lvl4pPr>
+              <a:defRPr sz="1600"/>
+            </a:lvl4pPr>
+            <a:lvl5pPr>
+              <a:defRPr sz="1600"/>
+            </a:lvl5pPr>
+            <a:lvl6pPr>
+              <a:defRPr sz="1600"/>
+            </a:lvl6pPr>
+            <a:lvl7pPr>
+              <a:defRPr sz="1600"/>
+            </a:lvl7pPr>
+            <a:lvl8pPr>
+              <a:defRPr sz="1600"/>
+            </a:lvl8pPr>
+            <a:lvl9pPr>
+              <a:defRPr sz="1600"/>
+            </a:lvl9pPr>
+          </a:lstStyle>
+          <a:p>
+            <a:pPr lvl="0"/>
+            <a:r>
+              <a:rPr lang="en-US"/>
+              <a:t>Edit Master text styles</a:t>
+            </a:r>
+          </a:p>
+          <a:p>
+            <a:pPr lvl="1"/>
+            <a:r>
+              <a:rPr lang="en-US"/>
+              <a:t>Second level</a:t>
+            </a:r>
+          </a:p>
+          <a:p>
+            <a:pPr lvl="2"/>
+            <a:r>
+              <a:rPr lang="en-US"/>
+              <a:t>Third level</a:t>
+            </a:r>
+          </a:p>
+          <a:p>
+            <a:pPr lvl="3"/>
+            <a:r>
+              <a:rPr lang="en-US"/>
+              <a:t>Fourth level</a:t>
+            </a:r>
+          </a:p>
+          <a:p>
+            <a:pPr lvl="4"/>
+            <a:r>
+              <a:rPr lang="en-US"/>
+              <a:t>Fifth level</a:t>
+            </a:r>
+            <a:endParaRPr lang="sv-SE" dirty="0"/>
+          </a:p>
+        </p:txBody>
+      </p:sp>
+    </p:spTree>
+    <p:extLst>
+      <p:ext uri="{BB962C8B-B14F-4D97-AF65-F5344CB8AC3E}">
+        <p14:creationId xmlns:p14="http://schemas.microsoft.com/office/powerpoint/2010/main" val="33840471"/>
+      </p:ext>
+    </p:extLst>
+  </p:cSld>
+  <p:clrMapOvr>
+    <a:masterClrMapping/>
+  </p:clrMapOvr>
+</p:sldLayout>
+</file>
+
+<file path=ppt/slideLayouts/slideLayout17.xml><?xml version="1.0" encoding="utf-8"?>
+<p:sldLayout xmlns:a="http://schemas.openxmlformats.org/drawingml/2006/main" xmlns:r="http://schemas.openxmlformats.org/officeDocument/2006/relationships" xmlns:p="http://schemas.openxmlformats.org/presentationml/2006/main" type="titleOnly" preserve="1">
+  <p:cSld name="Endast rubrik">
+    <p:spTree>
+      <p:nvGrpSpPr>
+        <p:cNvPr id="1" name=""/>
+        <p:cNvGrpSpPr/>
+        <p:nvPr/>
+      </p:nvGrpSpPr>
+      <p:grpSpPr>
+        <a:xfrm>
+          <a:off x="0" y="0"/>
+          <a:ext cx="0" cy="0"/>
+          <a:chOff x="0" y="0"/>
+          <a:chExt cx="0" cy="0"/>
+        </a:xfrm>
+      </p:grpSpPr>
+      <p:sp>
+        <p:nvSpPr>
+          <p:cNvPr id="2" name="Title 1"/>
+          <p:cNvSpPr>
+            <a:spLocks noGrp="1"/>
+          </p:cNvSpPr>
+          <p:nvPr>
+            <p:ph type="title"/>
+          </p:nvPr>
+        </p:nvSpPr>
+        <p:spPr/>
+        <p:txBody>
+          <a:bodyPr/>
+          <a:lstStyle/>
+          <a:p>
+            <a:r>
+              <a:rPr lang="en-US"/>
+              <a:t>Click to edit Master title style</a:t>
+            </a:r>
+            <a:endParaRPr lang="sv-SE"/>
+          </a:p>
+        </p:txBody>
+      </p:sp>
+    </p:spTree>
+    <p:extLst>
+      <p:ext uri="{BB962C8B-B14F-4D97-AF65-F5344CB8AC3E}">
+        <p14:creationId xmlns:p14="http://schemas.microsoft.com/office/powerpoint/2010/main" val="134760407"/>
+      </p:ext>
+    </p:extLst>
+  </p:cSld>
+  <p:clrMapOvr>
+    <a:masterClrMapping/>
+  </p:clrMapOvr>
+</p:sldLayout>
+</file>
+
+<file path=ppt/slideLayouts/slideLayout18.xml><?xml version="1.0" encoding="utf-8"?>
+<p:sldLayout xmlns:a="http://schemas.openxmlformats.org/drawingml/2006/main" xmlns:r="http://schemas.openxmlformats.org/officeDocument/2006/relationships" xmlns:p="http://schemas.openxmlformats.org/presentationml/2006/main" type="titleOnly" preserve="1">
+  <p:cSld name="Endast rubrik utan logga">
+    <p:spTree>
+      <p:nvGrpSpPr>
+        <p:cNvPr id="1" name=""/>
+        <p:cNvGrpSpPr/>
+        <p:nvPr/>
+      </p:nvGrpSpPr>
+      <p:grpSpPr>
+        <a:xfrm>
+          <a:off x="0" y="0"/>
+          <a:ext cx="0" cy="0"/>
+          <a:chOff x="0" y="0"/>
+          <a:chExt cx="0" cy="0"/>
+        </a:xfrm>
+      </p:grpSpPr>
+      <p:sp>
+        <p:nvSpPr>
+          <p:cNvPr id="2" name="Title 1"/>
+          <p:cNvSpPr>
+            <a:spLocks noGrp="1"/>
+          </p:cNvSpPr>
+          <p:nvPr>
+            <p:ph type="title"/>
+          </p:nvPr>
+        </p:nvSpPr>
+        <p:spPr/>
+        <p:txBody>
+          <a:bodyPr/>
+          <a:lstStyle/>
+          <a:p>
+            <a:r>
+              <a:rPr lang="en-US"/>
+              <a:t>Click to edit Master title style</a:t>
+            </a:r>
+            <a:endParaRPr lang="sv-SE"/>
+          </a:p>
+        </p:txBody>
+      </p:sp>
+      <p:sp>
+        <p:nvSpPr>
+          <p:cNvPr id="3" name="Rectangle 2"/>
+          <p:cNvSpPr/>
+          <p:nvPr/>
+        </p:nvSpPr>
+        <p:spPr bwMode="auto">
+          <a:xfrm>
+            <a:off x="7040947" y="5974854"/>
+            <a:ext cx="2088232" cy="864096"/>
+          </a:xfrm>
+          <a:prstGeom prst="rect">
+            <a:avLst/>
+          </a:prstGeom>
+          <a:solidFill>
+            <a:schemeClr val="accent3"/>
+          </a:solidFill>
+          <a:ln w="9525" cap="flat" cmpd="sng" algn="ctr">
+            <a:solidFill>
+              <a:schemeClr val="bg1"/>
+            </a:solidFill>
+            <a:prstDash val="solid"/>
+            <a:round/>
+            <a:headEnd type="none" w="med" len="med"/>
+            <a:tailEnd type="none" w="med" len="med"/>
+          </a:ln>
+          <a:effectLst/>
+        </p:spPr>
+        <p:txBody>
+          <a:bodyPr vert="horz" wrap="none" lIns="0" tIns="0" rIns="0" bIns="0" numCol="1" rtlCol="0" anchor="ctr" anchorCtr="0" compatLnSpc="1">
+            <a:prstTxWarp prst="textNoShape">
+              <a:avLst/>
+            </a:prstTxWarp>
+          </a:bodyPr>
+          <a:lstStyle/>
+          <a:p>
+            <a:pPr marL="0" marR="0" indent="0" algn="ctr" defTabSz="914400" rtl="0" eaLnBrk="1" fontAlgn="base" latinLnBrk="0" hangingPunct="1">
+              <a:lnSpc>
+                <a:spcPct val="100000"/>
+              </a:lnSpc>
+              <a:spcBef>
+                <a:spcPct val="0"/>
+              </a:spcBef>
+              <a:spcAft>
+                <a:spcPct val="0"/>
+              </a:spcAft>
+              <a:buClr>
+                <a:schemeClr val="bg2"/>
+              </a:buClr>
+              <a:buSzTx/>
+              <a:buFontTx/>
+              <a:buNone/>
+              <a:tabLst/>
+            </a:pPr>
+            <a:endParaRPr kumimoji="0" lang="sv-SE" sz="1600" b="0" i="0" u="none" strike="noStrike" cap="none" normalizeH="0" baseline="0">
+              <a:ln>
+                <a:noFill/>
+              </a:ln>
+              <a:solidFill>
+                <a:schemeClr val="tx1"/>
+              </a:solidFill>
+              <a:effectLst/>
+              <a:latin typeface="Arial" charset="0"/>
+            </a:endParaRPr>
+          </a:p>
+        </p:txBody>
+      </p:sp>
+    </p:spTree>
+    <p:extLst>
+      <p:ext uri="{BB962C8B-B14F-4D97-AF65-F5344CB8AC3E}">
+        <p14:creationId xmlns:p14="http://schemas.microsoft.com/office/powerpoint/2010/main" val="4261480819"/>
+      </p:ext>
+    </p:extLst>
+  </p:cSld>
+  <p:clrMapOvr>
+    <a:masterClrMapping/>
+  </p:clrMapOvr>
+</p:sldLayout>
+</file>
+
+<file path=ppt/slideLayouts/slideLayout19.xml><?xml version="1.0" encoding="utf-8"?>
+<p:sldLayout xmlns:a="http://schemas.openxmlformats.org/drawingml/2006/main" xmlns:r="http://schemas.openxmlformats.org/officeDocument/2006/relationships" xmlns:p="http://schemas.openxmlformats.org/presentationml/2006/main" type="blank" preserve="1">
+  <p:cSld name="Tom">
+    <p:spTree>
+      <p:nvGrpSpPr>
+        <p:cNvPr id="1" name=""/>
+        <p:cNvGrpSpPr/>
+        <p:nvPr/>
+      </p:nvGrpSpPr>
+      <p:grpSpPr>
+        <a:xfrm>
+          <a:off x="0" y="0"/>
+          <a:ext cx="0" cy="0"/>
+          <a:chOff x="0" y="0"/>
+          <a:chExt cx="0" cy="0"/>
+        </a:xfrm>
+      </p:grpSpPr>
+    </p:spTree>
+    <p:extLst>
+      <p:ext uri="{BB962C8B-B14F-4D97-AF65-F5344CB8AC3E}">
+        <p14:creationId xmlns:p14="http://schemas.microsoft.com/office/powerpoint/2010/main" val="2942207496"/>
       </p:ext>
     </p:extLst>
   </p:cSld>
@@ -12102,7 +13522,7 @@
           <a:p>
             <a:fld id="{FB5BBD6E-ABA3-4DD9-ABCF-19D1AD89DF88}" type="datetimeFigureOut">
               <a:rPr lang="en-US" smtClean="0"/>
-              <a:t>12/13/2016</a:t>
+              <a:t>12/16/2016</a:t>
             </a:fld>
             <a:endParaRPr lang="en-US"/>
           </a:p>
@@ -12154,6 +13574,1062 @@
     <p:extLst>
       <p:ext uri="{BB962C8B-B14F-4D97-AF65-F5344CB8AC3E}">
         <p14:creationId xmlns:p14="http://schemas.microsoft.com/office/powerpoint/2010/main" val="895972212"/>
+      </p:ext>
+    </p:extLst>
+  </p:cSld>
+  <p:clrMapOvr>
+    <a:masterClrMapping/>
+  </p:clrMapOvr>
+</p:sldLayout>
+</file>
+
+<file path=ppt/slideLayouts/slideLayout20.xml><?xml version="1.0" encoding="utf-8"?>
+<p:sldLayout xmlns:a="http://schemas.openxmlformats.org/drawingml/2006/main" xmlns:r="http://schemas.openxmlformats.org/officeDocument/2006/relationships" xmlns:p="http://schemas.openxmlformats.org/presentationml/2006/main" showMasterSp="0" type="titleOnly" preserve="1">
+  <p:cSld name="Helt tom med rubrik">
+    <p:spTree>
+      <p:nvGrpSpPr>
+        <p:cNvPr id="1" name=""/>
+        <p:cNvGrpSpPr/>
+        <p:nvPr/>
+      </p:nvGrpSpPr>
+      <p:grpSpPr>
+        <a:xfrm>
+          <a:off x="0" y="0"/>
+          <a:ext cx="0" cy="0"/>
+          <a:chOff x="0" y="0"/>
+          <a:chExt cx="0" cy="0"/>
+        </a:xfrm>
+      </p:grpSpPr>
+      <p:sp>
+        <p:nvSpPr>
+          <p:cNvPr id="2" name="Title 1"/>
+          <p:cNvSpPr>
+            <a:spLocks noGrp="1"/>
+          </p:cNvSpPr>
+          <p:nvPr>
+            <p:ph type="title"/>
+          </p:nvPr>
+        </p:nvSpPr>
+        <p:spPr/>
+        <p:txBody>
+          <a:bodyPr/>
+          <a:lstStyle/>
+          <a:p>
+            <a:r>
+              <a:rPr lang="en-US"/>
+              <a:t>Click to edit Master title style</a:t>
+            </a:r>
+            <a:endParaRPr lang="sv-SE"/>
+          </a:p>
+        </p:txBody>
+      </p:sp>
+    </p:spTree>
+    <p:extLst>
+      <p:ext uri="{BB962C8B-B14F-4D97-AF65-F5344CB8AC3E}">
+        <p14:creationId xmlns:p14="http://schemas.microsoft.com/office/powerpoint/2010/main" val="2566669080"/>
+      </p:ext>
+    </p:extLst>
+  </p:cSld>
+  <p:clrMapOvr>
+    <a:masterClrMapping/>
+  </p:clrMapOvr>
+</p:sldLayout>
+</file>
+
+<file path=ppt/slideLayouts/slideLayout21.xml><?xml version="1.0" encoding="utf-8"?>
+<p:sldLayout xmlns:a="http://schemas.openxmlformats.org/drawingml/2006/main" xmlns:r="http://schemas.openxmlformats.org/officeDocument/2006/relationships" xmlns:p="http://schemas.openxmlformats.org/presentationml/2006/main" showMasterSp="0" type="blank" preserve="1">
+  <p:cSld name="HeltTom">
+    <p:spTree>
+      <p:nvGrpSpPr>
+        <p:cNvPr id="1" name=""/>
+        <p:cNvGrpSpPr/>
+        <p:nvPr/>
+      </p:nvGrpSpPr>
+      <p:grpSpPr>
+        <a:xfrm>
+          <a:off x="0" y="0"/>
+          <a:ext cx="0" cy="0"/>
+          <a:chOff x="0" y="0"/>
+          <a:chExt cx="0" cy="0"/>
+        </a:xfrm>
+      </p:grpSpPr>
+    </p:spTree>
+    <p:extLst>
+      <p:ext uri="{BB962C8B-B14F-4D97-AF65-F5344CB8AC3E}">
+        <p14:creationId xmlns:p14="http://schemas.microsoft.com/office/powerpoint/2010/main" val="2758045227"/>
+      </p:ext>
+    </p:extLst>
+  </p:cSld>
+  <p:clrMapOvr>
+    <a:masterClrMapping/>
+  </p:clrMapOvr>
+</p:sldLayout>
+</file>
+
+<file path=ppt/slideLayouts/slideLayout22.xml><?xml version="1.0" encoding="utf-8"?>
+<p:sldLayout xmlns:a="http://schemas.openxmlformats.org/drawingml/2006/main" xmlns:r="http://schemas.openxmlformats.org/officeDocument/2006/relationships" xmlns:p="http://schemas.openxmlformats.org/presentationml/2006/main" type="objTx" preserve="1">
+  <p:cSld name="Innehåll med bildtext">
+    <p:spTree>
+      <p:nvGrpSpPr>
+        <p:cNvPr id="1" name=""/>
+        <p:cNvGrpSpPr/>
+        <p:nvPr/>
+      </p:nvGrpSpPr>
+      <p:grpSpPr>
+        <a:xfrm>
+          <a:off x="0" y="0"/>
+          <a:ext cx="0" cy="0"/>
+          <a:chOff x="0" y="0"/>
+          <a:chExt cx="0" cy="0"/>
+        </a:xfrm>
+      </p:grpSpPr>
+      <p:sp>
+        <p:nvSpPr>
+          <p:cNvPr id="2" name="Title 1"/>
+          <p:cNvSpPr>
+            <a:spLocks noGrp="1"/>
+          </p:cNvSpPr>
+          <p:nvPr>
+            <p:ph type="title"/>
+          </p:nvPr>
+        </p:nvSpPr>
+        <p:spPr>
+          <a:xfrm>
+            <a:off x="457200" y="273050"/>
+            <a:ext cx="3008313" cy="1162050"/>
+          </a:xfrm>
+        </p:spPr>
+        <p:txBody>
+          <a:bodyPr anchor="b"/>
+          <a:lstStyle>
+            <a:lvl1pPr algn="l">
+              <a:defRPr sz="2000" b="1"/>
+            </a:lvl1pPr>
+          </a:lstStyle>
+          <a:p>
+            <a:r>
+              <a:rPr lang="en-US"/>
+              <a:t>Click to edit Master title style</a:t>
+            </a:r>
+            <a:endParaRPr lang="sv-SE"/>
+          </a:p>
+        </p:txBody>
+      </p:sp>
+      <p:sp>
+        <p:nvSpPr>
+          <p:cNvPr id="3" name="Content Placeholder 2"/>
+          <p:cNvSpPr>
+            <a:spLocks noGrp="1"/>
+          </p:cNvSpPr>
+          <p:nvPr>
+            <p:ph idx="1"/>
+          </p:nvPr>
+        </p:nvSpPr>
+        <p:spPr>
+          <a:xfrm>
+            <a:off x="3575050" y="273050"/>
+            <a:ext cx="5111750" cy="5853113"/>
+          </a:xfrm>
+        </p:spPr>
+        <p:txBody>
+          <a:bodyPr/>
+          <a:lstStyle>
+            <a:lvl1pPr>
+              <a:defRPr sz="3200"/>
+            </a:lvl1pPr>
+            <a:lvl2pPr>
+              <a:defRPr sz="2800"/>
+            </a:lvl2pPr>
+            <a:lvl3pPr>
+              <a:defRPr sz="2400"/>
+            </a:lvl3pPr>
+            <a:lvl4pPr>
+              <a:defRPr sz="2000"/>
+            </a:lvl4pPr>
+            <a:lvl5pPr>
+              <a:defRPr sz="2000"/>
+            </a:lvl5pPr>
+            <a:lvl6pPr>
+              <a:defRPr sz="2000"/>
+            </a:lvl6pPr>
+            <a:lvl7pPr>
+              <a:defRPr sz="2000"/>
+            </a:lvl7pPr>
+            <a:lvl8pPr>
+              <a:defRPr sz="2000"/>
+            </a:lvl8pPr>
+            <a:lvl9pPr>
+              <a:defRPr sz="2000"/>
+            </a:lvl9pPr>
+          </a:lstStyle>
+          <a:p>
+            <a:pPr lvl="0"/>
+            <a:r>
+              <a:rPr lang="en-US"/>
+              <a:t>Edit Master text styles</a:t>
+            </a:r>
+          </a:p>
+          <a:p>
+            <a:pPr lvl="1"/>
+            <a:r>
+              <a:rPr lang="en-US"/>
+              <a:t>Second level</a:t>
+            </a:r>
+          </a:p>
+          <a:p>
+            <a:pPr lvl="2"/>
+            <a:r>
+              <a:rPr lang="en-US"/>
+              <a:t>Third level</a:t>
+            </a:r>
+          </a:p>
+          <a:p>
+            <a:pPr lvl="3"/>
+            <a:r>
+              <a:rPr lang="en-US"/>
+              <a:t>Fourth level</a:t>
+            </a:r>
+          </a:p>
+          <a:p>
+            <a:pPr lvl="4"/>
+            <a:r>
+              <a:rPr lang="en-US"/>
+              <a:t>Fifth level</a:t>
+            </a:r>
+            <a:endParaRPr lang="sv-SE"/>
+          </a:p>
+        </p:txBody>
+      </p:sp>
+      <p:sp>
+        <p:nvSpPr>
+          <p:cNvPr id="4" name="Text Placeholder 3"/>
+          <p:cNvSpPr>
+            <a:spLocks noGrp="1"/>
+          </p:cNvSpPr>
+          <p:nvPr>
+            <p:ph type="body" sz="half" idx="2"/>
+          </p:nvPr>
+        </p:nvSpPr>
+        <p:spPr>
+          <a:xfrm>
+            <a:off x="457200" y="1435100"/>
+            <a:ext cx="3008313" cy="4691063"/>
+          </a:xfrm>
+        </p:spPr>
+        <p:txBody>
+          <a:bodyPr/>
+          <a:lstStyle>
+            <a:lvl1pPr marL="0" indent="0">
+              <a:buNone/>
+              <a:defRPr sz="1400"/>
+            </a:lvl1pPr>
+            <a:lvl2pPr marL="457200" indent="0">
+              <a:buNone/>
+              <a:defRPr sz="1200"/>
+            </a:lvl2pPr>
+            <a:lvl3pPr marL="914400" indent="0">
+              <a:buNone/>
+              <a:defRPr sz="1000"/>
+            </a:lvl3pPr>
+            <a:lvl4pPr marL="1371600" indent="0">
+              <a:buNone/>
+              <a:defRPr sz="900"/>
+            </a:lvl4pPr>
+            <a:lvl5pPr marL="1828800" indent="0">
+              <a:buNone/>
+              <a:defRPr sz="900"/>
+            </a:lvl5pPr>
+            <a:lvl6pPr marL="2286000" indent="0">
+              <a:buNone/>
+              <a:defRPr sz="900"/>
+            </a:lvl6pPr>
+            <a:lvl7pPr marL="2743200" indent="0">
+              <a:buNone/>
+              <a:defRPr sz="900"/>
+            </a:lvl7pPr>
+            <a:lvl8pPr marL="3200400" indent="0">
+              <a:buNone/>
+              <a:defRPr sz="900"/>
+            </a:lvl8pPr>
+            <a:lvl9pPr marL="3657600" indent="0">
+              <a:buNone/>
+              <a:defRPr sz="900"/>
+            </a:lvl9pPr>
+          </a:lstStyle>
+          <a:p>
+            <a:pPr lvl="0"/>
+            <a:r>
+              <a:rPr lang="en-US"/>
+              <a:t>Edit Master text styles</a:t>
+            </a:r>
+          </a:p>
+        </p:txBody>
+      </p:sp>
+    </p:spTree>
+    <p:extLst>
+      <p:ext uri="{BB962C8B-B14F-4D97-AF65-F5344CB8AC3E}">
+        <p14:creationId xmlns:p14="http://schemas.microsoft.com/office/powerpoint/2010/main" val="68487490"/>
+      </p:ext>
+    </p:extLst>
+  </p:cSld>
+  <p:clrMapOvr>
+    <a:masterClrMapping/>
+  </p:clrMapOvr>
+</p:sldLayout>
+</file>
+
+<file path=ppt/slideLayouts/slideLayout23.xml><?xml version="1.0" encoding="utf-8"?>
+<p:sldLayout xmlns:a="http://schemas.openxmlformats.org/drawingml/2006/main" xmlns:r="http://schemas.openxmlformats.org/officeDocument/2006/relationships" xmlns:p="http://schemas.openxmlformats.org/presentationml/2006/main" type="picTx" preserve="1">
+  <p:cSld name="Bild med bildtext">
+    <p:spTree>
+      <p:nvGrpSpPr>
+        <p:cNvPr id="1" name=""/>
+        <p:cNvGrpSpPr/>
+        <p:nvPr/>
+      </p:nvGrpSpPr>
+      <p:grpSpPr>
+        <a:xfrm>
+          <a:off x="0" y="0"/>
+          <a:ext cx="0" cy="0"/>
+          <a:chOff x="0" y="0"/>
+          <a:chExt cx="0" cy="0"/>
+        </a:xfrm>
+      </p:grpSpPr>
+      <p:sp>
+        <p:nvSpPr>
+          <p:cNvPr id="2" name="Title 1"/>
+          <p:cNvSpPr>
+            <a:spLocks noGrp="1"/>
+          </p:cNvSpPr>
+          <p:nvPr>
+            <p:ph type="title"/>
+          </p:nvPr>
+        </p:nvSpPr>
+        <p:spPr>
+          <a:xfrm>
+            <a:off x="1792288" y="4800600"/>
+            <a:ext cx="5486400" cy="566738"/>
+          </a:xfrm>
+        </p:spPr>
+        <p:txBody>
+          <a:bodyPr anchor="b"/>
+          <a:lstStyle>
+            <a:lvl1pPr algn="l">
+              <a:defRPr sz="2000" b="1"/>
+            </a:lvl1pPr>
+          </a:lstStyle>
+          <a:p>
+            <a:r>
+              <a:rPr lang="en-US"/>
+              <a:t>Click to edit Master title style</a:t>
+            </a:r>
+            <a:endParaRPr lang="sv-SE"/>
+          </a:p>
+        </p:txBody>
+      </p:sp>
+      <p:sp>
+        <p:nvSpPr>
+          <p:cNvPr id="3" name="Picture Placeholder 2"/>
+          <p:cNvSpPr>
+            <a:spLocks noGrp="1"/>
+          </p:cNvSpPr>
+          <p:nvPr>
+            <p:ph type="pic" idx="1"/>
+          </p:nvPr>
+        </p:nvSpPr>
+        <p:spPr>
+          <a:xfrm>
+            <a:off x="1792288" y="612775"/>
+            <a:ext cx="5486400" cy="4114800"/>
+          </a:xfrm>
+        </p:spPr>
+        <p:txBody>
+          <a:bodyPr/>
+          <a:lstStyle>
+            <a:lvl1pPr marL="0" indent="0">
+              <a:buNone/>
+              <a:defRPr sz="3200"/>
+            </a:lvl1pPr>
+            <a:lvl2pPr marL="457200" indent="0">
+              <a:buNone/>
+              <a:defRPr sz="2800"/>
+            </a:lvl2pPr>
+            <a:lvl3pPr marL="914400" indent="0">
+              <a:buNone/>
+              <a:defRPr sz="2400"/>
+            </a:lvl3pPr>
+            <a:lvl4pPr marL="1371600" indent="0">
+              <a:buNone/>
+              <a:defRPr sz="2000"/>
+            </a:lvl4pPr>
+            <a:lvl5pPr marL="1828800" indent="0">
+              <a:buNone/>
+              <a:defRPr sz="2000"/>
+            </a:lvl5pPr>
+            <a:lvl6pPr marL="2286000" indent="0">
+              <a:buNone/>
+              <a:defRPr sz="2000"/>
+            </a:lvl6pPr>
+            <a:lvl7pPr marL="2743200" indent="0">
+              <a:buNone/>
+              <a:defRPr sz="2000"/>
+            </a:lvl7pPr>
+            <a:lvl8pPr marL="3200400" indent="0">
+              <a:buNone/>
+              <a:defRPr sz="2000"/>
+            </a:lvl8pPr>
+            <a:lvl9pPr marL="3657600" indent="0">
+              <a:buNone/>
+              <a:defRPr sz="2000"/>
+            </a:lvl9pPr>
+          </a:lstStyle>
+          <a:p>
+            <a:pPr lvl="0"/>
+            <a:r>
+              <a:rPr lang="en-US" noProof="0"/>
+              <a:t>Click icon to add picture</a:t>
+            </a:r>
+            <a:endParaRPr lang="sv-SE" noProof="0"/>
+          </a:p>
+        </p:txBody>
+      </p:sp>
+      <p:sp>
+        <p:nvSpPr>
+          <p:cNvPr id="4" name="Text Placeholder 3"/>
+          <p:cNvSpPr>
+            <a:spLocks noGrp="1"/>
+          </p:cNvSpPr>
+          <p:nvPr>
+            <p:ph type="body" sz="half" idx="2"/>
+          </p:nvPr>
+        </p:nvSpPr>
+        <p:spPr>
+          <a:xfrm>
+            <a:off x="1792288" y="5367338"/>
+            <a:ext cx="5486400" cy="804862"/>
+          </a:xfrm>
+        </p:spPr>
+        <p:txBody>
+          <a:bodyPr/>
+          <a:lstStyle>
+            <a:lvl1pPr marL="0" indent="0">
+              <a:buNone/>
+              <a:defRPr sz="1400"/>
+            </a:lvl1pPr>
+            <a:lvl2pPr marL="457200" indent="0">
+              <a:buNone/>
+              <a:defRPr sz="1200"/>
+            </a:lvl2pPr>
+            <a:lvl3pPr marL="914400" indent="0">
+              <a:buNone/>
+              <a:defRPr sz="1000"/>
+            </a:lvl3pPr>
+            <a:lvl4pPr marL="1371600" indent="0">
+              <a:buNone/>
+              <a:defRPr sz="900"/>
+            </a:lvl4pPr>
+            <a:lvl5pPr marL="1828800" indent="0">
+              <a:buNone/>
+              <a:defRPr sz="900"/>
+            </a:lvl5pPr>
+            <a:lvl6pPr marL="2286000" indent="0">
+              <a:buNone/>
+              <a:defRPr sz="900"/>
+            </a:lvl6pPr>
+            <a:lvl7pPr marL="2743200" indent="0">
+              <a:buNone/>
+              <a:defRPr sz="900"/>
+            </a:lvl7pPr>
+            <a:lvl8pPr marL="3200400" indent="0">
+              <a:buNone/>
+              <a:defRPr sz="900"/>
+            </a:lvl8pPr>
+            <a:lvl9pPr marL="3657600" indent="0">
+              <a:buNone/>
+              <a:defRPr sz="900"/>
+            </a:lvl9pPr>
+          </a:lstStyle>
+          <a:p>
+            <a:pPr lvl="0"/>
+            <a:r>
+              <a:rPr lang="en-US"/>
+              <a:t>Edit Master text styles</a:t>
+            </a:r>
+          </a:p>
+        </p:txBody>
+      </p:sp>
+    </p:spTree>
+    <p:extLst>
+      <p:ext uri="{BB962C8B-B14F-4D97-AF65-F5344CB8AC3E}">
+        <p14:creationId xmlns:p14="http://schemas.microsoft.com/office/powerpoint/2010/main" val="3810733920"/>
+      </p:ext>
+    </p:extLst>
+  </p:cSld>
+  <p:clrMapOvr>
+    <a:masterClrMapping/>
+  </p:clrMapOvr>
+</p:sldLayout>
+</file>
+
+<file path=ppt/slideLayouts/slideLayout24.xml><?xml version="1.0" encoding="utf-8"?>
+<p:sldLayout xmlns:a="http://schemas.openxmlformats.org/drawingml/2006/main" xmlns:r="http://schemas.openxmlformats.org/officeDocument/2006/relationships" xmlns:p="http://schemas.openxmlformats.org/presentationml/2006/main" type="vertTx" preserve="1">
+  <p:cSld name="Rubrik och lodrät text">
+    <p:spTree>
+      <p:nvGrpSpPr>
+        <p:cNvPr id="1" name=""/>
+        <p:cNvGrpSpPr/>
+        <p:nvPr/>
+      </p:nvGrpSpPr>
+      <p:grpSpPr>
+        <a:xfrm>
+          <a:off x="0" y="0"/>
+          <a:ext cx="0" cy="0"/>
+          <a:chOff x="0" y="0"/>
+          <a:chExt cx="0" cy="0"/>
+        </a:xfrm>
+      </p:grpSpPr>
+      <p:sp>
+        <p:nvSpPr>
+          <p:cNvPr id="2" name="Title 1"/>
+          <p:cNvSpPr>
+            <a:spLocks noGrp="1"/>
+          </p:cNvSpPr>
+          <p:nvPr>
+            <p:ph type="title"/>
+          </p:nvPr>
+        </p:nvSpPr>
+        <p:spPr/>
+        <p:txBody>
+          <a:bodyPr/>
+          <a:lstStyle/>
+          <a:p>
+            <a:r>
+              <a:rPr lang="en-US"/>
+              <a:t>Click to edit Master title style</a:t>
+            </a:r>
+            <a:endParaRPr lang="sv-SE"/>
+          </a:p>
+        </p:txBody>
+      </p:sp>
+      <p:sp>
+        <p:nvSpPr>
+          <p:cNvPr id="3" name="Vertical Text Placeholder 2"/>
+          <p:cNvSpPr>
+            <a:spLocks noGrp="1"/>
+          </p:cNvSpPr>
+          <p:nvPr>
+            <p:ph type="body" orient="vert" idx="1"/>
+          </p:nvPr>
+        </p:nvSpPr>
+        <p:spPr/>
+        <p:txBody>
+          <a:bodyPr vert="eaVert"/>
+          <a:lstStyle/>
+          <a:p>
+            <a:pPr lvl="0"/>
+            <a:r>
+              <a:rPr lang="en-US"/>
+              <a:t>Edit Master text styles</a:t>
+            </a:r>
+          </a:p>
+          <a:p>
+            <a:pPr lvl="1"/>
+            <a:r>
+              <a:rPr lang="en-US"/>
+              <a:t>Second level</a:t>
+            </a:r>
+          </a:p>
+          <a:p>
+            <a:pPr lvl="2"/>
+            <a:r>
+              <a:rPr lang="en-US"/>
+              <a:t>Third level</a:t>
+            </a:r>
+          </a:p>
+          <a:p>
+            <a:pPr lvl="3"/>
+            <a:r>
+              <a:rPr lang="en-US"/>
+              <a:t>Fourth level</a:t>
+            </a:r>
+          </a:p>
+          <a:p>
+            <a:pPr lvl="4"/>
+            <a:r>
+              <a:rPr lang="en-US"/>
+              <a:t>Fifth level</a:t>
+            </a:r>
+            <a:endParaRPr lang="sv-SE"/>
+          </a:p>
+        </p:txBody>
+      </p:sp>
+    </p:spTree>
+    <p:extLst>
+      <p:ext uri="{BB962C8B-B14F-4D97-AF65-F5344CB8AC3E}">
+        <p14:creationId xmlns:p14="http://schemas.microsoft.com/office/powerpoint/2010/main" val="2379490675"/>
+      </p:ext>
+    </p:extLst>
+  </p:cSld>
+  <p:clrMapOvr>
+    <a:masterClrMapping/>
+  </p:clrMapOvr>
+</p:sldLayout>
+</file>
+
+<file path=ppt/slideLayouts/slideLayout25.xml><?xml version="1.0" encoding="utf-8"?>
+<p:sldLayout xmlns:a="http://schemas.openxmlformats.org/drawingml/2006/main" xmlns:r="http://schemas.openxmlformats.org/officeDocument/2006/relationships" xmlns:p="http://schemas.openxmlformats.org/presentationml/2006/main" type="vertTitleAndTx" preserve="1">
+  <p:cSld name="Lodrät rubrik och text">
+    <p:spTree>
+      <p:nvGrpSpPr>
+        <p:cNvPr id="1" name=""/>
+        <p:cNvGrpSpPr/>
+        <p:nvPr/>
+      </p:nvGrpSpPr>
+      <p:grpSpPr>
+        <a:xfrm>
+          <a:off x="0" y="0"/>
+          <a:ext cx="0" cy="0"/>
+          <a:chOff x="0" y="0"/>
+          <a:chExt cx="0" cy="0"/>
+        </a:xfrm>
+      </p:grpSpPr>
+      <p:sp>
+        <p:nvSpPr>
+          <p:cNvPr id="2" name="Vertical Title 1"/>
+          <p:cNvSpPr>
+            <a:spLocks noGrp="1"/>
+          </p:cNvSpPr>
+          <p:nvPr>
+            <p:ph type="title" orient="vert"/>
+          </p:nvPr>
+        </p:nvSpPr>
+        <p:spPr>
+          <a:xfrm>
+            <a:off x="6661150" y="765175"/>
+            <a:ext cx="2087563" cy="5327650"/>
+          </a:xfrm>
+        </p:spPr>
+        <p:txBody>
+          <a:bodyPr vert="eaVert"/>
+          <a:lstStyle/>
+          <a:p>
+            <a:r>
+              <a:rPr lang="en-US"/>
+              <a:t>Click to edit Master title style</a:t>
+            </a:r>
+            <a:endParaRPr lang="sv-SE"/>
+          </a:p>
+        </p:txBody>
+      </p:sp>
+      <p:sp>
+        <p:nvSpPr>
+          <p:cNvPr id="3" name="Vertical Text Placeholder 2"/>
+          <p:cNvSpPr>
+            <a:spLocks noGrp="1"/>
+          </p:cNvSpPr>
+          <p:nvPr>
+            <p:ph type="body" orient="vert" idx="1"/>
+          </p:nvPr>
+        </p:nvSpPr>
+        <p:spPr>
+          <a:xfrm>
+            <a:off x="395288" y="765175"/>
+            <a:ext cx="6113462" cy="5327650"/>
+          </a:xfrm>
+        </p:spPr>
+        <p:txBody>
+          <a:bodyPr vert="eaVert"/>
+          <a:lstStyle/>
+          <a:p>
+            <a:pPr lvl="0"/>
+            <a:r>
+              <a:rPr lang="en-US"/>
+              <a:t>Edit Master text styles</a:t>
+            </a:r>
+          </a:p>
+          <a:p>
+            <a:pPr lvl="1"/>
+            <a:r>
+              <a:rPr lang="en-US"/>
+              <a:t>Second level</a:t>
+            </a:r>
+          </a:p>
+          <a:p>
+            <a:pPr lvl="2"/>
+            <a:r>
+              <a:rPr lang="en-US"/>
+              <a:t>Third level</a:t>
+            </a:r>
+          </a:p>
+          <a:p>
+            <a:pPr lvl="3"/>
+            <a:r>
+              <a:rPr lang="en-US"/>
+              <a:t>Fourth level</a:t>
+            </a:r>
+          </a:p>
+          <a:p>
+            <a:pPr lvl="4"/>
+            <a:r>
+              <a:rPr lang="en-US"/>
+              <a:t>Fifth level</a:t>
+            </a:r>
+            <a:endParaRPr lang="sv-SE"/>
+          </a:p>
+        </p:txBody>
+      </p:sp>
+    </p:spTree>
+    <p:extLst>
+      <p:ext uri="{BB962C8B-B14F-4D97-AF65-F5344CB8AC3E}">
+        <p14:creationId xmlns:p14="http://schemas.microsoft.com/office/powerpoint/2010/main" val="756559421"/>
+      </p:ext>
+    </p:extLst>
+  </p:cSld>
+  <p:clrMapOvr>
+    <a:masterClrMapping/>
+  </p:clrMapOvr>
+</p:sldLayout>
+</file>
+
+<file path=ppt/slideLayouts/slideLayout26.xml><?xml version="1.0" encoding="utf-8"?>
+<p:sldLayout xmlns:a="http://schemas.openxmlformats.org/drawingml/2006/main" xmlns:r="http://schemas.openxmlformats.org/officeDocument/2006/relationships" xmlns:p="http://schemas.openxmlformats.org/presentationml/2006/main" type="tbl">
+  <p:cSld name="Title and Table">
+    <p:spTree>
+      <p:nvGrpSpPr>
+        <p:cNvPr id="1" name=""/>
+        <p:cNvGrpSpPr/>
+        <p:nvPr/>
+      </p:nvGrpSpPr>
+      <p:grpSpPr>
+        <a:xfrm>
+          <a:off x="0" y="0"/>
+          <a:ext cx="0" cy="0"/>
+          <a:chOff x="0" y="0"/>
+          <a:chExt cx="0" cy="0"/>
+        </a:xfrm>
+      </p:grpSpPr>
+      <p:sp>
+        <p:nvSpPr>
+          <p:cNvPr id="2" name="Title 1"/>
+          <p:cNvSpPr>
+            <a:spLocks noGrp="1"/>
+          </p:cNvSpPr>
+          <p:nvPr>
+            <p:ph type="title"/>
+          </p:nvPr>
+        </p:nvSpPr>
+        <p:spPr>
+          <a:xfrm>
+            <a:off x="460375" y="167357"/>
+            <a:ext cx="7773988" cy="741363"/>
+          </a:xfrm>
+        </p:spPr>
+        <p:txBody>
+          <a:bodyPr/>
+          <a:lstStyle/>
+          <a:p>
+            <a:r>
+              <a:rPr lang="en-US"/>
+              <a:t>Click to edit Master title style</a:t>
+            </a:r>
+          </a:p>
+        </p:txBody>
+      </p:sp>
+      <p:sp>
+        <p:nvSpPr>
+          <p:cNvPr id="3" name="Table Placeholder 2"/>
+          <p:cNvSpPr>
+            <a:spLocks noGrp="1"/>
+          </p:cNvSpPr>
+          <p:nvPr>
+            <p:ph type="tbl" idx="1"/>
+          </p:nvPr>
+        </p:nvSpPr>
+        <p:spPr>
+          <a:xfrm>
+            <a:off x="458788" y="992188"/>
+            <a:ext cx="7751762" cy="4386262"/>
+          </a:xfrm>
+        </p:spPr>
+        <p:txBody>
+          <a:bodyPr/>
+          <a:lstStyle/>
+          <a:p>
+            <a:pPr lvl="0"/>
+            <a:r>
+              <a:rPr lang="en-US" noProof="0"/>
+              <a:t>Click icon to add table</a:t>
+            </a:r>
+          </a:p>
+        </p:txBody>
+      </p:sp>
+    </p:spTree>
+    <p:extLst>
+      <p:ext uri="{BB962C8B-B14F-4D97-AF65-F5344CB8AC3E}">
+        <p14:creationId xmlns:p14="http://schemas.microsoft.com/office/powerpoint/2010/main" val="4104728769"/>
+      </p:ext>
+    </p:extLst>
+  </p:cSld>
+  <p:clrMapOvr>
+    <a:masterClrMapping/>
+  </p:clrMapOvr>
+</p:sldLayout>
+</file>
+
+<file path=ppt/slideLayouts/slideLayout27.xml><?xml version="1.0" encoding="utf-8"?>
+<p:sldLayout xmlns:a="http://schemas.openxmlformats.org/drawingml/2006/main" xmlns:r="http://schemas.openxmlformats.org/officeDocument/2006/relationships" xmlns:p="http://schemas.openxmlformats.org/presentationml/2006/main">
+  <p:cSld name="1_Title and Content">
+    <p:spTree>
+      <p:nvGrpSpPr>
+        <p:cNvPr id="1" name=""/>
+        <p:cNvGrpSpPr/>
+        <p:nvPr/>
+      </p:nvGrpSpPr>
+      <p:grpSpPr>
+        <a:xfrm>
+          <a:off x="0" y="0"/>
+          <a:ext cx="0" cy="0"/>
+          <a:chOff x="0" y="0"/>
+          <a:chExt cx="0" cy="0"/>
+        </a:xfrm>
+      </p:grpSpPr>
+      <p:sp>
+        <p:nvSpPr>
+          <p:cNvPr id="2" name="Title 1"/>
+          <p:cNvSpPr>
+            <a:spLocks noGrp="1"/>
+          </p:cNvSpPr>
+          <p:nvPr>
+            <p:ph type="title"/>
+          </p:nvPr>
+        </p:nvSpPr>
+        <p:spPr/>
+        <p:txBody>
+          <a:bodyPr/>
+          <a:lstStyle>
+            <a:lvl1pPr>
+              <a:defRPr>
+                <a:latin typeface="+mj-lt"/>
+              </a:defRPr>
+            </a:lvl1pPr>
+          </a:lstStyle>
+          <a:p>
+            <a:r>
+              <a:rPr lang="en-US"/>
+              <a:t>Click to edit Master title style</a:t>
+            </a:r>
+            <a:endParaRPr lang="en-US" dirty="0"/>
+          </a:p>
+        </p:txBody>
+      </p:sp>
+      <p:sp>
+        <p:nvSpPr>
+          <p:cNvPr id="6" name="Text Placeholder 5"/>
+          <p:cNvSpPr>
+            <a:spLocks noGrp="1"/>
+          </p:cNvSpPr>
+          <p:nvPr>
+            <p:ph type="body" sz="quarter" idx="10"/>
+          </p:nvPr>
+        </p:nvSpPr>
+        <p:spPr>
+          <a:xfrm>
+            <a:off x="381000" y="1411552"/>
+            <a:ext cx="8382000" cy="2210862"/>
+          </a:xfrm>
+        </p:spPr>
+        <p:txBody>
+          <a:bodyPr/>
+          <a:lstStyle>
+            <a:lvl1pPr>
+              <a:lnSpc>
+                <a:spcPct val="90000"/>
+              </a:lnSpc>
+              <a:defRPr>
+                <a:latin typeface="+mn-lt"/>
+              </a:defRPr>
+            </a:lvl1pPr>
+            <a:lvl2pPr>
+              <a:lnSpc>
+                <a:spcPct val="90000"/>
+              </a:lnSpc>
+              <a:defRPr>
+                <a:latin typeface="+mn-lt"/>
+              </a:defRPr>
+            </a:lvl2pPr>
+            <a:lvl3pPr>
+              <a:lnSpc>
+                <a:spcPct val="90000"/>
+              </a:lnSpc>
+              <a:defRPr>
+                <a:latin typeface="+mn-lt"/>
+              </a:defRPr>
+            </a:lvl3pPr>
+            <a:lvl4pPr>
+              <a:lnSpc>
+                <a:spcPct val="90000"/>
+              </a:lnSpc>
+              <a:defRPr>
+                <a:latin typeface="+mn-lt"/>
+              </a:defRPr>
+            </a:lvl4pPr>
+            <a:lvl5pPr>
+              <a:lnSpc>
+                <a:spcPct val="90000"/>
+              </a:lnSpc>
+              <a:defRPr>
+                <a:latin typeface="+mn-lt"/>
+              </a:defRPr>
+            </a:lvl5pPr>
+          </a:lstStyle>
+          <a:p>
+            <a:pPr lvl="0"/>
+            <a:r>
+              <a:rPr lang="en-US"/>
+              <a:t>Edit Master text styles</a:t>
+            </a:r>
+          </a:p>
+          <a:p>
+            <a:pPr lvl="1"/>
+            <a:r>
+              <a:rPr lang="en-US"/>
+              <a:t>Second level</a:t>
+            </a:r>
+          </a:p>
+          <a:p>
+            <a:pPr lvl="2"/>
+            <a:r>
+              <a:rPr lang="en-US"/>
+              <a:t>Third level</a:t>
+            </a:r>
+          </a:p>
+          <a:p>
+            <a:pPr lvl="3"/>
+            <a:r>
+              <a:rPr lang="en-US"/>
+              <a:t>Fourth level</a:t>
+            </a:r>
+          </a:p>
+          <a:p>
+            <a:pPr lvl="4"/>
+            <a:r>
+              <a:rPr lang="en-US"/>
+              <a:t>Fifth level</a:t>
+            </a:r>
+            <a:endParaRPr lang="en-US" dirty="0"/>
+          </a:p>
+        </p:txBody>
+      </p:sp>
+    </p:spTree>
+    <p:extLst>
+      <p:ext uri="{BB962C8B-B14F-4D97-AF65-F5344CB8AC3E}">
+        <p14:creationId xmlns:p14="http://schemas.microsoft.com/office/powerpoint/2010/main" val="982279984"/>
+      </p:ext>
+    </p:extLst>
+  </p:cSld>
+  <p:clrMapOvr>
+    <a:masterClrMapping/>
+  </p:clrMapOvr>
+  <p:transition>
+    <p:fade/>
+  </p:transition>
+</p:sldLayout>
+</file>
+
+<file path=ppt/slideLayouts/slideLayout28.xml><?xml version="1.0" encoding="utf-8"?>
+<p:sldLayout xmlns:a="http://schemas.openxmlformats.org/drawingml/2006/main" xmlns:r="http://schemas.openxmlformats.org/officeDocument/2006/relationships" xmlns:p="http://schemas.openxmlformats.org/presentationml/2006/main" type="tx">
+  <p:cSld name="Title and Text">
+    <p:spTree>
+      <p:nvGrpSpPr>
+        <p:cNvPr id="1" name=""/>
+        <p:cNvGrpSpPr/>
+        <p:nvPr/>
+      </p:nvGrpSpPr>
+      <p:grpSpPr>
+        <a:xfrm>
+          <a:off x="0" y="0"/>
+          <a:ext cx="0" cy="0"/>
+          <a:chOff x="0" y="0"/>
+          <a:chExt cx="0" cy="0"/>
+        </a:xfrm>
+      </p:grpSpPr>
+      <p:sp>
+        <p:nvSpPr>
+          <p:cNvPr id="2" name="Shape 1"/>
+          <p:cNvSpPr>
+            <a:spLocks noGrp="1"/>
+          </p:cNvSpPr>
+          <p:nvPr>
+            <p:ph type="title"/>
+          </p:nvPr>
+        </p:nvSpPr>
+        <p:spPr/>
+        <p:txBody>
+          <a:bodyPr rtlCol="0"/>
+          <a:lstStyle/>
+          <a:p>
+            <a:r>
+              <a:rPr lang="en-US"/>
+              <a:t>Click to edit Master title style</a:t>
+            </a:r>
+          </a:p>
+        </p:txBody>
+      </p:sp>
+      <p:sp>
+        <p:nvSpPr>
+          <p:cNvPr id="3" name="Shape 2"/>
+          <p:cNvSpPr>
+            <a:spLocks noGrp="1"/>
+          </p:cNvSpPr>
+          <p:nvPr>
+            <p:ph type="body" idx="1"/>
+          </p:nvPr>
+        </p:nvSpPr>
+        <p:spPr/>
+        <p:txBody>
+          <a:bodyPr rtlCol="0"/>
+          <a:lstStyle/>
+          <a:p>
+            <a:pPr lvl="0"/>
+            <a:r>
+              <a:rPr lang="en-US"/>
+              <a:t>Edit Master text styles</a:t>
+            </a:r>
+          </a:p>
+          <a:p>
+            <a:pPr lvl="1"/>
+            <a:r>
+              <a:rPr lang="en-US"/>
+              <a:t>Second level</a:t>
+            </a:r>
+          </a:p>
+          <a:p>
+            <a:pPr lvl="2"/>
+            <a:r>
+              <a:rPr lang="en-US"/>
+              <a:t>Third level</a:t>
+            </a:r>
+          </a:p>
+          <a:p>
+            <a:pPr lvl="3"/>
+            <a:r>
+              <a:rPr lang="en-US"/>
+              <a:t>Fourth level</a:t>
+            </a:r>
+          </a:p>
+          <a:p>
+            <a:pPr lvl="4"/>
+            <a:r>
+              <a:rPr lang="en-US"/>
+              <a:t>Fifth level</a:t>
+            </a:r>
+          </a:p>
+        </p:txBody>
+      </p:sp>
+    </p:spTree>
+    <p:extLst>
+      <p:ext uri="{BB962C8B-B14F-4D97-AF65-F5344CB8AC3E}">
+        <p14:creationId xmlns:p14="http://schemas.microsoft.com/office/powerpoint/2010/main" val="4116030482"/>
       </p:ext>
     </p:extLst>
   </p:cSld>
@@ -12347,7 +14823,7 @@
           <a:p>
             <a:fld id="{FB5BBD6E-ABA3-4DD9-ABCF-19D1AD89DF88}" type="datetimeFigureOut">
               <a:rPr lang="en-US" smtClean="0"/>
-              <a:t>12/13/2016</a:t>
+              <a:t>12/16/2016</a:t>
             </a:fld>
             <a:endParaRPr lang="en-US"/>
           </a:p>
@@ -12576,7 +15052,7 @@
           <a:p>
             <a:fld id="{FB5BBD6E-ABA3-4DD9-ABCF-19D1AD89DF88}" type="datetimeFigureOut">
               <a:rPr lang="en-US" smtClean="0"/>
-              <a:t>12/13/2016</a:t>
+              <a:t>12/16/2016</a:t>
             </a:fld>
             <a:endParaRPr lang="en-US"/>
           </a:p>
@@ -12940,7 +15416,7 @@
           <a:p>
             <a:fld id="{FB5BBD6E-ABA3-4DD9-ABCF-19D1AD89DF88}" type="datetimeFigureOut">
               <a:rPr lang="en-US" smtClean="0"/>
-              <a:t>12/13/2016</a:t>
+              <a:t>12/16/2016</a:t>
             </a:fld>
             <a:endParaRPr lang="en-US"/>
           </a:p>
@@ -13057,7 +15533,7 @@
           <a:p>
             <a:fld id="{FB5BBD6E-ABA3-4DD9-ABCF-19D1AD89DF88}" type="datetimeFigureOut">
               <a:rPr lang="en-US" smtClean="0"/>
-              <a:t>12/13/2016</a:t>
+              <a:t>12/16/2016</a:t>
             </a:fld>
             <a:endParaRPr lang="en-US"/>
           </a:p>
@@ -13152,7 +15628,7 @@
           <a:p>
             <a:fld id="{FB5BBD6E-ABA3-4DD9-ABCF-19D1AD89DF88}" type="datetimeFigureOut">
               <a:rPr lang="en-US" smtClean="0"/>
-              <a:t>12/13/2016</a:t>
+              <a:t>12/16/2016</a:t>
             </a:fld>
             <a:endParaRPr lang="en-US"/>
           </a:p>
@@ -13427,7 +15903,7 @@
           <a:p>
             <a:fld id="{FB5BBD6E-ABA3-4DD9-ABCF-19D1AD89DF88}" type="datetimeFigureOut">
               <a:rPr lang="en-US" smtClean="0"/>
-              <a:t>12/13/2016</a:t>
+              <a:t>12/16/2016</a:t>
             </a:fld>
             <a:endParaRPr lang="en-US"/>
           </a:p>
@@ -13679,7 +16155,7 @@
           <a:p>
             <a:fld id="{FB5BBD6E-ABA3-4DD9-ABCF-19D1AD89DF88}" type="datetimeFigureOut">
               <a:rPr lang="en-US" smtClean="0"/>
-              <a:t>12/13/2016</a:t>
+              <a:t>12/16/2016</a:t>
             </a:fld>
             <a:endParaRPr lang="en-US"/>
           </a:p>
@@ -13890,7 +16366,7 @@
           <a:p>
             <a:fld id="{FB5BBD6E-ABA3-4DD9-ABCF-19D1AD89DF88}" type="datetimeFigureOut">
               <a:rPr lang="en-US" smtClean="0"/>
-              <a:t>12/13/2016</a:t>
+              <a:t>12/16/2016</a:t>
             </a:fld>
             <a:endParaRPr lang="en-US"/>
           </a:p>
@@ -14278,6 +16754,615 @@
 </p:sldMaster>
 </file>
 
+<file path=ppt/slideMasters/slideMaster2.xml><?xml version="1.0" encoding="utf-8"?>
+<p:sldMaster xmlns:a="http://schemas.openxmlformats.org/drawingml/2006/main" xmlns:r="http://schemas.openxmlformats.org/officeDocument/2006/relationships" xmlns:p="http://schemas.openxmlformats.org/presentationml/2006/main" preserve="1">
+  <p:cSld>
+    <p:bg>
+      <p:bgPr>
+        <a:solidFill>
+          <a:schemeClr val="bg1"/>
+        </a:solidFill>
+        <a:effectLst/>
+      </p:bgPr>
+    </p:bg>
+    <p:spTree>
+      <p:nvGrpSpPr>
+        <p:cNvPr id="1" name=""/>
+        <p:cNvGrpSpPr/>
+        <p:nvPr/>
+      </p:nvGrpSpPr>
+      <p:grpSpPr>
+        <a:xfrm>
+          <a:off x="0" y="0"/>
+          <a:ext cx="0" cy="0"/>
+          <a:chOff x="0" y="0"/>
+          <a:chExt cx="0" cy="0"/>
+        </a:xfrm>
+      </p:grpSpPr>
+      <p:sp>
+        <p:nvSpPr>
+          <p:cNvPr id="1028" name="Rectangle 4"/>
+          <p:cNvSpPr>
+            <a:spLocks noGrp="1" noChangeArrowheads="1"/>
+          </p:cNvSpPr>
+          <p:nvPr>
+            <p:ph type="body" idx="1"/>
+          </p:nvPr>
+        </p:nvSpPr>
+        <p:spPr bwMode="gray">
+          <a:xfrm>
+            <a:off x="395288" y="1484313"/>
+            <a:ext cx="8353425" cy="4608512"/>
+          </a:xfrm>
+          <a:prstGeom prst="rect">
+            <a:avLst/>
+          </a:prstGeom>
+          <a:extLst>
+            <a:ext uri="{909E8E84-426E-40DD-AFC4-6F175D3DCCD1}">
+              <a14:hiddenFill xmlns:a14="http://schemas.microsoft.com/office/drawing/2010/main">
+                <a:solidFill>
+                  <a:srgbClr val="FFFFFF"/>
+                </a:solidFill>
+              </a14:hiddenFill>
+            </a:ext>
+            <a:ext uri="{91240B29-F687-4F45-9708-019B960494DF}">
+              <a14:hiddenLine xmlns:a14="http://schemas.microsoft.com/office/drawing/2010/main" w="9525">
+                <a:solidFill>
+                  <a:srgbClr val="000000"/>
+                </a:solidFill>
+                <a:miter lim="800000"/>
+                <a:headEnd/>
+                <a:tailEnd/>
+              </a14:hiddenLine>
+            </a:ext>
+            <a:ext uri="{53640926-AAD7-44D8-BBD7-CCE9431645EC}">
+              <a14:shadowObscured xmlns:a14="http://schemas.microsoft.com/office/drawing/2010/main" val="1"/>
+            </a:ext>
+          </a:extLst>
+        </p:spPr>
+        <p:txBody>
+          <a:bodyPr vert="horz" wrap="square" lIns="0" tIns="0" rIns="0" bIns="0" numCol="1" anchor="t" anchorCtr="0" compatLnSpc="1">
+            <a:prstTxWarp prst="textNoShape">
+              <a:avLst/>
+            </a:prstTxWarp>
+          </a:bodyPr>
+          <a:lstStyle/>
+          <a:p>
+            <a:pPr lvl="0"/>
+            <a:r>
+              <a:rPr lang="sv-SE" dirty="0"/>
+              <a:t>Klicka här för att ändra format på bakgrundstexten</a:t>
+            </a:r>
+          </a:p>
+          <a:p>
+            <a:pPr lvl="1"/>
+            <a:r>
+              <a:rPr lang="sv-SE" dirty="0"/>
+              <a:t>Nivå två</a:t>
+            </a:r>
+          </a:p>
+          <a:p>
+            <a:pPr lvl="2"/>
+            <a:r>
+              <a:rPr lang="sv-SE" dirty="0"/>
+              <a:t>Nivå tre</a:t>
+            </a:r>
+          </a:p>
+          <a:p>
+            <a:pPr lvl="3"/>
+            <a:r>
+              <a:rPr lang="sv-SE" dirty="0"/>
+              <a:t>Nivå fyra</a:t>
+            </a:r>
+          </a:p>
+          <a:p>
+            <a:pPr lvl="4"/>
+            <a:r>
+              <a:rPr lang="sv-SE" dirty="0"/>
+              <a:t>Nivå fem</a:t>
+            </a:r>
+            <a:endParaRPr lang="en-GB" dirty="0"/>
+          </a:p>
+        </p:txBody>
+      </p:sp>
+      <p:sp>
+        <p:nvSpPr>
+          <p:cNvPr id="1029" name="Rectangle 5"/>
+          <p:cNvSpPr>
+            <a:spLocks noGrp="1" noChangeArrowheads="1"/>
+          </p:cNvSpPr>
+          <p:nvPr>
+            <p:ph type="title"/>
+          </p:nvPr>
+        </p:nvSpPr>
+        <p:spPr bwMode="gray">
+          <a:xfrm>
+            <a:off x="395288" y="765175"/>
+            <a:ext cx="8353425" cy="360363"/>
+          </a:xfrm>
+          <a:prstGeom prst="rect">
+            <a:avLst/>
+          </a:prstGeom>
+          <a:extLst>
+            <a:ext uri="{909E8E84-426E-40DD-AFC4-6F175D3DCCD1}">
+              <a14:hiddenFill xmlns:a14="http://schemas.microsoft.com/office/drawing/2010/main">
+                <a:solidFill>
+                  <a:srgbClr val="FFFFFF"/>
+                </a:solidFill>
+              </a14:hiddenFill>
+            </a:ext>
+            <a:ext uri="{91240B29-F687-4F45-9708-019B960494DF}">
+              <a14:hiddenLine xmlns:a14="http://schemas.microsoft.com/office/drawing/2010/main" w="9525">
+                <a:solidFill>
+                  <a:srgbClr val="000000"/>
+                </a:solidFill>
+                <a:miter lim="800000"/>
+                <a:headEnd/>
+                <a:tailEnd/>
+              </a14:hiddenLine>
+            </a:ext>
+            <a:ext uri="{53640926-AAD7-44D8-BBD7-CCE9431645EC}">
+              <a14:shadowObscured xmlns:a14="http://schemas.microsoft.com/office/drawing/2010/main" val="1"/>
+            </a:ext>
+          </a:extLst>
+        </p:spPr>
+        <p:txBody>
+          <a:bodyPr vert="horz" wrap="square" lIns="0" tIns="0" rIns="0" bIns="0" numCol="1" anchor="ctr" anchorCtr="0" compatLnSpc="1">
+            <a:prstTxWarp prst="textNoShape">
+              <a:avLst/>
+            </a:prstTxWarp>
+          </a:bodyPr>
+          <a:lstStyle/>
+          <a:p>
+            <a:pPr lvl="0"/>
+            <a:r>
+              <a:rPr lang="en-GB" dirty="0"/>
+              <a:t>Click to add title</a:t>
+            </a:r>
+          </a:p>
+        </p:txBody>
+      </p:sp>
+    </p:spTree>
+    <p:extLst>
+      <p:ext uri="{BB962C8B-B14F-4D97-AF65-F5344CB8AC3E}">
+        <p14:creationId xmlns:p14="http://schemas.microsoft.com/office/powerpoint/2010/main" val="2860663477"/>
+      </p:ext>
+    </p:extLst>
+  </p:cSld>
+  <p:clrMap bg1="lt1" tx1="dk1" bg2="lt2" tx2="dk2" accent1="accent1" accent2="accent2" accent3="accent3" accent4="accent4" accent5="accent5" accent6="accent6" hlink="hlink" folHlink="folHlink"/>
+  <p:sldLayoutIdLst>
+    <p:sldLayoutId id="2147483987" r:id="rId1"/>
+    <p:sldLayoutId id="2147483988" r:id="rId2"/>
+    <p:sldLayoutId id="2147483989" r:id="rId3"/>
+    <p:sldLayoutId id="2147483990" r:id="rId4"/>
+    <p:sldLayoutId id="2147483991" r:id="rId5"/>
+    <p:sldLayoutId id="2147483992" r:id="rId6"/>
+    <p:sldLayoutId id="2147483993" r:id="rId7"/>
+    <p:sldLayoutId id="2147483994" r:id="rId8"/>
+    <p:sldLayoutId id="2147483995" r:id="rId9"/>
+    <p:sldLayoutId id="2147483996" r:id="rId10"/>
+    <p:sldLayoutId id="2147483997" r:id="rId11"/>
+    <p:sldLayoutId id="2147483998" r:id="rId12"/>
+    <p:sldLayoutId id="2147483999" r:id="rId13"/>
+    <p:sldLayoutId id="2147484000" r:id="rId14"/>
+    <p:sldLayoutId id="2147484001" r:id="rId15"/>
+    <p:sldLayoutId id="2147484002" r:id="rId16"/>
+    <p:sldLayoutId id="2147484003" r:id="rId17"/>
+  </p:sldLayoutIdLst>
+  <p:txStyles>
+    <p:titleStyle>
+      <a:lvl1pPr algn="l" rtl="0" eaLnBrk="1" fontAlgn="base" hangingPunct="1">
+        <a:spcBef>
+          <a:spcPct val="0"/>
+        </a:spcBef>
+        <a:spcAft>
+          <a:spcPct val="0"/>
+        </a:spcAft>
+        <a:defRPr sz="2000" b="1">
+          <a:solidFill>
+            <a:schemeClr val="tx1"/>
+          </a:solidFill>
+          <a:latin typeface="+mj-lt"/>
+          <a:ea typeface="+mj-ea"/>
+          <a:cs typeface="+mj-cs"/>
+        </a:defRPr>
+      </a:lvl1pPr>
+      <a:lvl2pPr algn="l" rtl="0" eaLnBrk="1" fontAlgn="base" hangingPunct="1">
+        <a:spcBef>
+          <a:spcPct val="0"/>
+        </a:spcBef>
+        <a:spcAft>
+          <a:spcPct val="0"/>
+        </a:spcAft>
+        <a:defRPr sz="2000" b="1">
+          <a:solidFill>
+            <a:schemeClr val="bg1"/>
+          </a:solidFill>
+          <a:latin typeface="Arial" charset="0"/>
+        </a:defRPr>
+      </a:lvl2pPr>
+      <a:lvl3pPr algn="l" rtl="0" eaLnBrk="1" fontAlgn="base" hangingPunct="1">
+        <a:spcBef>
+          <a:spcPct val="0"/>
+        </a:spcBef>
+        <a:spcAft>
+          <a:spcPct val="0"/>
+        </a:spcAft>
+        <a:defRPr sz="2000" b="1">
+          <a:solidFill>
+            <a:schemeClr val="bg1"/>
+          </a:solidFill>
+          <a:latin typeface="Arial" charset="0"/>
+        </a:defRPr>
+      </a:lvl3pPr>
+      <a:lvl4pPr algn="l" rtl="0" eaLnBrk="1" fontAlgn="base" hangingPunct="1">
+        <a:spcBef>
+          <a:spcPct val="0"/>
+        </a:spcBef>
+        <a:spcAft>
+          <a:spcPct val="0"/>
+        </a:spcAft>
+        <a:defRPr sz="2000" b="1">
+          <a:solidFill>
+            <a:schemeClr val="bg1"/>
+          </a:solidFill>
+          <a:latin typeface="Arial" charset="0"/>
+        </a:defRPr>
+      </a:lvl4pPr>
+      <a:lvl5pPr algn="l" rtl="0" eaLnBrk="1" fontAlgn="base" hangingPunct="1">
+        <a:spcBef>
+          <a:spcPct val="0"/>
+        </a:spcBef>
+        <a:spcAft>
+          <a:spcPct val="0"/>
+        </a:spcAft>
+        <a:defRPr sz="2000" b="1">
+          <a:solidFill>
+            <a:schemeClr val="bg1"/>
+          </a:solidFill>
+          <a:latin typeface="Arial" charset="0"/>
+        </a:defRPr>
+      </a:lvl5pPr>
+      <a:lvl6pPr marL="457200" algn="l" rtl="0" eaLnBrk="1" fontAlgn="base" hangingPunct="1">
+        <a:spcBef>
+          <a:spcPct val="0"/>
+        </a:spcBef>
+        <a:spcAft>
+          <a:spcPct val="0"/>
+        </a:spcAft>
+        <a:defRPr sz="2000" b="1">
+          <a:solidFill>
+            <a:schemeClr val="bg1"/>
+          </a:solidFill>
+          <a:latin typeface="Arial" charset="0"/>
+        </a:defRPr>
+      </a:lvl6pPr>
+      <a:lvl7pPr marL="914400" algn="l" rtl="0" eaLnBrk="1" fontAlgn="base" hangingPunct="1">
+        <a:spcBef>
+          <a:spcPct val="0"/>
+        </a:spcBef>
+        <a:spcAft>
+          <a:spcPct val="0"/>
+        </a:spcAft>
+        <a:defRPr sz="2000" b="1">
+          <a:solidFill>
+            <a:schemeClr val="bg1"/>
+          </a:solidFill>
+          <a:latin typeface="Arial" charset="0"/>
+        </a:defRPr>
+      </a:lvl7pPr>
+      <a:lvl8pPr marL="1371600" algn="l" rtl="0" eaLnBrk="1" fontAlgn="base" hangingPunct="1">
+        <a:spcBef>
+          <a:spcPct val="0"/>
+        </a:spcBef>
+        <a:spcAft>
+          <a:spcPct val="0"/>
+        </a:spcAft>
+        <a:defRPr sz="2000" b="1">
+          <a:solidFill>
+            <a:schemeClr val="bg1"/>
+          </a:solidFill>
+          <a:latin typeface="Arial" charset="0"/>
+        </a:defRPr>
+      </a:lvl8pPr>
+      <a:lvl9pPr marL="1828800" algn="l" rtl="0" eaLnBrk="1" fontAlgn="base" hangingPunct="1">
+        <a:spcBef>
+          <a:spcPct val="0"/>
+        </a:spcBef>
+        <a:spcAft>
+          <a:spcPct val="0"/>
+        </a:spcAft>
+        <a:defRPr sz="2000" b="1">
+          <a:solidFill>
+            <a:schemeClr val="bg1"/>
+          </a:solidFill>
+          <a:latin typeface="Arial" charset="0"/>
+        </a:defRPr>
+      </a:lvl9pPr>
+    </p:titleStyle>
+    <p:bodyStyle>
+      <a:lvl1pPr marL="177800" indent="-177800" algn="l" rtl="0" eaLnBrk="1" fontAlgn="base" hangingPunct="1">
+        <a:spcBef>
+          <a:spcPct val="40000"/>
+        </a:spcBef>
+        <a:spcAft>
+          <a:spcPct val="0"/>
+        </a:spcAft>
+        <a:buClr>
+          <a:schemeClr val="accent1"/>
+        </a:buClr>
+        <a:buFont typeface="Wingdings" pitchFamily="2" charset="2"/>
+        <a:buChar char="§"/>
+        <a:defRPr lang="sv-SE" dirty="0" smtClean="0">
+          <a:solidFill>
+            <a:schemeClr val="tx1"/>
+          </a:solidFill>
+          <a:latin typeface="+mn-lt"/>
+          <a:ea typeface="+mn-ea"/>
+          <a:cs typeface="+mn-cs"/>
+        </a:defRPr>
+      </a:lvl1pPr>
+      <a:lvl2pPr marL="541338" indent="-184150" algn="l" rtl="0" eaLnBrk="1" fontAlgn="base" hangingPunct="1">
+        <a:spcBef>
+          <a:spcPct val="40000"/>
+        </a:spcBef>
+        <a:spcAft>
+          <a:spcPct val="0"/>
+        </a:spcAft>
+        <a:buClr>
+          <a:schemeClr val="accent1"/>
+        </a:buClr>
+        <a:buFont typeface="Wingdings" pitchFamily="2" charset="2"/>
+        <a:buChar char="§"/>
+        <a:defRPr lang="sv-SE" sz="1600" dirty="0" smtClean="0">
+          <a:solidFill>
+            <a:schemeClr val="tx1"/>
+          </a:solidFill>
+          <a:latin typeface="+mn-lt"/>
+          <a:ea typeface="+mn-ea"/>
+          <a:cs typeface="+mn-cs"/>
+        </a:defRPr>
+      </a:lvl2pPr>
+      <a:lvl3pPr marL="896938" indent="-176213" algn="l" rtl="0" eaLnBrk="1" fontAlgn="base" hangingPunct="1">
+        <a:spcBef>
+          <a:spcPct val="40000"/>
+        </a:spcBef>
+        <a:spcAft>
+          <a:spcPct val="0"/>
+        </a:spcAft>
+        <a:buClr>
+          <a:schemeClr val="accent1"/>
+        </a:buClr>
+        <a:buFont typeface="Wingdings" pitchFamily="2" charset="2"/>
+        <a:buChar char="§"/>
+        <a:defRPr lang="sv-SE" sz="1600" dirty="0" smtClean="0">
+          <a:solidFill>
+            <a:schemeClr val="tx1"/>
+          </a:solidFill>
+          <a:latin typeface="+mn-lt"/>
+          <a:ea typeface="+mn-ea"/>
+          <a:cs typeface="+mn-cs"/>
+        </a:defRPr>
+      </a:lvl3pPr>
+      <a:lvl4pPr marL="1252538" indent="-176213" algn="l" rtl="0" eaLnBrk="1" fontAlgn="base" hangingPunct="1">
+        <a:spcBef>
+          <a:spcPct val="40000"/>
+        </a:spcBef>
+        <a:spcAft>
+          <a:spcPct val="0"/>
+        </a:spcAft>
+        <a:buClr>
+          <a:schemeClr val="accent1"/>
+        </a:buClr>
+        <a:buSzPct val="120000"/>
+        <a:buFont typeface="Wingdings" pitchFamily="2" charset="2"/>
+        <a:buChar char="§"/>
+        <a:defRPr lang="sv-SE" sz="1400" dirty="0" smtClean="0">
+          <a:solidFill>
+            <a:schemeClr val="tx1"/>
+          </a:solidFill>
+          <a:latin typeface="+mn-lt"/>
+          <a:ea typeface="+mn-ea"/>
+          <a:cs typeface="+mn-cs"/>
+        </a:defRPr>
+      </a:lvl4pPr>
+      <a:lvl5pPr marL="1616075" indent="-184150" algn="l" rtl="0" eaLnBrk="1" fontAlgn="base" hangingPunct="1">
+        <a:spcBef>
+          <a:spcPct val="40000"/>
+        </a:spcBef>
+        <a:spcAft>
+          <a:spcPct val="0"/>
+        </a:spcAft>
+        <a:buClr>
+          <a:schemeClr val="accent1"/>
+        </a:buClr>
+        <a:buFont typeface="Wingdings" pitchFamily="2" charset="2"/>
+        <a:buChar char="§"/>
+        <a:defRPr lang="en-GB" sz="1400" dirty="0" smtClean="0">
+          <a:solidFill>
+            <a:schemeClr val="tx1"/>
+          </a:solidFill>
+          <a:latin typeface="+mn-lt"/>
+          <a:ea typeface="+mn-ea"/>
+          <a:cs typeface="+mn-cs"/>
+        </a:defRPr>
+      </a:lvl5pPr>
+      <a:lvl6pPr marL="2073275" indent="-184150" algn="l" rtl="0" eaLnBrk="1" fontAlgn="base" hangingPunct="1">
+        <a:spcBef>
+          <a:spcPct val="40000"/>
+        </a:spcBef>
+        <a:spcAft>
+          <a:spcPct val="0"/>
+        </a:spcAft>
+        <a:buClr>
+          <a:schemeClr val="bg2"/>
+        </a:buClr>
+        <a:buFont typeface="Arial" charset="0"/>
+        <a:buChar char="–"/>
+        <a:defRPr sz="1400">
+          <a:solidFill>
+            <a:schemeClr val="tx1"/>
+          </a:solidFill>
+          <a:latin typeface="+mn-lt"/>
+        </a:defRPr>
+      </a:lvl6pPr>
+      <a:lvl7pPr marL="2530475" indent="-184150" algn="l" rtl="0" eaLnBrk="1" fontAlgn="base" hangingPunct="1">
+        <a:spcBef>
+          <a:spcPct val="40000"/>
+        </a:spcBef>
+        <a:spcAft>
+          <a:spcPct val="0"/>
+        </a:spcAft>
+        <a:buClr>
+          <a:schemeClr val="bg2"/>
+        </a:buClr>
+        <a:buFont typeface="Arial" charset="0"/>
+        <a:buChar char="–"/>
+        <a:defRPr sz="1400">
+          <a:solidFill>
+            <a:schemeClr val="tx1"/>
+          </a:solidFill>
+          <a:latin typeface="+mn-lt"/>
+        </a:defRPr>
+      </a:lvl7pPr>
+      <a:lvl8pPr marL="2987675" indent="-184150" algn="l" rtl="0" eaLnBrk="1" fontAlgn="base" hangingPunct="1">
+        <a:spcBef>
+          <a:spcPct val="40000"/>
+        </a:spcBef>
+        <a:spcAft>
+          <a:spcPct val="0"/>
+        </a:spcAft>
+        <a:buClr>
+          <a:schemeClr val="bg2"/>
+        </a:buClr>
+        <a:buFont typeface="Arial" charset="0"/>
+        <a:buChar char="–"/>
+        <a:defRPr sz="1400">
+          <a:solidFill>
+            <a:schemeClr val="tx1"/>
+          </a:solidFill>
+          <a:latin typeface="+mn-lt"/>
+        </a:defRPr>
+      </a:lvl8pPr>
+      <a:lvl9pPr marL="3444875" indent="-184150" algn="l" rtl="0" eaLnBrk="1" fontAlgn="base" hangingPunct="1">
+        <a:spcBef>
+          <a:spcPct val="40000"/>
+        </a:spcBef>
+        <a:spcAft>
+          <a:spcPct val="0"/>
+        </a:spcAft>
+        <a:buClr>
+          <a:schemeClr val="bg2"/>
+        </a:buClr>
+        <a:buFont typeface="Arial" charset="0"/>
+        <a:buChar char="–"/>
+        <a:defRPr sz="1400">
+          <a:solidFill>
+            <a:schemeClr val="tx1"/>
+          </a:solidFill>
+          <a:latin typeface="+mn-lt"/>
+        </a:defRPr>
+      </a:lvl9pPr>
+    </p:bodyStyle>
+    <p:otherStyle>
+      <a:defPPr>
+        <a:defRPr lang="sv-SE"/>
+      </a:defPPr>
+      <a:lvl1pPr marL="0" algn="l" defTabSz="914400" rtl="0" eaLnBrk="1" latinLnBrk="0" hangingPunct="1">
+        <a:defRPr sz="1800" kern="1200">
+          <a:solidFill>
+            <a:schemeClr val="tx1"/>
+          </a:solidFill>
+          <a:latin typeface="+mn-lt"/>
+          <a:ea typeface="+mn-ea"/>
+          <a:cs typeface="+mn-cs"/>
+        </a:defRPr>
+      </a:lvl1pPr>
+      <a:lvl2pPr marL="457200" algn="l" defTabSz="914400" rtl="0" eaLnBrk="1" latinLnBrk="0" hangingPunct="1">
+        <a:defRPr sz="1800" kern="1200">
+          <a:solidFill>
+            <a:schemeClr val="tx1"/>
+          </a:solidFill>
+          <a:latin typeface="+mn-lt"/>
+          <a:ea typeface="+mn-ea"/>
+          <a:cs typeface="+mn-cs"/>
+        </a:defRPr>
+      </a:lvl2pPr>
+      <a:lvl3pPr marL="914400" algn="l" defTabSz="914400" rtl="0" eaLnBrk="1" latinLnBrk="0" hangingPunct="1">
+        <a:defRPr sz="1800" kern="1200">
+          <a:solidFill>
+            <a:schemeClr val="tx1"/>
+          </a:solidFill>
+          <a:latin typeface="+mn-lt"/>
+          <a:ea typeface="+mn-ea"/>
+          <a:cs typeface="+mn-cs"/>
+        </a:defRPr>
+      </a:lvl3pPr>
+      <a:lvl4pPr marL="1371600" algn="l" defTabSz="914400" rtl="0" eaLnBrk="1" latinLnBrk="0" hangingPunct="1">
+        <a:defRPr sz="1800" kern="1200">
+          <a:solidFill>
+            <a:schemeClr val="tx1"/>
+          </a:solidFill>
+          <a:latin typeface="+mn-lt"/>
+          <a:ea typeface="+mn-ea"/>
+          <a:cs typeface="+mn-cs"/>
+        </a:defRPr>
+      </a:lvl4pPr>
+      <a:lvl5pPr marL="1828800" algn="l" defTabSz="914400" rtl="0" eaLnBrk="1" latinLnBrk="0" hangingPunct="1">
+        <a:defRPr sz="1800" kern="1200">
+          <a:solidFill>
+            <a:schemeClr val="tx1"/>
+          </a:solidFill>
+          <a:latin typeface="+mn-lt"/>
+          <a:ea typeface="+mn-ea"/>
+          <a:cs typeface="+mn-cs"/>
+        </a:defRPr>
+      </a:lvl5pPr>
+      <a:lvl6pPr marL="2286000" algn="l" defTabSz="914400" rtl="0" eaLnBrk="1" latinLnBrk="0" hangingPunct="1">
+        <a:defRPr sz="1800" kern="1200">
+          <a:solidFill>
+            <a:schemeClr val="tx1"/>
+          </a:solidFill>
+          <a:latin typeface="+mn-lt"/>
+          <a:ea typeface="+mn-ea"/>
+          <a:cs typeface="+mn-cs"/>
+        </a:defRPr>
+      </a:lvl6pPr>
+      <a:lvl7pPr marL="2743200" algn="l" defTabSz="914400" rtl="0" eaLnBrk="1" latinLnBrk="0" hangingPunct="1">
+        <a:defRPr sz="1800" kern="1200">
+          <a:solidFill>
+            <a:schemeClr val="tx1"/>
+          </a:solidFill>
+          <a:latin typeface="+mn-lt"/>
+          <a:ea typeface="+mn-ea"/>
+          <a:cs typeface="+mn-cs"/>
+        </a:defRPr>
+      </a:lvl7pPr>
+      <a:lvl8pPr marL="3200400" algn="l" defTabSz="914400" rtl="0" eaLnBrk="1" latinLnBrk="0" hangingPunct="1">
+        <a:defRPr sz="1800" kern="1200">
+          <a:solidFill>
+            <a:schemeClr val="tx1"/>
+          </a:solidFill>
+          <a:latin typeface="+mn-lt"/>
+          <a:ea typeface="+mn-ea"/>
+          <a:cs typeface="+mn-cs"/>
+        </a:defRPr>
+      </a:lvl8pPr>
+      <a:lvl9pPr marL="3657600" algn="l" defTabSz="914400" rtl="0" eaLnBrk="1" latinLnBrk="0" hangingPunct="1">
+        <a:defRPr sz="1800" kern="1200">
+          <a:solidFill>
+            <a:schemeClr val="tx1"/>
+          </a:solidFill>
+          <a:latin typeface="+mn-lt"/>
+          <a:ea typeface="+mn-ea"/>
+          <a:cs typeface="+mn-cs"/>
+        </a:defRPr>
+      </a:lvl9pPr>
+    </p:otherStyle>
+  </p:txStyles>
+</p:sldMaster>
+</file>
+
 <file path=ppt/slides/slide1.xml><?xml version="1.0" encoding="utf-8"?>
 <p:sld xmlns:a="http://schemas.openxmlformats.org/drawingml/2006/main" xmlns:r="http://schemas.openxmlformats.org/officeDocument/2006/relationships" xmlns:p="http://schemas.openxmlformats.org/presentationml/2006/main">
   <p:cSld>
@@ -14297,6 +17382,28 @@
       </p:grpSpPr>
       <p:sp>
         <p:nvSpPr>
+          <p:cNvPr id="4098" name="Underrubrik 6"/>
+          <p:cNvSpPr>
+            <a:spLocks noGrp="1"/>
+          </p:cNvSpPr>
+          <p:nvPr>
+            <p:ph type="subTitle" idx="1"/>
+          </p:nvPr>
+        </p:nvSpPr>
+        <p:spPr/>
+        <p:txBody>
+          <a:bodyPr/>
+          <a:lstStyle/>
+          <a:p>
+            <a:r>
+              <a:rPr lang="en-GB" dirty="0"/>
+              <a:t>Testing and Deploying Projects </a:t>
+            </a:r>
+          </a:p>
+        </p:txBody>
+      </p:sp>
+      <p:sp>
+        <p:nvSpPr>
           <p:cNvPr id="4099" name="Rubrik 5"/>
           <p:cNvSpPr>
             <a:spLocks noGrp="1"/>
@@ -14315,28 +17422,6 @@
               <a:t>Developing Integration Solutions using Microsoft BizTalk Server 2016</a:t>
             </a:r>
             <a:endParaRPr lang="en-GB" dirty="0"/>
-          </a:p>
-        </p:txBody>
-      </p:sp>
-      <p:sp>
-        <p:nvSpPr>
-          <p:cNvPr id="4098" name="Underrubrik 6"/>
-          <p:cNvSpPr>
-            <a:spLocks noGrp="1"/>
-          </p:cNvSpPr>
-          <p:nvPr>
-            <p:ph type="subTitle" idx="1"/>
-          </p:nvPr>
-        </p:nvSpPr>
-        <p:spPr/>
-        <p:txBody>
-          <a:bodyPr/>
-          <a:lstStyle/>
-          <a:p>
-            <a:r>
-              <a:rPr lang="en-GB" dirty="0"/>
-              <a:t>Testing and Deploying Projects </a:t>
-            </a:r>
           </a:p>
         </p:txBody>
       </p:sp>
@@ -17416,7 +20501,7 @@
                   </a:schemeClr>
                 </a:solidFill>
               </a:rPr>
-              <a:t>Module 14: Windows Azure BizTalk Services</a:t>
+              <a:t>Extra modules</a:t>
             </a:r>
             <a:endParaRPr lang="en-US" sz="1400" dirty="0">
               <a:solidFill>
@@ -22859,7 +25944,7 @@
         </p:spPr>
         <p:txBody>
           <a:bodyPr>
-            <a:normAutofit fontScale="90000"/>
+            <a:normAutofit/>
           </a:bodyPr>
           <a:lstStyle/>
           <a:p>
@@ -29433,7 +32518,7 @@
             <a:spLocks noGrp="1"/>
           </p:cNvSpPr>
           <p:nvPr>
-            <p:ph type="sldNum" sz="quarter" idx="12"/>
+            <p:ph type="sldNum" sz="quarter" idx="4294967295"/>
           </p:nvPr>
         </p:nvSpPr>
         <p:spPr>
@@ -30089,7 +33174,7 @@
             <a:spLocks noGrp="1"/>
           </p:cNvSpPr>
           <p:nvPr>
-            <p:ph type="sldNum" sz="quarter" idx="12"/>
+            <p:ph type="sldNum" sz="quarter" idx="4294967295"/>
           </p:nvPr>
         </p:nvSpPr>
         <p:spPr>
@@ -31017,6 +34102,407 @@
 </file>
 
 <file path=ppt/theme/theme2.xml><?xml version="1.0" encoding="utf-8"?>
+<a:theme xmlns:a="http://schemas.openxmlformats.org/drawingml/2006/main" name="Anpassad Addskills Theme">
+  <a:themeElements>
+    <a:clrScheme name="© 2008 Logica Slide Master 1">
+      <a:dk1>
+        <a:srgbClr val="000000"/>
+      </a:dk1>
+      <a:lt1>
+        <a:srgbClr val="FFFFFF"/>
+      </a:lt1>
+      <a:dk2>
+        <a:srgbClr val="DDDDDD"/>
+      </a:dk2>
+      <a:lt2>
+        <a:srgbClr val="5F5F5F"/>
+      </a:lt2>
+      <a:accent1>
+        <a:srgbClr val="FFCC00"/>
+      </a:accent1>
+      <a:accent2>
+        <a:srgbClr val="8D979B"/>
+      </a:accent2>
+      <a:accent3>
+        <a:srgbClr val="FFFFFF"/>
+      </a:accent3>
+      <a:accent4>
+        <a:srgbClr val="000000"/>
+      </a:accent4>
+      <a:accent5>
+        <a:srgbClr val="FFE2AA"/>
+      </a:accent5>
+      <a:accent6>
+        <a:srgbClr val="7F888C"/>
+      </a:accent6>
+      <a:hlink>
+        <a:srgbClr val="A5AA78"/>
+      </a:hlink>
+      <a:folHlink>
+        <a:srgbClr val="CE6700"/>
+      </a:folHlink>
+    </a:clrScheme>
+    <a:fontScheme name="© 2008 Logica Slide Master">
+      <a:majorFont>
+        <a:latin typeface="Arial"/>
+        <a:ea typeface=""/>
+        <a:cs typeface=""/>
+      </a:majorFont>
+      <a:minorFont>
+        <a:latin typeface="Arial"/>
+        <a:ea typeface=""/>
+        <a:cs typeface=""/>
+      </a:minorFont>
+    </a:fontScheme>
+    <a:fmtScheme name="Office">
+      <a:fillStyleLst>
+        <a:solidFill>
+          <a:schemeClr val="phClr"/>
+        </a:solidFill>
+        <a:gradFill rotWithShape="1">
+          <a:gsLst>
+            <a:gs pos="0">
+              <a:schemeClr val="phClr">
+                <a:tint val="50000"/>
+                <a:satMod val="300000"/>
+              </a:schemeClr>
+            </a:gs>
+            <a:gs pos="35000">
+              <a:schemeClr val="phClr">
+                <a:tint val="37000"/>
+                <a:satMod val="300000"/>
+              </a:schemeClr>
+            </a:gs>
+            <a:gs pos="100000">
+              <a:schemeClr val="phClr">
+                <a:tint val="15000"/>
+                <a:satMod val="350000"/>
+              </a:schemeClr>
+            </a:gs>
+          </a:gsLst>
+          <a:lin ang="16200000" scaled="1"/>
+        </a:gradFill>
+        <a:gradFill rotWithShape="1">
+          <a:gsLst>
+            <a:gs pos="0">
+              <a:schemeClr val="phClr">
+                <a:shade val="51000"/>
+                <a:satMod val="130000"/>
+              </a:schemeClr>
+            </a:gs>
+            <a:gs pos="80000">
+              <a:schemeClr val="phClr">
+                <a:shade val="93000"/>
+                <a:satMod val="130000"/>
+              </a:schemeClr>
+            </a:gs>
+            <a:gs pos="100000">
+              <a:schemeClr val="phClr">
+                <a:shade val="94000"/>
+                <a:satMod val="135000"/>
+              </a:schemeClr>
+            </a:gs>
+          </a:gsLst>
+          <a:lin ang="16200000" scaled="0"/>
+        </a:gradFill>
+      </a:fillStyleLst>
+      <a:lnStyleLst>
+        <a:ln w="9525" cap="flat" cmpd="sng" algn="ctr">
+          <a:solidFill>
+            <a:schemeClr val="phClr">
+              <a:shade val="95000"/>
+              <a:satMod val="105000"/>
+            </a:schemeClr>
+          </a:solidFill>
+          <a:prstDash val="solid"/>
+        </a:ln>
+        <a:ln w="25400" cap="flat" cmpd="sng" algn="ctr">
+          <a:solidFill>
+            <a:schemeClr val="phClr"/>
+          </a:solidFill>
+          <a:prstDash val="solid"/>
+        </a:ln>
+        <a:ln w="38100" cap="flat" cmpd="sng" algn="ctr">
+          <a:solidFill>
+            <a:schemeClr val="phClr"/>
+          </a:solidFill>
+          <a:prstDash val="solid"/>
+        </a:ln>
+      </a:lnStyleLst>
+      <a:effectStyleLst>
+        <a:effectStyle>
+          <a:effectLst>
+            <a:outerShdw blurRad="40000" dist="20000" dir="5400000" rotWithShape="0">
+              <a:srgbClr val="000000">
+                <a:alpha val="38000"/>
+              </a:srgbClr>
+            </a:outerShdw>
+          </a:effectLst>
+        </a:effectStyle>
+        <a:effectStyle>
+          <a:effectLst>
+            <a:outerShdw blurRad="40000" dist="23000" dir="5400000" rotWithShape="0">
+              <a:srgbClr val="000000">
+                <a:alpha val="35000"/>
+              </a:srgbClr>
+            </a:outerShdw>
+          </a:effectLst>
+        </a:effectStyle>
+        <a:effectStyle>
+          <a:effectLst>
+            <a:outerShdw blurRad="40000" dist="23000" dir="5400000" rotWithShape="0">
+              <a:srgbClr val="000000">
+                <a:alpha val="35000"/>
+              </a:srgbClr>
+            </a:outerShdw>
+          </a:effectLst>
+          <a:scene3d>
+            <a:camera prst="orthographicFront">
+              <a:rot lat="0" lon="0" rev="0"/>
+            </a:camera>
+            <a:lightRig rig="threePt" dir="t">
+              <a:rot lat="0" lon="0" rev="1200000"/>
+            </a:lightRig>
+          </a:scene3d>
+          <a:sp3d>
+            <a:bevelT w="63500" h="25400"/>
+          </a:sp3d>
+        </a:effectStyle>
+      </a:effectStyleLst>
+      <a:bgFillStyleLst>
+        <a:solidFill>
+          <a:schemeClr val="phClr"/>
+        </a:solidFill>
+        <a:gradFill rotWithShape="1">
+          <a:gsLst>
+            <a:gs pos="0">
+              <a:schemeClr val="phClr">
+                <a:tint val="40000"/>
+                <a:satMod val="350000"/>
+              </a:schemeClr>
+            </a:gs>
+            <a:gs pos="40000">
+              <a:schemeClr val="phClr">
+                <a:tint val="45000"/>
+                <a:shade val="99000"/>
+                <a:satMod val="350000"/>
+              </a:schemeClr>
+            </a:gs>
+            <a:gs pos="100000">
+              <a:schemeClr val="phClr">
+                <a:shade val="20000"/>
+                <a:satMod val="255000"/>
+              </a:schemeClr>
+            </a:gs>
+          </a:gsLst>
+          <a:path path="circle">
+            <a:fillToRect l="50000" t="-80000" r="50000" b="180000"/>
+          </a:path>
+        </a:gradFill>
+        <a:gradFill rotWithShape="1">
+          <a:gsLst>
+            <a:gs pos="0">
+              <a:schemeClr val="phClr">
+                <a:tint val="80000"/>
+                <a:satMod val="300000"/>
+              </a:schemeClr>
+            </a:gs>
+            <a:gs pos="100000">
+              <a:schemeClr val="phClr">
+                <a:shade val="30000"/>
+                <a:satMod val="200000"/>
+              </a:schemeClr>
+            </a:gs>
+          </a:gsLst>
+          <a:path path="circle">
+            <a:fillToRect l="50000" t="50000" r="50000" b="50000"/>
+          </a:path>
+        </a:gradFill>
+      </a:bgFillStyleLst>
+    </a:fmtScheme>
+  </a:themeElements>
+  <a:objectDefaults>
+    <a:spDef>
+      <a:spPr bwMode="auto">
+        <a:xfrm>
+          <a:off x="0" y="0"/>
+          <a:ext cx="1" cy="1"/>
+        </a:xfrm>
+        <a:custGeom>
+          <a:avLst/>
+          <a:gdLst/>
+          <a:ahLst/>
+          <a:cxnLst/>
+          <a:rect l="0" t="0" r="0" b="0"/>
+          <a:pathLst/>
+        </a:custGeom>
+        <a:solidFill>
+          <a:schemeClr val="bg1"/>
+        </a:solidFill>
+        <a:ln w="9525" cap="flat" cmpd="sng" algn="ctr">
+          <a:solidFill>
+            <a:schemeClr val="tx1"/>
+          </a:solidFill>
+          <a:prstDash val="solid"/>
+          <a:round/>
+          <a:headEnd type="none" w="med" len="med"/>
+          <a:tailEnd type="none" w="med" len="med"/>
+        </a:ln>
+        <a:effectLst/>
+      </a:spPr>
+      <a:bodyPr vert="horz" wrap="none" lIns="0" tIns="0" rIns="0" bIns="0" numCol="1" anchor="ctr" anchorCtr="0" compatLnSpc="1">
+        <a:prstTxWarp prst="textNoShape">
+          <a:avLst/>
+        </a:prstTxWarp>
+      </a:bodyPr>
+      <a:lstStyle>
+        <a:defPPr marL="0" marR="0" indent="0" algn="ctr" defTabSz="914400" rtl="0" eaLnBrk="1" fontAlgn="base" latinLnBrk="0" hangingPunct="1">
+          <a:lnSpc>
+            <a:spcPct val="100000"/>
+          </a:lnSpc>
+          <a:spcBef>
+            <a:spcPct val="0"/>
+          </a:spcBef>
+          <a:spcAft>
+            <a:spcPct val="0"/>
+          </a:spcAft>
+          <a:buClr>
+            <a:schemeClr val="bg2"/>
+          </a:buClr>
+          <a:buSzTx/>
+          <a:buFontTx/>
+          <a:buNone/>
+          <a:tabLst/>
+          <a:defRPr kumimoji="0" lang="de-DE" sz="1600" b="0" i="0" u="none" strike="noStrike" cap="none" normalizeH="0" baseline="0" smtClean="0">
+            <a:ln>
+              <a:noFill/>
+            </a:ln>
+            <a:solidFill>
+              <a:schemeClr val="tx1"/>
+            </a:solidFill>
+            <a:effectLst/>
+            <a:latin typeface="Arial" charset="0"/>
+          </a:defRPr>
+        </a:defPPr>
+      </a:lstStyle>
+    </a:spDef>
+    <a:lnDef>
+      <a:spPr bwMode="auto">
+        <a:xfrm>
+          <a:off x="0" y="0"/>
+          <a:ext cx="1" cy="1"/>
+        </a:xfrm>
+        <a:custGeom>
+          <a:avLst/>
+          <a:gdLst/>
+          <a:ahLst/>
+          <a:cxnLst/>
+          <a:rect l="0" t="0" r="0" b="0"/>
+          <a:pathLst/>
+        </a:custGeom>
+        <a:solidFill>
+          <a:schemeClr val="bg1"/>
+        </a:solidFill>
+        <a:ln w="9525" cap="flat" cmpd="sng" algn="ctr">
+          <a:solidFill>
+            <a:schemeClr val="tx1"/>
+          </a:solidFill>
+          <a:prstDash val="solid"/>
+          <a:round/>
+          <a:headEnd type="none" w="med" len="med"/>
+          <a:tailEnd type="none" w="med" len="med"/>
+        </a:ln>
+        <a:effectLst/>
+      </a:spPr>
+      <a:bodyPr vert="horz" wrap="none" lIns="0" tIns="0" rIns="0" bIns="0" numCol="1" anchor="ctr" anchorCtr="0" compatLnSpc="1">
+        <a:prstTxWarp prst="textNoShape">
+          <a:avLst/>
+        </a:prstTxWarp>
+      </a:bodyPr>
+      <a:lstStyle>
+        <a:defPPr marL="0" marR="0" indent="0" algn="ctr" defTabSz="914400" rtl="0" eaLnBrk="1" fontAlgn="base" latinLnBrk="0" hangingPunct="1">
+          <a:lnSpc>
+            <a:spcPct val="100000"/>
+          </a:lnSpc>
+          <a:spcBef>
+            <a:spcPct val="0"/>
+          </a:spcBef>
+          <a:spcAft>
+            <a:spcPct val="0"/>
+          </a:spcAft>
+          <a:buClr>
+            <a:schemeClr val="bg2"/>
+          </a:buClr>
+          <a:buSzTx/>
+          <a:buFontTx/>
+          <a:buNone/>
+          <a:tabLst/>
+          <a:defRPr kumimoji="0" lang="de-DE" sz="1600" b="0" i="0" u="none" strike="noStrike" cap="none" normalizeH="0" baseline="0" smtClean="0">
+            <a:ln>
+              <a:noFill/>
+            </a:ln>
+            <a:solidFill>
+              <a:schemeClr val="tx1"/>
+            </a:solidFill>
+            <a:effectLst/>
+            <a:latin typeface="Arial" charset="0"/>
+          </a:defRPr>
+        </a:defPPr>
+      </a:lstStyle>
+    </a:lnDef>
+  </a:objectDefaults>
+  <a:extraClrSchemeLst>
+    <a:extraClrScheme>
+      <a:clrScheme name="© 2008 Logica Slide Master 1">
+        <a:dk1>
+          <a:srgbClr val="000000"/>
+        </a:dk1>
+        <a:lt1>
+          <a:srgbClr val="FFFFFF"/>
+        </a:lt1>
+        <a:dk2>
+          <a:srgbClr val="DDDDDD"/>
+        </a:dk2>
+        <a:lt2>
+          <a:srgbClr val="5F5F5F"/>
+        </a:lt2>
+        <a:accent1>
+          <a:srgbClr val="FFCC00"/>
+        </a:accent1>
+        <a:accent2>
+          <a:srgbClr val="8D979B"/>
+        </a:accent2>
+        <a:accent3>
+          <a:srgbClr val="FFFFFF"/>
+        </a:accent3>
+        <a:accent4>
+          <a:srgbClr val="000000"/>
+        </a:accent4>
+        <a:accent5>
+          <a:srgbClr val="FFE2AA"/>
+        </a:accent5>
+        <a:accent6>
+          <a:srgbClr val="7F888C"/>
+        </a:accent6>
+        <a:hlink>
+          <a:srgbClr val="A5AA78"/>
+        </a:hlink>
+        <a:folHlink>
+          <a:srgbClr val="CE6700"/>
+        </a:folHlink>
+      </a:clrScheme>
+      <a:clrMap bg1="lt1" tx1="dk1" bg2="lt2" tx2="dk2" accent1="accent1" accent2="accent2" accent3="accent3" accent4="accent4" accent5="accent5" accent6="accent6" hlink="hlink" folHlink="folHlink"/>
+    </a:extraClrScheme>
+  </a:extraClrSchemeLst>
+  <a:extLst>
+    <a:ext uri="{05A4C25C-085E-4340-85A3-A5531E510DB2}">
+      <thm15:themeFamily xmlns:thm15="http://schemas.microsoft.com/office/thememl/2012/main" name="Default.potx" id="{50080178-9A08-4EFD-9B63-B252A6E24CE2}" vid="{E87812AB-6A0B-4E42-B8B8-4F8BBA431F6F}"/>
+    </a:ext>
+  </a:extLst>
+</a:theme>
+</file>
+
+<file path=ppt/theme/theme3.xml><?xml version="1.0" encoding="utf-8"?>
 <a:theme xmlns:a="http://schemas.openxmlformats.org/drawingml/2006/main" name="Office Theme">
   <a:themeElements>
     <a:clrScheme name="">
@@ -31299,7 +34785,7 @@
 </a:theme>
 </file>
 
-<file path=ppt/theme/theme3.xml><?xml version="1.0" encoding="utf-8"?>
+<file path=ppt/theme/theme4.xml><?xml version="1.0" encoding="utf-8"?>
 <a:theme xmlns:a="http://schemas.openxmlformats.org/drawingml/2006/main" name="Office Theme">
   <a:themeElements>
     <a:clrScheme name="">
